--- a/Figures/Arcs/Architecture_Overview.pptx
+++ b/Figures/Arcs/Architecture_Overview.pptx
@@ -5,10 +5,11 @@
     <p:sldMasterId id="2147483648" r:id="rId1"/>
   </p:sldMasterIdLst>
   <p:notesMasterIdLst>
-    <p:notesMasterId r:id="rId3"/>
+    <p:notesMasterId r:id="rId4"/>
   </p:notesMasterIdLst>
   <p:sldIdLst>
     <p:sldId id="256" r:id="rId2"/>
+    <p:sldId id="257" r:id="rId3"/>
   </p:sldIdLst>
   <p:sldSz cx="12192000" cy="6858000"/>
   <p:notesSz cx="6858000" cy="9144000"/>
@@ -197,7 +198,7 @@
           <a:p>
             <a:fld id="{4F2B3EEC-C8B4-0543-943F-91B3791C5E43}" type="datetimeFigureOut">
               <a:rPr lang="en-US" smtClean="0"/>
-              <a:t>6/16/23</a:t>
+              <a:t>6/28/23</a:t>
             </a:fld>
             <a:endParaRPr lang="en-US"/>
           </a:p>
@@ -587,6 +588,129 @@
 </p:notes>
 </file>
 
+<file path=ppt/notesSlides/notesSlide2.xml><?xml version="1.0" encoding="utf-8"?>
+<p:notes xmlns:a="http://schemas.openxmlformats.org/drawingml/2006/main" xmlns:r="http://schemas.openxmlformats.org/officeDocument/2006/relationships" xmlns:p="http://schemas.openxmlformats.org/presentationml/2006/main">
+  <p:cSld>
+    <p:spTree>
+      <p:nvGrpSpPr>
+        <p:cNvPr id="1" name=""/>
+        <p:cNvGrpSpPr/>
+        <p:nvPr/>
+      </p:nvGrpSpPr>
+      <p:grpSpPr>
+        <a:xfrm>
+          <a:off x="0" y="0"/>
+          <a:ext cx="0" cy="0"/>
+          <a:chOff x="0" y="0"/>
+          <a:chExt cx="0" cy="0"/>
+        </a:xfrm>
+      </p:grpSpPr>
+      <p:sp>
+        <p:nvSpPr>
+          <p:cNvPr id="2" name="Slide Image Placeholder 1"/>
+          <p:cNvSpPr>
+            <a:spLocks noGrp="1" noRot="1" noChangeAspect="1"/>
+          </p:cNvSpPr>
+          <p:nvPr>
+            <p:ph type="sldImg"/>
+          </p:nvPr>
+        </p:nvSpPr>
+        <p:spPr/>
+      </p:sp>
+      <p:sp>
+        <p:nvSpPr>
+          <p:cNvPr id="3" name="Notes Placeholder 2"/>
+          <p:cNvSpPr>
+            <a:spLocks noGrp="1"/>
+          </p:cNvSpPr>
+          <p:nvPr>
+            <p:ph type="body" idx="1"/>
+          </p:nvPr>
+        </p:nvSpPr>
+        <p:spPr/>
+        <p:txBody>
+          <a:bodyPr/>
+          <a:lstStyle/>
+          <a:p>
+            <a:pPr marL="0" marR="0" lvl="0" indent="0" algn="l" defTabSz="914400" rtl="0" eaLnBrk="1" fontAlgn="auto" latinLnBrk="0" hangingPunct="1">
+              <a:lnSpc>
+                <a:spcPct val="100000"/>
+              </a:lnSpc>
+              <a:spcBef>
+                <a:spcPts val="0"/>
+              </a:spcBef>
+              <a:spcAft>
+                <a:spcPts val="0"/>
+              </a:spcAft>
+              <a:buClrTx/>
+              <a:buSzTx/>
+              <a:buFontTx/>
+              <a:buNone/>
+              <a:tabLst/>
+              <a:defRPr/>
+            </a:pPr>
+            <a:r>
+              <a:rPr lang="en-US" dirty="0"/>
+              <a:t>function crop () { </a:t>
+            </a:r>
+            <a:r>
+              <a:rPr lang="en-US" dirty="0" err="1"/>
+              <a:t>pdfcrop</a:t>
+            </a:r>
+            <a:r>
+              <a:rPr lang="en-US" dirty="0"/>
+              <a:t> --</a:t>
+            </a:r>
+            <a:r>
+              <a:rPr lang="en-US" dirty="0" err="1"/>
+              <a:t>ini</a:t>
+            </a:r>
+            <a:r>
+              <a:rPr lang="en-US" dirty="0"/>
+              <a:t> $1 $1 &amp; }</a:t>
+            </a:r>
+          </a:p>
+          <a:p>
+            <a:endParaRPr lang="en-US" dirty="0"/>
+          </a:p>
+        </p:txBody>
+      </p:sp>
+      <p:sp>
+        <p:nvSpPr>
+          <p:cNvPr id="4" name="Slide Number Placeholder 3"/>
+          <p:cNvSpPr>
+            <a:spLocks noGrp="1"/>
+          </p:cNvSpPr>
+          <p:nvPr>
+            <p:ph type="sldNum" sz="quarter" idx="5"/>
+          </p:nvPr>
+        </p:nvSpPr>
+        <p:spPr/>
+        <p:txBody>
+          <a:bodyPr/>
+          <a:lstStyle/>
+          <a:p>
+            <a:fld id="{26E317F8-BE6A-D64A-AA4B-64623B0AE7D6}" type="slidenum">
+              <a:rPr lang="en-US" smtClean="0"/>
+              <a:t>2</a:t>
+            </a:fld>
+            <a:endParaRPr lang="en-US"/>
+          </a:p>
+        </p:txBody>
+      </p:sp>
+    </p:spTree>
+    <p:extLst>
+      <p:ext uri="{BB962C8B-B14F-4D97-AF65-F5344CB8AC3E}">
+        <p14:creationId xmlns:p14="http://schemas.microsoft.com/office/powerpoint/2010/main" val="564340376"/>
+      </p:ext>
+    </p:extLst>
+  </p:cSld>
+  <p:clrMapOvr>
+    <a:masterClrMapping/>
+  </p:clrMapOvr>
+</p:notes>
+</file>
+
 <file path=ppt/slideLayouts/slideLayout1.xml><?xml version="1.0" encoding="utf-8"?>
 <p:sldLayout xmlns:a="http://schemas.openxmlformats.org/drawingml/2006/main" xmlns:r="http://schemas.openxmlformats.org/officeDocument/2006/relationships" xmlns:p="http://schemas.openxmlformats.org/presentationml/2006/main" type="title" preserve="1">
   <p:cSld name="Title Slide">
@@ -734,7 +858,7 @@
           <a:p>
             <a:fld id="{697CBF4A-2AD2-1249-BC5E-D6BCA9656194}" type="datetimeFigureOut">
               <a:rPr lang="en-US" smtClean="0"/>
-              <a:t>6/16/23</a:t>
+              <a:t>6/28/23</a:t>
             </a:fld>
             <a:endParaRPr lang="en-US"/>
           </a:p>
@@ -932,7 +1056,7 @@
           <a:p>
             <a:fld id="{697CBF4A-2AD2-1249-BC5E-D6BCA9656194}" type="datetimeFigureOut">
               <a:rPr lang="en-US" smtClean="0"/>
-              <a:t>6/16/23</a:t>
+              <a:t>6/28/23</a:t>
             </a:fld>
             <a:endParaRPr lang="en-US"/>
           </a:p>
@@ -1140,7 +1264,7 @@
           <a:p>
             <a:fld id="{697CBF4A-2AD2-1249-BC5E-D6BCA9656194}" type="datetimeFigureOut">
               <a:rPr lang="en-US" smtClean="0"/>
-              <a:t>6/16/23</a:t>
+              <a:t>6/28/23</a:t>
             </a:fld>
             <a:endParaRPr lang="en-US"/>
           </a:p>
@@ -1338,7 +1462,7 @@
           <a:p>
             <a:fld id="{697CBF4A-2AD2-1249-BC5E-D6BCA9656194}" type="datetimeFigureOut">
               <a:rPr lang="en-US" smtClean="0"/>
-              <a:t>6/16/23</a:t>
+              <a:t>6/28/23</a:t>
             </a:fld>
             <a:endParaRPr lang="en-US"/>
           </a:p>
@@ -1613,7 +1737,7 @@
           <a:p>
             <a:fld id="{697CBF4A-2AD2-1249-BC5E-D6BCA9656194}" type="datetimeFigureOut">
               <a:rPr lang="en-US" smtClean="0"/>
-              <a:t>6/16/23</a:t>
+              <a:t>6/28/23</a:t>
             </a:fld>
             <a:endParaRPr lang="en-US"/>
           </a:p>
@@ -1878,7 +2002,7 @@
           <a:p>
             <a:fld id="{697CBF4A-2AD2-1249-BC5E-D6BCA9656194}" type="datetimeFigureOut">
               <a:rPr lang="en-US" smtClean="0"/>
-              <a:t>6/16/23</a:t>
+              <a:t>6/28/23</a:t>
             </a:fld>
             <a:endParaRPr lang="en-US"/>
           </a:p>
@@ -2290,7 +2414,7 @@
           <a:p>
             <a:fld id="{697CBF4A-2AD2-1249-BC5E-D6BCA9656194}" type="datetimeFigureOut">
               <a:rPr lang="en-US" smtClean="0"/>
-              <a:t>6/16/23</a:t>
+              <a:t>6/28/23</a:t>
             </a:fld>
             <a:endParaRPr lang="en-US"/>
           </a:p>
@@ -2431,7 +2555,7 @@
           <a:p>
             <a:fld id="{697CBF4A-2AD2-1249-BC5E-D6BCA9656194}" type="datetimeFigureOut">
               <a:rPr lang="en-US" smtClean="0"/>
-              <a:t>6/16/23</a:t>
+              <a:t>6/28/23</a:t>
             </a:fld>
             <a:endParaRPr lang="en-US"/>
           </a:p>
@@ -2544,7 +2668,7 @@
           <a:p>
             <a:fld id="{697CBF4A-2AD2-1249-BC5E-D6BCA9656194}" type="datetimeFigureOut">
               <a:rPr lang="en-US" smtClean="0"/>
-              <a:t>6/16/23</a:t>
+              <a:t>6/28/23</a:t>
             </a:fld>
             <a:endParaRPr lang="en-US"/>
           </a:p>
@@ -2855,7 +2979,7 @@
           <a:p>
             <a:fld id="{697CBF4A-2AD2-1249-BC5E-D6BCA9656194}" type="datetimeFigureOut">
               <a:rPr lang="en-US" smtClean="0"/>
-              <a:t>6/16/23</a:t>
+              <a:t>6/28/23</a:t>
             </a:fld>
             <a:endParaRPr lang="en-US"/>
           </a:p>
@@ -3143,7 +3267,7 @@
           <a:p>
             <a:fld id="{697CBF4A-2AD2-1249-BC5E-D6BCA9656194}" type="datetimeFigureOut">
               <a:rPr lang="en-US" smtClean="0"/>
-              <a:t>6/16/23</a:t>
+              <a:t>6/28/23</a:t>
             </a:fld>
             <a:endParaRPr lang="en-US"/>
           </a:p>
@@ -3384,7 +3508,7 @@
           <a:p>
             <a:fld id="{697CBF4A-2AD2-1249-BC5E-D6BCA9656194}" type="datetimeFigureOut">
               <a:rPr lang="en-US" smtClean="0"/>
-              <a:t>6/16/23</a:t>
+              <a:t>6/28/23</a:t>
             </a:fld>
             <a:endParaRPr lang="en-US"/>
           </a:p>
@@ -3803,6 +3927,2167 @@
       </p:grpSpPr>
       <p:sp>
         <p:nvSpPr>
+          <p:cNvPr id="5" name="TextBox 4">
+            <a:extLst>
+              <a:ext uri="{FF2B5EF4-FFF2-40B4-BE49-F238E27FC236}">
+                <a16:creationId xmlns:a16="http://schemas.microsoft.com/office/drawing/2014/main" id="{916DA83E-5DD4-F259-C289-BBF34314CE00}"/>
+              </a:ext>
+            </a:extLst>
+          </p:cNvPr>
+          <p:cNvSpPr txBox="1"/>
+          <p:nvPr/>
+        </p:nvSpPr>
+        <p:spPr>
+          <a:xfrm>
+            <a:off x="1233112" y="2710746"/>
+            <a:ext cx="907595" cy="369332"/>
+          </a:xfrm>
+          <a:prstGeom prst="rect">
+            <a:avLst/>
+          </a:prstGeom>
+          <a:noFill/>
+        </p:spPr>
+        <p:txBody>
+          <a:bodyPr wrap="square" rtlCol="0">
+            <a:spAutoFit/>
+          </a:bodyPr>
+          <a:lstStyle/>
+          <a:p>
+            <a:r>
+              <a:rPr lang="en-US" dirty="0"/>
+              <a:t>Dataset</a:t>
+            </a:r>
+          </a:p>
+        </p:txBody>
+      </p:sp>
+      <p:sp>
+        <p:nvSpPr>
+          <p:cNvPr id="7" name="Can 6">
+            <a:extLst>
+              <a:ext uri="{FF2B5EF4-FFF2-40B4-BE49-F238E27FC236}">
+                <a16:creationId xmlns:a16="http://schemas.microsoft.com/office/drawing/2014/main" id="{C11379F4-F78C-2DBA-28F5-8A3E0AE9458B}"/>
+              </a:ext>
+            </a:extLst>
+          </p:cNvPr>
+          <p:cNvSpPr/>
+          <p:nvPr/>
+        </p:nvSpPr>
+        <p:spPr>
+          <a:xfrm>
+            <a:off x="2251248" y="1583231"/>
+            <a:ext cx="352803" cy="256860"/>
+          </a:xfrm>
+          <a:prstGeom prst="can">
+            <a:avLst/>
+          </a:prstGeom>
+          <a:solidFill>
+            <a:srgbClr val="00B0F0"/>
+          </a:solidFill>
+          <a:ln w="28575" cmpd="sng">
+            <a:solidFill>
+              <a:schemeClr val="tx1"/>
+            </a:solidFill>
+          </a:ln>
+          <a:effectLst/>
+        </p:spPr>
+        <p:style>
+          <a:lnRef idx="1">
+            <a:schemeClr val="accent1"/>
+          </a:lnRef>
+          <a:fillRef idx="3">
+            <a:schemeClr val="accent1"/>
+          </a:fillRef>
+          <a:effectRef idx="2">
+            <a:schemeClr val="accent1"/>
+          </a:effectRef>
+          <a:fontRef idx="minor">
+            <a:schemeClr val="lt1"/>
+          </a:fontRef>
+        </p:style>
+        <p:txBody>
+          <a:bodyPr rtlCol="0" anchor="ctr"/>
+          <a:lstStyle/>
+          <a:p>
+            <a:pPr algn="ctr"/>
+            <a:endParaRPr lang="en-US" sz="2000" dirty="0">
+              <a:solidFill>
+                <a:schemeClr val="tx1"/>
+              </a:solidFill>
+            </a:endParaRPr>
+          </a:p>
+        </p:txBody>
+      </p:sp>
+      <p:sp>
+        <p:nvSpPr>
+          <p:cNvPr id="10" name="TextBox 9">
+            <a:extLst>
+              <a:ext uri="{FF2B5EF4-FFF2-40B4-BE49-F238E27FC236}">
+                <a16:creationId xmlns:a16="http://schemas.microsoft.com/office/drawing/2014/main" id="{BE85419F-1FBA-202A-E2EA-74AD0BADC1FC}"/>
+              </a:ext>
+            </a:extLst>
+          </p:cNvPr>
+          <p:cNvSpPr txBox="1"/>
+          <p:nvPr/>
+        </p:nvSpPr>
+        <p:spPr>
+          <a:xfrm>
+            <a:off x="2182730" y="1775471"/>
+            <a:ext cx="510139" cy="369332"/>
+          </a:xfrm>
+          <a:prstGeom prst="rect">
+            <a:avLst/>
+          </a:prstGeom>
+          <a:noFill/>
+        </p:spPr>
+        <p:txBody>
+          <a:bodyPr wrap="square" rtlCol="0">
+            <a:spAutoFit/>
+          </a:bodyPr>
+          <a:lstStyle/>
+          <a:p>
+            <a:pPr algn="ctr"/>
+            <a:r>
+              <a:rPr lang="en-US" dirty="0"/>
+              <a:t>S</a:t>
+            </a:r>
+            <a:r>
+              <a:rPr lang="en-US" baseline="-25000" dirty="0"/>
+              <a:t>1</a:t>
+            </a:r>
+            <a:endParaRPr lang="en-US" dirty="0"/>
+          </a:p>
+        </p:txBody>
+      </p:sp>
+      <p:sp>
+        <p:nvSpPr>
+          <p:cNvPr id="11" name="Can 10">
+            <a:extLst>
+              <a:ext uri="{FF2B5EF4-FFF2-40B4-BE49-F238E27FC236}">
+                <a16:creationId xmlns:a16="http://schemas.microsoft.com/office/drawing/2014/main" id="{BAEFAF98-F096-E674-BCB5-258452A2D5F7}"/>
+              </a:ext>
+            </a:extLst>
+          </p:cNvPr>
+          <p:cNvSpPr/>
+          <p:nvPr/>
+        </p:nvSpPr>
+        <p:spPr>
+          <a:xfrm>
+            <a:off x="2251248" y="2133109"/>
+            <a:ext cx="352803" cy="256860"/>
+          </a:xfrm>
+          <a:prstGeom prst="can">
+            <a:avLst/>
+          </a:prstGeom>
+          <a:solidFill>
+            <a:srgbClr val="0070C0"/>
+          </a:solidFill>
+          <a:ln w="28575" cmpd="sng">
+            <a:solidFill>
+              <a:schemeClr val="tx1"/>
+            </a:solidFill>
+          </a:ln>
+          <a:effectLst/>
+        </p:spPr>
+        <p:style>
+          <a:lnRef idx="1">
+            <a:schemeClr val="accent1"/>
+          </a:lnRef>
+          <a:fillRef idx="3">
+            <a:schemeClr val="accent1"/>
+          </a:fillRef>
+          <a:effectRef idx="2">
+            <a:schemeClr val="accent1"/>
+          </a:effectRef>
+          <a:fontRef idx="minor">
+            <a:schemeClr val="lt1"/>
+          </a:fontRef>
+        </p:style>
+        <p:txBody>
+          <a:bodyPr rtlCol="0" anchor="ctr"/>
+          <a:lstStyle/>
+          <a:p>
+            <a:pPr algn="ctr"/>
+            <a:endParaRPr lang="en-US" sz="2000" dirty="0">
+              <a:solidFill>
+                <a:schemeClr val="tx1"/>
+              </a:solidFill>
+            </a:endParaRPr>
+          </a:p>
+        </p:txBody>
+      </p:sp>
+      <p:sp>
+        <p:nvSpPr>
+          <p:cNvPr id="12" name="TextBox 11">
+            <a:extLst>
+              <a:ext uri="{FF2B5EF4-FFF2-40B4-BE49-F238E27FC236}">
+                <a16:creationId xmlns:a16="http://schemas.microsoft.com/office/drawing/2014/main" id="{185C0691-A6CF-6862-8993-E35958BB071C}"/>
+              </a:ext>
+            </a:extLst>
+          </p:cNvPr>
+          <p:cNvSpPr txBox="1"/>
+          <p:nvPr/>
+        </p:nvSpPr>
+        <p:spPr>
+          <a:xfrm>
+            <a:off x="2182730" y="2325349"/>
+            <a:ext cx="510139" cy="369332"/>
+          </a:xfrm>
+          <a:prstGeom prst="rect">
+            <a:avLst/>
+          </a:prstGeom>
+          <a:noFill/>
+        </p:spPr>
+        <p:txBody>
+          <a:bodyPr wrap="square" rtlCol="0">
+            <a:spAutoFit/>
+          </a:bodyPr>
+          <a:lstStyle/>
+          <a:p>
+            <a:pPr algn="ctr"/>
+            <a:r>
+              <a:rPr lang="en-US" dirty="0"/>
+              <a:t>S</a:t>
+            </a:r>
+            <a:r>
+              <a:rPr lang="en-US" baseline="-25000" dirty="0"/>
+              <a:t>2</a:t>
+            </a:r>
+            <a:endParaRPr lang="en-US" dirty="0"/>
+          </a:p>
+        </p:txBody>
+      </p:sp>
+      <p:sp>
+        <p:nvSpPr>
+          <p:cNvPr id="13" name="Can 12">
+            <a:extLst>
+              <a:ext uri="{FF2B5EF4-FFF2-40B4-BE49-F238E27FC236}">
+                <a16:creationId xmlns:a16="http://schemas.microsoft.com/office/drawing/2014/main" id="{2EE4D794-8F58-04B4-0DA9-BE344CAE2B5B}"/>
+              </a:ext>
+            </a:extLst>
+          </p:cNvPr>
+          <p:cNvSpPr/>
+          <p:nvPr/>
+        </p:nvSpPr>
+        <p:spPr>
+          <a:xfrm>
+            <a:off x="2251248" y="3007753"/>
+            <a:ext cx="352803" cy="256860"/>
+          </a:xfrm>
+          <a:prstGeom prst="can">
+            <a:avLst/>
+          </a:prstGeom>
+          <a:solidFill>
+            <a:srgbClr val="002060"/>
+          </a:solidFill>
+          <a:ln w="28575" cmpd="sng">
+            <a:solidFill>
+              <a:schemeClr val="tx1"/>
+            </a:solidFill>
+          </a:ln>
+          <a:effectLst/>
+        </p:spPr>
+        <p:style>
+          <a:lnRef idx="1">
+            <a:schemeClr val="accent1"/>
+          </a:lnRef>
+          <a:fillRef idx="3">
+            <a:schemeClr val="accent1"/>
+          </a:fillRef>
+          <a:effectRef idx="2">
+            <a:schemeClr val="accent1"/>
+          </a:effectRef>
+          <a:fontRef idx="minor">
+            <a:schemeClr val="lt1"/>
+          </a:fontRef>
+        </p:style>
+        <p:txBody>
+          <a:bodyPr rtlCol="0" anchor="ctr"/>
+          <a:lstStyle/>
+          <a:p>
+            <a:pPr algn="ctr"/>
+            <a:endParaRPr lang="en-US" sz="2000" dirty="0">
+              <a:solidFill>
+                <a:schemeClr val="tx1"/>
+              </a:solidFill>
+            </a:endParaRPr>
+          </a:p>
+        </p:txBody>
+      </p:sp>
+      <p:sp>
+        <p:nvSpPr>
+          <p:cNvPr id="14" name="TextBox 13">
+            <a:extLst>
+              <a:ext uri="{FF2B5EF4-FFF2-40B4-BE49-F238E27FC236}">
+                <a16:creationId xmlns:a16="http://schemas.microsoft.com/office/drawing/2014/main" id="{E4326165-BD8F-A071-BFAB-3EB071D8E500}"/>
+              </a:ext>
+            </a:extLst>
+          </p:cNvPr>
+          <p:cNvSpPr txBox="1"/>
+          <p:nvPr/>
+        </p:nvSpPr>
+        <p:spPr>
+          <a:xfrm>
+            <a:off x="2182730" y="3199993"/>
+            <a:ext cx="510139" cy="369332"/>
+          </a:xfrm>
+          <a:prstGeom prst="rect">
+            <a:avLst/>
+          </a:prstGeom>
+          <a:noFill/>
+        </p:spPr>
+        <p:txBody>
+          <a:bodyPr wrap="square" rtlCol="0">
+            <a:spAutoFit/>
+          </a:bodyPr>
+          <a:lstStyle/>
+          <a:p>
+            <a:pPr algn="ctr"/>
+            <a:r>
+              <a:rPr lang="en-US" dirty="0"/>
+              <a:t>S</a:t>
+            </a:r>
+            <a:r>
+              <a:rPr lang="en-US" baseline="-25000" dirty="0"/>
+              <a:t>n</a:t>
+            </a:r>
+            <a:endParaRPr lang="en-US" dirty="0"/>
+          </a:p>
+        </p:txBody>
+      </p:sp>
+      <p:sp>
+        <p:nvSpPr>
+          <p:cNvPr id="16" name="Oval 15">
+            <a:extLst>
+              <a:ext uri="{FF2B5EF4-FFF2-40B4-BE49-F238E27FC236}">
+                <a16:creationId xmlns:a16="http://schemas.microsoft.com/office/drawing/2014/main" id="{9A3E0056-92FB-12B6-714E-0FD703955A7F}"/>
+              </a:ext>
+            </a:extLst>
+          </p:cNvPr>
+          <p:cNvSpPr/>
+          <p:nvPr/>
+        </p:nvSpPr>
+        <p:spPr>
+          <a:xfrm>
+            <a:off x="2384173" y="2682987"/>
+            <a:ext cx="86952" cy="86952"/>
+          </a:xfrm>
+          <a:prstGeom prst="ellipse">
+            <a:avLst/>
+          </a:prstGeom>
+          <a:solidFill>
+            <a:schemeClr val="tx1"/>
+          </a:solidFill>
+          <a:ln>
+            <a:noFill/>
+          </a:ln>
+        </p:spPr>
+        <p:style>
+          <a:lnRef idx="2">
+            <a:schemeClr val="dk1">
+              <a:shade val="15000"/>
+            </a:schemeClr>
+          </a:lnRef>
+          <a:fillRef idx="1">
+            <a:schemeClr val="dk1"/>
+          </a:fillRef>
+          <a:effectRef idx="0">
+            <a:schemeClr val="dk1"/>
+          </a:effectRef>
+          <a:fontRef idx="minor">
+            <a:schemeClr val="lt1"/>
+          </a:fontRef>
+        </p:style>
+        <p:txBody>
+          <a:bodyPr rtlCol="0" anchor="ctr"/>
+          <a:lstStyle/>
+          <a:p>
+            <a:pPr algn="ctr"/>
+            <a:endParaRPr lang="en-US"/>
+          </a:p>
+        </p:txBody>
+      </p:sp>
+      <p:sp>
+        <p:nvSpPr>
+          <p:cNvPr id="17" name="Oval 16">
+            <a:extLst>
+              <a:ext uri="{FF2B5EF4-FFF2-40B4-BE49-F238E27FC236}">
+                <a16:creationId xmlns:a16="http://schemas.microsoft.com/office/drawing/2014/main" id="{E7BCF255-F589-8502-35F6-5721E7F5DA04}"/>
+              </a:ext>
+            </a:extLst>
+          </p:cNvPr>
+          <p:cNvSpPr/>
+          <p:nvPr/>
+        </p:nvSpPr>
+        <p:spPr>
+          <a:xfrm>
+            <a:off x="2384173" y="2831751"/>
+            <a:ext cx="86952" cy="86952"/>
+          </a:xfrm>
+          <a:prstGeom prst="ellipse">
+            <a:avLst/>
+          </a:prstGeom>
+          <a:solidFill>
+            <a:schemeClr val="tx1"/>
+          </a:solidFill>
+          <a:ln>
+            <a:noFill/>
+          </a:ln>
+        </p:spPr>
+        <p:style>
+          <a:lnRef idx="2">
+            <a:schemeClr val="dk1">
+              <a:shade val="15000"/>
+            </a:schemeClr>
+          </a:lnRef>
+          <a:fillRef idx="1">
+            <a:schemeClr val="dk1"/>
+          </a:fillRef>
+          <a:effectRef idx="0">
+            <a:schemeClr val="dk1"/>
+          </a:effectRef>
+          <a:fontRef idx="minor">
+            <a:schemeClr val="lt1"/>
+          </a:fontRef>
+        </p:style>
+        <p:txBody>
+          <a:bodyPr rtlCol="0" anchor="ctr"/>
+          <a:lstStyle/>
+          <a:p>
+            <a:pPr algn="ctr"/>
+            <a:endParaRPr lang="en-US"/>
+          </a:p>
+        </p:txBody>
+      </p:sp>
+      <p:sp>
+        <p:nvSpPr>
+          <p:cNvPr id="34" name="Rounded Rectangle 33">
+            <a:extLst>
+              <a:ext uri="{FF2B5EF4-FFF2-40B4-BE49-F238E27FC236}">
+                <a16:creationId xmlns:a16="http://schemas.microsoft.com/office/drawing/2014/main" id="{D5CDBEB8-944B-4FA5-5D27-D4165FB06A83}"/>
+              </a:ext>
+            </a:extLst>
+          </p:cNvPr>
+          <p:cNvSpPr/>
+          <p:nvPr/>
+        </p:nvSpPr>
+        <p:spPr>
+          <a:xfrm>
+            <a:off x="4394199" y="3339885"/>
+            <a:ext cx="2201639" cy="692279"/>
+          </a:xfrm>
+          <a:prstGeom prst="roundRect">
+            <a:avLst/>
+          </a:prstGeom>
+          <a:noFill/>
+          <a:ln w="38100"/>
+        </p:spPr>
+        <p:style>
+          <a:lnRef idx="2">
+            <a:schemeClr val="dk1"/>
+          </a:lnRef>
+          <a:fillRef idx="1">
+            <a:schemeClr val="lt1"/>
+          </a:fillRef>
+          <a:effectRef idx="0">
+            <a:schemeClr val="dk1"/>
+          </a:effectRef>
+          <a:fontRef idx="minor">
+            <a:schemeClr val="dk1"/>
+          </a:fontRef>
+        </p:style>
+        <p:txBody>
+          <a:bodyPr rtlCol="0" anchor="ctr"/>
+          <a:lstStyle/>
+          <a:p>
+            <a:pPr algn="ctr"/>
+            <a:r>
+              <a:rPr lang="en-US" sz="1600" dirty="0"/>
+              <a:t>Determine Highest Accuracy Parameter Values (HAPV)</a:t>
+            </a:r>
+            <a:endParaRPr lang="en-US" sz="2400" dirty="0"/>
+          </a:p>
+        </p:txBody>
+      </p:sp>
+      <p:sp>
+        <p:nvSpPr>
+          <p:cNvPr id="35" name="Card 34">
+            <a:extLst>
+              <a:ext uri="{FF2B5EF4-FFF2-40B4-BE49-F238E27FC236}">
+                <a16:creationId xmlns:a16="http://schemas.microsoft.com/office/drawing/2014/main" id="{1CE75996-FCA6-3D5B-4034-B294796C5538}"/>
+              </a:ext>
+            </a:extLst>
+          </p:cNvPr>
+          <p:cNvSpPr/>
+          <p:nvPr/>
+        </p:nvSpPr>
+        <p:spPr>
+          <a:xfrm flipH="1">
+            <a:off x="4039887" y="999890"/>
+            <a:ext cx="2290585" cy="582357"/>
+          </a:xfrm>
+          <a:prstGeom prst="flowChartPunchedCard">
+            <a:avLst/>
+          </a:prstGeom>
+          <a:solidFill>
+            <a:schemeClr val="bg1"/>
+          </a:solidFill>
+          <a:ln w="41275">
+            <a:solidFill>
+              <a:schemeClr val="tx1"/>
+            </a:solidFill>
+          </a:ln>
+          <a:effectLst/>
+        </p:spPr>
+        <p:style>
+          <a:lnRef idx="1">
+            <a:schemeClr val="accent1"/>
+          </a:lnRef>
+          <a:fillRef idx="3">
+            <a:schemeClr val="accent1"/>
+          </a:fillRef>
+          <a:effectRef idx="2">
+            <a:schemeClr val="accent1"/>
+          </a:effectRef>
+          <a:fontRef idx="minor">
+            <a:schemeClr val="lt1"/>
+          </a:fontRef>
+        </p:style>
+        <p:txBody>
+          <a:bodyPr rtlCol="0" anchor="ctr"/>
+          <a:lstStyle/>
+          <a:p>
+            <a:pPr algn="ctr"/>
+            <a:r>
+              <a:rPr lang="en-US" sz="1600" dirty="0">
+                <a:solidFill>
+                  <a:schemeClr val="tx1"/>
+                </a:solidFill>
+              </a:rPr>
+              <a:t>Original Implementation + HAPV</a:t>
+            </a:r>
+          </a:p>
+        </p:txBody>
+      </p:sp>
+      <p:cxnSp>
+        <p:nvCxnSpPr>
+          <p:cNvPr id="36" name="Straight Arrow Connector 35">
+            <a:extLst>
+              <a:ext uri="{FF2B5EF4-FFF2-40B4-BE49-F238E27FC236}">
+                <a16:creationId xmlns:a16="http://schemas.microsoft.com/office/drawing/2014/main" id="{4A5D8F72-8C0B-BA30-DD40-761FB92C31E3}"/>
+              </a:ext>
+            </a:extLst>
+          </p:cNvPr>
+          <p:cNvCxnSpPr>
+            <a:cxnSpLocks/>
+            <a:stCxn id="35" idx="1"/>
+            <a:endCxn id="108" idx="1"/>
+          </p:cNvCxnSpPr>
+          <p:nvPr/>
+        </p:nvCxnSpPr>
+        <p:spPr>
+          <a:xfrm>
+            <a:off x="6330472" y="1291069"/>
+            <a:ext cx="288746" cy="7697"/>
+          </a:xfrm>
+          <a:prstGeom prst="straightConnector1">
+            <a:avLst/>
+          </a:prstGeom>
+          <a:ln w="41275" cap="flat" cmpd="sng" algn="ctr">
+            <a:solidFill>
+              <a:schemeClr val="tx1"/>
+            </a:solidFill>
+            <a:prstDash val="solid"/>
+            <a:round/>
+            <a:headEnd type="none" w="med" len="med"/>
+            <a:tailEnd type="arrow" w="med" len="med"/>
+          </a:ln>
+          <a:effectLst/>
+        </p:spPr>
+        <p:style>
+          <a:lnRef idx="2">
+            <a:schemeClr val="accent1"/>
+          </a:lnRef>
+          <a:fillRef idx="0">
+            <a:schemeClr val="accent1"/>
+          </a:fillRef>
+          <a:effectRef idx="1">
+            <a:schemeClr val="accent1"/>
+          </a:effectRef>
+          <a:fontRef idx="minor">
+            <a:schemeClr val="tx1"/>
+          </a:fontRef>
+        </p:style>
+      </p:cxnSp>
+      <p:sp>
+        <p:nvSpPr>
+          <p:cNvPr id="39" name="Rounded Rectangle 38">
+            <a:extLst>
+              <a:ext uri="{FF2B5EF4-FFF2-40B4-BE49-F238E27FC236}">
+                <a16:creationId xmlns:a16="http://schemas.microsoft.com/office/drawing/2014/main" id="{C7418ED6-8C83-045B-2131-553D6D71EEE8}"/>
+              </a:ext>
+            </a:extLst>
+          </p:cNvPr>
+          <p:cNvSpPr/>
+          <p:nvPr/>
+        </p:nvSpPr>
+        <p:spPr>
+          <a:xfrm>
+            <a:off x="3717567" y="812800"/>
+            <a:ext cx="3578025" cy="3333532"/>
+          </a:xfrm>
+          <a:prstGeom prst="roundRect">
+            <a:avLst>
+              <a:gd name="adj" fmla="val 9500"/>
+            </a:avLst>
+          </a:prstGeom>
+          <a:noFill/>
+          <a:ln w="38100">
+            <a:solidFill>
+              <a:schemeClr val="tx1"/>
+            </a:solidFill>
+          </a:ln>
+        </p:spPr>
+        <p:style>
+          <a:lnRef idx="2">
+            <a:schemeClr val="accent1">
+              <a:shade val="15000"/>
+            </a:schemeClr>
+          </a:lnRef>
+          <a:fillRef idx="1">
+            <a:schemeClr val="accent1"/>
+          </a:fillRef>
+          <a:effectRef idx="0">
+            <a:schemeClr val="accent1"/>
+          </a:effectRef>
+          <a:fontRef idx="minor">
+            <a:schemeClr val="lt1"/>
+          </a:fontRef>
+        </p:style>
+        <p:txBody>
+          <a:bodyPr rtlCol="0" anchor="ctr"/>
+          <a:lstStyle/>
+          <a:p>
+            <a:pPr algn="ctr"/>
+            <a:endParaRPr lang="en-US"/>
+          </a:p>
+        </p:txBody>
+      </p:sp>
+      <p:cxnSp>
+        <p:nvCxnSpPr>
+          <p:cNvPr id="92" name="Straight Arrow Connector 91">
+            <a:extLst>
+              <a:ext uri="{FF2B5EF4-FFF2-40B4-BE49-F238E27FC236}">
+                <a16:creationId xmlns:a16="http://schemas.microsoft.com/office/drawing/2014/main" id="{952248C4-8BE9-C0D5-1AF0-000FF990432F}"/>
+              </a:ext>
+            </a:extLst>
+          </p:cNvPr>
+          <p:cNvCxnSpPr>
+            <a:cxnSpLocks/>
+            <a:stCxn id="26" idx="1"/>
+            <a:endCxn id="109" idx="1"/>
+          </p:cNvCxnSpPr>
+          <p:nvPr/>
+        </p:nvCxnSpPr>
+        <p:spPr>
+          <a:xfrm>
+            <a:off x="6330473" y="2133109"/>
+            <a:ext cx="290766" cy="3811"/>
+          </a:xfrm>
+          <a:prstGeom prst="straightConnector1">
+            <a:avLst/>
+          </a:prstGeom>
+          <a:ln w="41275" cap="flat" cmpd="sng" algn="ctr">
+            <a:solidFill>
+              <a:schemeClr val="tx1"/>
+            </a:solidFill>
+            <a:prstDash val="solid"/>
+            <a:round/>
+            <a:headEnd type="none" w="med" len="med"/>
+            <a:tailEnd type="arrow" w="med" len="med"/>
+          </a:ln>
+          <a:effectLst/>
+        </p:spPr>
+        <p:style>
+          <a:lnRef idx="2">
+            <a:schemeClr val="accent1"/>
+          </a:lnRef>
+          <a:fillRef idx="0">
+            <a:schemeClr val="accent1"/>
+          </a:fillRef>
+          <a:effectRef idx="1">
+            <a:schemeClr val="accent1"/>
+          </a:effectRef>
+          <a:fontRef idx="minor">
+            <a:schemeClr val="tx1"/>
+          </a:fontRef>
+        </p:style>
+      </p:cxnSp>
+      <p:sp>
+        <p:nvSpPr>
+          <p:cNvPr id="108" name="Rectangle 107">
+            <a:extLst>
+              <a:ext uri="{FF2B5EF4-FFF2-40B4-BE49-F238E27FC236}">
+                <a16:creationId xmlns:a16="http://schemas.microsoft.com/office/drawing/2014/main" id="{A38E5A71-2226-2B28-48EF-4EC845AA6234}"/>
+              </a:ext>
+            </a:extLst>
+          </p:cNvPr>
+          <p:cNvSpPr/>
+          <p:nvPr/>
+        </p:nvSpPr>
+        <p:spPr>
+          <a:xfrm>
+            <a:off x="6619218" y="1155205"/>
+            <a:ext cx="396543" cy="287121"/>
+          </a:xfrm>
+          <a:prstGeom prst="rect">
+            <a:avLst/>
+          </a:prstGeom>
+          <a:noFill/>
+        </p:spPr>
+        <p:style>
+          <a:lnRef idx="2">
+            <a:schemeClr val="dk1"/>
+          </a:lnRef>
+          <a:fillRef idx="1">
+            <a:schemeClr val="lt1"/>
+          </a:fillRef>
+          <a:effectRef idx="0">
+            <a:schemeClr val="dk1"/>
+          </a:effectRef>
+          <a:fontRef idx="minor">
+            <a:schemeClr val="dk1"/>
+          </a:fontRef>
+        </p:style>
+        <p:txBody>
+          <a:bodyPr rtlCol="0" anchor="ctr"/>
+          <a:lstStyle/>
+          <a:p>
+            <a:pPr algn="ctr"/>
+            <a:r>
+              <a:rPr lang="en-US" sz="1600" i="1" dirty="0">
+                <a:latin typeface="APPLE CHANCERY" panose="03020702040506060504" pitchFamily="66" charset="-79"/>
+                <a:cs typeface="APPLE CHANCERY" panose="03020702040506060504" pitchFamily="66" charset="-79"/>
+              </a:rPr>
+              <a:t>l</a:t>
+            </a:r>
+            <a:r>
+              <a:rPr lang="en-US" sz="1600" i="1" baseline="-25000" dirty="0"/>
+              <a:t>1</a:t>
+            </a:r>
+            <a:endParaRPr lang="en-US" sz="2400" i="1" baseline="-25000" dirty="0"/>
+          </a:p>
+        </p:txBody>
+      </p:sp>
+      <p:sp>
+        <p:nvSpPr>
+          <p:cNvPr id="109" name="Rectangle 108">
+            <a:extLst>
+              <a:ext uri="{FF2B5EF4-FFF2-40B4-BE49-F238E27FC236}">
+                <a16:creationId xmlns:a16="http://schemas.microsoft.com/office/drawing/2014/main" id="{8A0E02EA-55E7-D161-42BB-3A29A4AAE9F0}"/>
+              </a:ext>
+            </a:extLst>
+          </p:cNvPr>
+          <p:cNvSpPr/>
+          <p:nvPr/>
+        </p:nvSpPr>
+        <p:spPr>
+          <a:xfrm>
+            <a:off x="6621239" y="1993360"/>
+            <a:ext cx="396543" cy="287120"/>
+          </a:xfrm>
+          <a:prstGeom prst="rect">
+            <a:avLst/>
+          </a:prstGeom>
+          <a:noFill/>
+        </p:spPr>
+        <p:style>
+          <a:lnRef idx="2">
+            <a:schemeClr val="dk1"/>
+          </a:lnRef>
+          <a:fillRef idx="1">
+            <a:schemeClr val="lt1"/>
+          </a:fillRef>
+          <a:effectRef idx="0">
+            <a:schemeClr val="dk1"/>
+          </a:effectRef>
+          <a:fontRef idx="minor">
+            <a:schemeClr val="dk1"/>
+          </a:fontRef>
+        </p:style>
+        <p:txBody>
+          <a:bodyPr rtlCol="0" anchor="ctr"/>
+          <a:lstStyle/>
+          <a:p>
+            <a:pPr algn="ctr"/>
+            <a:r>
+              <a:rPr lang="en-US" sz="1600" i="1" dirty="0">
+                <a:latin typeface="APPLE CHANCERY" panose="03020702040506060504" pitchFamily="66" charset="-79"/>
+                <a:cs typeface="APPLE CHANCERY" panose="03020702040506060504" pitchFamily="66" charset="-79"/>
+              </a:rPr>
+              <a:t>l</a:t>
+            </a:r>
+            <a:r>
+              <a:rPr lang="en-US" sz="1600" i="1" baseline="-25000" dirty="0">
+                <a:latin typeface="APPLE CHANCERY" panose="03020702040506060504" pitchFamily="66" charset="-79"/>
+                <a:cs typeface="APPLE CHANCERY" panose="03020702040506060504" pitchFamily="66" charset="-79"/>
+              </a:rPr>
+              <a:t>2</a:t>
+            </a:r>
+            <a:endParaRPr lang="en-US" sz="2400" i="1" baseline="-25000" dirty="0"/>
+          </a:p>
+        </p:txBody>
+      </p:sp>
+      <p:sp>
+        <p:nvSpPr>
+          <p:cNvPr id="130" name="Rounded Rectangle 129">
+            <a:extLst>
+              <a:ext uri="{FF2B5EF4-FFF2-40B4-BE49-F238E27FC236}">
+                <a16:creationId xmlns:a16="http://schemas.microsoft.com/office/drawing/2014/main" id="{0FC74C7C-672F-A56B-E60A-B6A634BE573B}"/>
+              </a:ext>
+            </a:extLst>
+          </p:cNvPr>
+          <p:cNvSpPr/>
+          <p:nvPr/>
+        </p:nvSpPr>
+        <p:spPr>
+          <a:xfrm>
+            <a:off x="7717704" y="1428735"/>
+            <a:ext cx="1806706" cy="514648"/>
+          </a:xfrm>
+          <a:prstGeom prst="roundRect">
+            <a:avLst/>
+          </a:prstGeom>
+          <a:noFill/>
+          <a:ln w="38100"/>
+        </p:spPr>
+        <p:style>
+          <a:lnRef idx="2">
+            <a:schemeClr val="dk1"/>
+          </a:lnRef>
+          <a:fillRef idx="1">
+            <a:schemeClr val="lt1"/>
+          </a:fillRef>
+          <a:effectRef idx="0">
+            <a:schemeClr val="dk1"/>
+          </a:effectRef>
+          <a:fontRef idx="minor">
+            <a:schemeClr val="dk1"/>
+          </a:fontRef>
+        </p:style>
+        <p:txBody>
+          <a:bodyPr rtlCol="0" anchor="ctr"/>
+          <a:lstStyle/>
+          <a:p>
+            <a:pPr algn="ctr"/>
+            <a:r>
+              <a:rPr lang="en-US" sz="1600" dirty="0"/>
+              <a:t>Merge Labels</a:t>
+            </a:r>
+            <a:endParaRPr lang="en-US" sz="2400" dirty="0"/>
+          </a:p>
+        </p:txBody>
+      </p:sp>
+      <p:cxnSp>
+        <p:nvCxnSpPr>
+          <p:cNvPr id="158" name="Straight Arrow Connector 157">
+            <a:extLst>
+              <a:ext uri="{FF2B5EF4-FFF2-40B4-BE49-F238E27FC236}">
+                <a16:creationId xmlns:a16="http://schemas.microsoft.com/office/drawing/2014/main" id="{7D69B1F2-29E6-2B98-3383-38BE2B9EB7D3}"/>
+              </a:ext>
+            </a:extLst>
+          </p:cNvPr>
+          <p:cNvCxnSpPr>
+            <a:cxnSpLocks/>
+            <a:stCxn id="130" idx="2"/>
+          </p:cNvCxnSpPr>
+          <p:nvPr/>
+        </p:nvCxnSpPr>
+        <p:spPr>
+          <a:xfrm>
+            <a:off x="8621057" y="1943383"/>
+            <a:ext cx="7312" cy="374445"/>
+          </a:xfrm>
+          <a:prstGeom prst="straightConnector1">
+            <a:avLst/>
+          </a:prstGeom>
+          <a:ln w="41275" cap="flat" cmpd="sng" algn="ctr">
+            <a:solidFill>
+              <a:schemeClr val="tx1"/>
+            </a:solidFill>
+            <a:prstDash val="solid"/>
+            <a:round/>
+            <a:headEnd type="none" w="med" len="med"/>
+            <a:tailEnd type="arrow" w="med" len="med"/>
+          </a:ln>
+          <a:effectLst/>
+        </p:spPr>
+        <p:style>
+          <a:lnRef idx="2">
+            <a:schemeClr val="accent1"/>
+          </a:lnRef>
+          <a:fillRef idx="0">
+            <a:schemeClr val="accent1"/>
+          </a:fillRef>
+          <a:effectRef idx="1">
+            <a:schemeClr val="accent1"/>
+          </a:effectRef>
+          <a:fontRef idx="minor">
+            <a:schemeClr val="tx1"/>
+          </a:fontRef>
+        </p:style>
+      </p:cxnSp>
+      <p:sp>
+        <p:nvSpPr>
+          <p:cNvPr id="163" name="Rectangle 162">
+            <a:extLst>
+              <a:ext uri="{FF2B5EF4-FFF2-40B4-BE49-F238E27FC236}">
+                <a16:creationId xmlns:a16="http://schemas.microsoft.com/office/drawing/2014/main" id="{F7DA55C9-AFAB-470E-C93A-9E28B77BED3A}"/>
+              </a:ext>
+            </a:extLst>
+          </p:cNvPr>
+          <p:cNvSpPr/>
+          <p:nvPr/>
+        </p:nvSpPr>
+        <p:spPr>
+          <a:xfrm>
+            <a:off x="7878217" y="2310944"/>
+            <a:ext cx="1546866" cy="376773"/>
+          </a:xfrm>
+          <a:prstGeom prst="rect">
+            <a:avLst/>
+          </a:prstGeom>
+          <a:noFill/>
+        </p:spPr>
+        <p:style>
+          <a:lnRef idx="2">
+            <a:schemeClr val="dk1"/>
+          </a:lnRef>
+          <a:fillRef idx="1">
+            <a:schemeClr val="lt1"/>
+          </a:fillRef>
+          <a:effectRef idx="0">
+            <a:schemeClr val="dk1"/>
+          </a:effectRef>
+          <a:fontRef idx="minor">
+            <a:schemeClr val="dk1"/>
+          </a:fontRef>
+        </p:style>
+        <p:txBody>
+          <a:bodyPr rtlCol="0" anchor="ctr"/>
+          <a:lstStyle/>
+          <a:p>
+            <a:pPr algn="ctr"/>
+            <a:r>
+              <a:rPr lang="en-US" sz="1600" dirty="0"/>
+              <a:t>Final Output: </a:t>
+            </a:r>
+            <a:r>
+              <a:rPr lang="en-US" sz="1600" i="1" dirty="0">
+                <a:latin typeface="APPLE CHANCERY" panose="03020702040506060504" pitchFamily="66" charset="-79"/>
+                <a:cs typeface="APPLE CHANCERY" panose="03020702040506060504" pitchFamily="66" charset="-79"/>
+              </a:rPr>
+              <a:t>l</a:t>
+            </a:r>
+            <a:r>
+              <a:rPr lang="en-US" sz="1600" dirty="0"/>
+              <a:t> </a:t>
+            </a:r>
+            <a:endParaRPr lang="en-US" dirty="0"/>
+          </a:p>
+        </p:txBody>
+      </p:sp>
+      <p:cxnSp>
+        <p:nvCxnSpPr>
+          <p:cNvPr id="58" name="Straight Arrow Connector 57">
+            <a:extLst>
+              <a:ext uri="{FF2B5EF4-FFF2-40B4-BE49-F238E27FC236}">
+                <a16:creationId xmlns:a16="http://schemas.microsoft.com/office/drawing/2014/main" id="{EC465447-88F3-AAF0-3D52-0C778AE0FEEA}"/>
+              </a:ext>
+            </a:extLst>
+          </p:cNvPr>
+          <p:cNvCxnSpPr>
+            <a:cxnSpLocks/>
+            <a:stCxn id="34" idx="0"/>
+            <a:endCxn id="29" idx="2"/>
+          </p:cNvCxnSpPr>
+          <p:nvPr/>
+        </p:nvCxnSpPr>
+        <p:spPr>
+          <a:xfrm flipV="1">
+            <a:off x="5495019" y="3006994"/>
+            <a:ext cx="2712" cy="332891"/>
+          </a:xfrm>
+          <a:prstGeom prst="straightConnector1">
+            <a:avLst/>
+          </a:prstGeom>
+          <a:ln w="41275" cap="flat" cmpd="sng" algn="ctr">
+            <a:solidFill>
+              <a:schemeClr val="tx1"/>
+            </a:solidFill>
+            <a:prstDash val="solid"/>
+            <a:round/>
+            <a:headEnd type="none" w="med" len="med"/>
+            <a:tailEnd type="arrow" w="med" len="med"/>
+          </a:ln>
+          <a:effectLst/>
+        </p:spPr>
+        <p:style>
+          <a:lnRef idx="2">
+            <a:schemeClr val="accent1"/>
+          </a:lnRef>
+          <a:fillRef idx="0">
+            <a:schemeClr val="accent1"/>
+          </a:fillRef>
+          <a:effectRef idx="1">
+            <a:schemeClr val="accent1"/>
+          </a:effectRef>
+          <a:fontRef idx="minor">
+            <a:schemeClr val="tx1"/>
+          </a:fontRef>
+        </p:style>
+      </p:cxnSp>
+      <p:sp>
+        <p:nvSpPr>
+          <p:cNvPr id="76" name="Can 75">
+            <a:extLst>
+              <a:ext uri="{FF2B5EF4-FFF2-40B4-BE49-F238E27FC236}">
+                <a16:creationId xmlns:a16="http://schemas.microsoft.com/office/drawing/2014/main" id="{EF809AC9-7EE9-8E83-D02E-E80D5229E12A}"/>
+              </a:ext>
+            </a:extLst>
+          </p:cNvPr>
+          <p:cNvSpPr/>
+          <p:nvPr/>
+        </p:nvSpPr>
+        <p:spPr>
+          <a:xfrm>
+            <a:off x="1491399" y="1692170"/>
+            <a:ext cx="352803" cy="1077763"/>
+          </a:xfrm>
+          <a:prstGeom prst="can">
+            <a:avLst/>
+          </a:prstGeom>
+          <a:solidFill>
+            <a:schemeClr val="bg1"/>
+          </a:solidFill>
+          <a:ln w="28575" cmpd="sng">
+            <a:solidFill>
+              <a:schemeClr val="tx1"/>
+            </a:solidFill>
+          </a:ln>
+          <a:effectLst/>
+        </p:spPr>
+        <p:style>
+          <a:lnRef idx="1">
+            <a:schemeClr val="accent1"/>
+          </a:lnRef>
+          <a:fillRef idx="3">
+            <a:schemeClr val="accent1"/>
+          </a:fillRef>
+          <a:effectRef idx="2">
+            <a:schemeClr val="accent1"/>
+          </a:effectRef>
+          <a:fontRef idx="minor">
+            <a:schemeClr val="lt1"/>
+          </a:fontRef>
+        </p:style>
+        <p:txBody>
+          <a:bodyPr rtlCol="0" anchor="ctr"/>
+          <a:lstStyle/>
+          <a:p>
+            <a:pPr algn="ctr"/>
+            <a:endParaRPr lang="en-US" sz="2000" dirty="0">
+              <a:solidFill>
+                <a:schemeClr val="tx1"/>
+              </a:solidFill>
+            </a:endParaRPr>
+          </a:p>
+        </p:txBody>
+      </p:sp>
+      <p:sp>
+        <p:nvSpPr>
+          <p:cNvPr id="77" name="Can 76">
+            <a:extLst>
+              <a:ext uri="{FF2B5EF4-FFF2-40B4-BE49-F238E27FC236}">
+                <a16:creationId xmlns:a16="http://schemas.microsoft.com/office/drawing/2014/main" id="{C06FA7EF-65B6-D9B0-BF60-1832645925A5}"/>
+              </a:ext>
+            </a:extLst>
+          </p:cNvPr>
+          <p:cNvSpPr/>
+          <p:nvPr/>
+        </p:nvSpPr>
+        <p:spPr>
+          <a:xfrm>
+            <a:off x="1491874" y="1898270"/>
+            <a:ext cx="352803" cy="256860"/>
+          </a:xfrm>
+          <a:prstGeom prst="can">
+            <a:avLst/>
+          </a:prstGeom>
+          <a:solidFill>
+            <a:srgbClr val="0070C0"/>
+          </a:solidFill>
+          <a:ln w="28575" cmpd="sng">
+            <a:solidFill>
+              <a:schemeClr val="tx1"/>
+            </a:solidFill>
+          </a:ln>
+          <a:effectLst/>
+        </p:spPr>
+        <p:style>
+          <a:lnRef idx="1">
+            <a:schemeClr val="accent1"/>
+          </a:lnRef>
+          <a:fillRef idx="3">
+            <a:schemeClr val="accent1"/>
+          </a:fillRef>
+          <a:effectRef idx="2">
+            <a:schemeClr val="accent1"/>
+          </a:effectRef>
+          <a:fontRef idx="minor">
+            <a:schemeClr val="lt1"/>
+          </a:fontRef>
+        </p:style>
+        <p:txBody>
+          <a:bodyPr rtlCol="0" anchor="ctr"/>
+          <a:lstStyle/>
+          <a:p>
+            <a:pPr algn="ctr"/>
+            <a:endParaRPr lang="en-US" sz="2000" dirty="0">
+              <a:solidFill>
+                <a:schemeClr val="tx1"/>
+              </a:solidFill>
+            </a:endParaRPr>
+          </a:p>
+        </p:txBody>
+      </p:sp>
+      <p:sp>
+        <p:nvSpPr>
+          <p:cNvPr id="78" name="Can 77">
+            <a:extLst>
+              <a:ext uri="{FF2B5EF4-FFF2-40B4-BE49-F238E27FC236}">
+                <a16:creationId xmlns:a16="http://schemas.microsoft.com/office/drawing/2014/main" id="{20AE6116-C0A3-42FA-A760-5181B7C3BA00}"/>
+              </a:ext>
+            </a:extLst>
+          </p:cNvPr>
+          <p:cNvSpPr/>
+          <p:nvPr/>
+        </p:nvSpPr>
+        <p:spPr>
+          <a:xfrm>
+            <a:off x="1492606" y="1692171"/>
+            <a:ext cx="352803" cy="256860"/>
+          </a:xfrm>
+          <a:prstGeom prst="can">
+            <a:avLst/>
+          </a:prstGeom>
+          <a:solidFill>
+            <a:srgbClr val="00B0F0"/>
+          </a:solidFill>
+          <a:ln w="28575" cmpd="sng">
+            <a:solidFill>
+              <a:schemeClr val="tx1"/>
+            </a:solidFill>
+          </a:ln>
+          <a:effectLst/>
+        </p:spPr>
+        <p:style>
+          <a:lnRef idx="1">
+            <a:schemeClr val="accent1"/>
+          </a:lnRef>
+          <a:fillRef idx="3">
+            <a:schemeClr val="accent1"/>
+          </a:fillRef>
+          <a:effectRef idx="2">
+            <a:schemeClr val="accent1"/>
+          </a:effectRef>
+          <a:fontRef idx="minor">
+            <a:schemeClr val="lt1"/>
+          </a:fontRef>
+        </p:style>
+        <p:txBody>
+          <a:bodyPr rtlCol="0" anchor="ctr"/>
+          <a:lstStyle/>
+          <a:p>
+            <a:pPr algn="ctr"/>
+            <a:endParaRPr lang="en-US" sz="2000" dirty="0">
+              <a:solidFill>
+                <a:schemeClr val="tx1"/>
+              </a:solidFill>
+            </a:endParaRPr>
+          </a:p>
+        </p:txBody>
+      </p:sp>
+      <p:sp>
+        <p:nvSpPr>
+          <p:cNvPr id="26" name="Card 25">
+            <a:extLst>
+              <a:ext uri="{FF2B5EF4-FFF2-40B4-BE49-F238E27FC236}">
+                <a16:creationId xmlns:a16="http://schemas.microsoft.com/office/drawing/2014/main" id="{147CD16F-9C36-9DF2-18AD-839F567A9C49}"/>
+              </a:ext>
+            </a:extLst>
+          </p:cNvPr>
+          <p:cNvSpPr/>
+          <p:nvPr/>
+        </p:nvSpPr>
+        <p:spPr>
+          <a:xfrm flipH="1">
+            <a:off x="4039888" y="1694312"/>
+            <a:ext cx="2290585" cy="877594"/>
+          </a:xfrm>
+          <a:prstGeom prst="flowChartPunchedCard">
+            <a:avLst/>
+          </a:prstGeom>
+          <a:solidFill>
+            <a:schemeClr val="bg1"/>
+          </a:solidFill>
+          <a:ln w="41275">
+            <a:solidFill>
+              <a:schemeClr val="tx1"/>
+            </a:solidFill>
+          </a:ln>
+          <a:effectLst/>
+        </p:spPr>
+        <p:style>
+          <a:lnRef idx="1">
+            <a:schemeClr val="accent1"/>
+          </a:lnRef>
+          <a:fillRef idx="3">
+            <a:schemeClr val="accent1"/>
+          </a:fillRef>
+          <a:effectRef idx="2">
+            <a:schemeClr val="accent1"/>
+          </a:effectRef>
+          <a:fontRef idx="minor">
+            <a:schemeClr val="lt1"/>
+          </a:fontRef>
+        </p:style>
+        <p:txBody>
+          <a:bodyPr rtlCol="0" anchor="ctr"/>
+          <a:lstStyle/>
+          <a:p>
+            <a:pPr algn="ctr"/>
+            <a:r>
+              <a:rPr lang="en-US" sz="1600" dirty="0">
+                <a:solidFill>
+                  <a:schemeClr val="tx1"/>
+                </a:solidFill>
+              </a:rPr>
+              <a:t>Original Implementation + HAPV</a:t>
+            </a:r>
+          </a:p>
+        </p:txBody>
+      </p:sp>
+      <p:sp>
+        <p:nvSpPr>
+          <p:cNvPr id="29" name="Rounded Rectangle 28">
+            <a:extLst>
+              <a:ext uri="{FF2B5EF4-FFF2-40B4-BE49-F238E27FC236}">
+                <a16:creationId xmlns:a16="http://schemas.microsoft.com/office/drawing/2014/main" id="{1FD9ED6A-15C4-8873-C8D1-4FC3EB3926C8}"/>
+              </a:ext>
+            </a:extLst>
+          </p:cNvPr>
+          <p:cNvSpPr/>
+          <p:nvPr/>
+        </p:nvSpPr>
+        <p:spPr>
+          <a:xfrm>
+            <a:off x="3806385" y="905934"/>
+            <a:ext cx="3382691" cy="2101060"/>
+          </a:xfrm>
+          <a:prstGeom prst="roundRect">
+            <a:avLst>
+              <a:gd name="adj" fmla="val 9500"/>
+            </a:avLst>
+          </a:prstGeom>
+          <a:noFill/>
+          <a:ln w="38100">
+            <a:solidFill>
+              <a:schemeClr val="tx1"/>
+            </a:solidFill>
+          </a:ln>
+        </p:spPr>
+        <p:style>
+          <a:lnRef idx="2">
+            <a:schemeClr val="accent1">
+              <a:shade val="15000"/>
+            </a:schemeClr>
+          </a:lnRef>
+          <a:fillRef idx="1">
+            <a:schemeClr val="accent1"/>
+          </a:fillRef>
+          <a:effectRef idx="0">
+            <a:schemeClr val="accent1"/>
+          </a:effectRef>
+          <a:fontRef idx="minor">
+            <a:schemeClr val="lt1"/>
+          </a:fontRef>
+        </p:style>
+        <p:txBody>
+          <a:bodyPr rtlCol="0" anchor="ctr"/>
+          <a:lstStyle/>
+          <a:p>
+            <a:pPr algn="ctr"/>
+            <a:endParaRPr lang="en-US"/>
+          </a:p>
+        </p:txBody>
+      </p:sp>
+      <p:sp>
+        <p:nvSpPr>
+          <p:cNvPr id="30" name="Oval 29">
+            <a:extLst>
+              <a:ext uri="{FF2B5EF4-FFF2-40B4-BE49-F238E27FC236}">
+                <a16:creationId xmlns:a16="http://schemas.microsoft.com/office/drawing/2014/main" id="{96AD71AB-9D65-9B06-B5BB-28CE15E7B43A}"/>
+              </a:ext>
+            </a:extLst>
+          </p:cNvPr>
+          <p:cNvSpPr/>
+          <p:nvPr/>
+        </p:nvSpPr>
+        <p:spPr>
+          <a:xfrm>
+            <a:off x="5162443" y="2686254"/>
+            <a:ext cx="86952" cy="86952"/>
+          </a:xfrm>
+          <a:prstGeom prst="ellipse">
+            <a:avLst/>
+          </a:prstGeom>
+          <a:solidFill>
+            <a:schemeClr val="tx1"/>
+          </a:solidFill>
+          <a:ln>
+            <a:noFill/>
+          </a:ln>
+        </p:spPr>
+        <p:style>
+          <a:lnRef idx="2">
+            <a:schemeClr val="dk1">
+              <a:shade val="15000"/>
+            </a:schemeClr>
+          </a:lnRef>
+          <a:fillRef idx="1">
+            <a:schemeClr val="dk1"/>
+          </a:fillRef>
+          <a:effectRef idx="0">
+            <a:schemeClr val="dk1"/>
+          </a:effectRef>
+          <a:fontRef idx="minor">
+            <a:schemeClr val="lt1"/>
+          </a:fontRef>
+        </p:style>
+        <p:txBody>
+          <a:bodyPr rtlCol="0" anchor="ctr"/>
+          <a:lstStyle/>
+          <a:p>
+            <a:pPr algn="ctr"/>
+            <a:endParaRPr lang="en-US"/>
+          </a:p>
+        </p:txBody>
+      </p:sp>
+      <p:sp>
+        <p:nvSpPr>
+          <p:cNvPr id="31" name="Oval 30">
+            <a:extLst>
+              <a:ext uri="{FF2B5EF4-FFF2-40B4-BE49-F238E27FC236}">
+                <a16:creationId xmlns:a16="http://schemas.microsoft.com/office/drawing/2014/main" id="{ED24C483-57D6-0E5B-BA50-5D3E9F86E964}"/>
+              </a:ext>
+            </a:extLst>
+          </p:cNvPr>
+          <p:cNvSpPr/>
+          <p:nvPr/>
+        </p:nvSpPr>
+        <p:spPr>
+          <a:xfrm>
+            <a:off x="5162443" y="2835018"/>
+            <a:ext cx="86952" cy="86952"/>
+          </a:xfrm>
+          <a:prstGeom prst="ellipse">
+            <a:avLst/>
+          </a:prstGeom>
+          <a:solidFill>
+            <a:schemeClr val="tx1"/>
+          </a:solidFill>
+          <a:ln>
+            <a:noFill/>
+          </a:ln>
+        </p:spPr>
+        <p:style>
+          <a:lnRef idx="2">
+            <a:schemeClr val="dk1">
+              <a:shade val="15000"/>
+            </a:schemeClr>
+          </a:lnRef>
+          <a:fillRef idx="1">
+            <a:schemeClr val="dk1"/>
+          </a:fillRef>
+          <a:effectRef idx="0">
+            <a:schemeClr val="dk1"/>
+          </a:effectRef>
+          <a:fontRef idx="minor">
+            <a:schemeClr val="lt1"/>
+          </a:fontRef>
+        </p:style>
+        <p:txBody>
+          <a:bodyPr rtlCol="0" anchor="ctr"/>
+          <a:lstStyle/>
+          <a:p>
+            <a:pPr algn="ctr"/>
+            <a:endParaRPr lang="en-US"/>
+          </a:p>
+        </p:txBody>
+      </p:sp>
+      <p:sp>
+        <p:nvSpPr>
+          <p:cNvPr id="40" name="Rounded Rectangle 39">
+            <a:extLst>
+              <a:ext uri="{FF2B5EF4-FFF2-40B4-BE49-F238E27FC236}">
+                <a16:creationId xmlns:a16="http://schemas.microsoft.com/office/drawing/2014/main" id="{D256122A-BACC-C29E-B6B3-27D574AC4212}"/>
+              </a:ext>
+            </a:extLst>
+          </p:cNvPr>
+          <p:cNvSpPr/>
+          <p:nvPr/>
+        </p:nvSpPr>
+        <p:spPr>
+          <a:xfrm>
+            <a:off x="1233112" y="1283836"/>
+            <a:ext cx="1588402" cy="2310272"/>
+          </a:xfrm>
+          <a:prstGeom prst="roundRect">
+            <a:avLst>
+              <a:gd name="adj" fmla="val 9500"/>
+            </a:avLst>
+          </a:prstGeom>
+          <a:noFill/>
+          <a:ln w="38100">
+            <a:solidFill>
+              <a:schemeClr val="tx1"/>
+            </a:solidFill>
+          </a:ln>
+        </p:spPr>
+        <p:style>
+          <a:lnRef idx="2">
+            <a:schemeClr val="accent1">
+              <a:shade val="15000"/>
+            </a:schemeClr>
+          </a:lnRef>
+          <a:fillRef idx="1">
+            <a:schemeClr val="accent1"/>
+          </a:fillRef>
+          <a:effectRef idx="0">
+            <a:schemeClr val="accent1"/>
+          </a:effectRef>
+          <a:fontRef idx="minor">
+            <a:schemeClr val="lt1"/>
+          </a:fontRef>
+        </p:style>
+        <p:txBody>
+          <a:bodyPr rtlCol="0" anchor="ctr"/>
+          <a:lstStyle/>
+          <a:p>
+            <a:pPr algn="ctr"/>
+            <a:endParaRPr lang="en-US"/>
+          </a:p>
+        </p:txBody>
+      </p:sp>
+      <p:cxnSp>
+        <p:nvCxnSpPr>
+          <p:cNvPr id="42" name="Elbow Connector 41">
+            <a:extLst>
+              <a:ext uri="{FF2B5EF4-FFF2-40B4-BE49-F238E27FC236}">
+                <a16:creationId xmlns:a16="http://schemas.microsoft.com/office/drawing/2014/main" id="{CA121573-0A75-99EA-E2F9-1625E2CCB30F}"/>
+              </a:ext>
+            </a:extLst>
+          </p:cNvPr>
+          <p:cNvCxnSpPr>
+            <a:cxnSpLocks/>
+            <a:stCxn id="40" idx="2"/>
+            <a:endCxn id="34" idx="1"/>
+          </p:cNvCxnSpPr>
+          <p:nvPr/>
+        </p:nvCxnSpPr>
+        <p:spPr>
+          <a:xfrm rot="16200000" flipH="1">
+            <a:off x="3164798" y="2456623"/>
+            <a:ext cx="91917" cy="2366886"/>
+          </a:xfrm>
+          <a:prstGeom prst="bentConnector2">
+            <a:avLst/>
+          </a:prstGeom>
+          <a:ln w="38100" cap="flat" cmpd="sng" algn="ctr">
+            <a:solidFill>
+              <a:schemeClr val="dk1"/>
+            </a:solidFill>
+            <a:prstDash val="solid"/>
+            <a:round/>
+            <a:headEnd type="none" w="med" len="med"/>
+            <a:tailEnd type="arrow" w="med" len="med"/>
+          </a:ln>
+        </p:spPr>
+        <p:style>
+          <a:lnRef idx="0">
+            <a:scrgbClr r="0" g="0" b="0"/>
+          </a:lnRef>
+          <a:fillRef idx="0">
+            <a:scrgbClr r="0" g="0" b="0"/>
+          </a:fillRef>
+          <a:effectRef idx="0">
+            <a:scrgbClr r="0" g="0" b="0"/>
+          </a:effectRef>
+          <a:fontRef idx="minor">
+            <a:schemeClr val="tx1"/>
+          </a:fontRef>
+        </p:style>
+      </p:cxnSp>
+      <p:cxnSp>
+        <p:nvCxnSpPr>
+          <p:cNvPr id="46" name="Elbow Connector 45">
+            <a:extLst>
+              <a:ext uri="{FF2B5EF4-FFF2-40B4-BE49-F238E27FC236}">
+                <a16:creationId xmlns:a16="http://schemas.microsoft.com/office/drawing/2014/main" id="{7AC06852-6D02-DA5C-8446-4B33002DC46F}"/>
+              </a:ext>
+            </a:extLst>
+          </p:cNvPr>
+          <p:cNvCxnSpPr>
+            <a:cxnSpLocks/>
+            <a:stCxn id="7" idx="4"/>
+            <a:endCxn id="35" idx="3"/>
+          </p:cNvCxnSpPr>
+          <p:nvPr/>
+        </p:nvCxnSpPr>
+        <p:spPr>
+          <a:xfrm flipV="1">
+            <a:off x="2604051" y="1291069"/>
+            <a:ext cx="1435836" cy="420592"/>
+          </a:xfrm>
+          <a:prstGeom prst="bentConnector3">
+            <a:avLst/>
+          </a:prstGeom>
+          <a:ln w="38100" cap="flat" cmpd="sng" algn="ctr">
+            <a:solidFill>
+              <a:schemeClr val="dk1"/>
+            </a:solidFill>
+            <a:prstDash val="solid"/>
+            <a:round/>
+            <a:headEnd type="none" w="med" len="med"/>
+            <a:tailEnd type="arrow" w="med" len="med"/>
+          </a:ln>
+        </p:spPr>
+        <p:style>
+          <a:lnRef idx="0">
+            <a:scrgbClr r="0" g="0" b="0"/>
+          </a:lnRef>
+          <a:fillRef idx="0">
+            <a:scrgbClr r="0" g="0" b="0"/>
+          </a:fillRef>
+          <a:effectRef idx="0">
+            <a:scrgbClr r="0" g="0" b="0"/>
+          </a:effectRef>
+          <a:fontRef idx="minor">
+            <a:schemeClr val="tx1"/>
+          </a:fontRef>
+        </p:style>
+      </p:cxnSp>
+      <p:cxnSp>
+        <p:nvCxnSpPr>
+          <p:cNvPr id="49" name="Elbow Connector 48">
+            <a:extLst>
+              <a:ext uri="{FF2B5EF4-FFF2-40B4-BE49-F238E27FC236}">
+                <a16:creationId xmlns:a16="http://schemas.microsoft.com/office/drawing/2014/main" id="{85FA975B-801B-DC64-6E11-C0AC0D5A7985}"/>
+              </a:ext>
+            </a:extLst>
+          </p:cNvPr>
+          <p:cNvCxnSpPr>
+            <a:cxnSpLocks/>
+            <a:stCxn id="11" idx="4"/>
+            <a:endCxn id="26" idx="3"/>
+          </p:cNvCxnSpPr>
+          <p:nvPr/>
+        </p:nvCxnSpPr>
+        <p:spPr>
+          <a:xfrm flipV="1">
+            <a:off x="2604051" y="2133109"/>
+            <a:ext cx="1435837" cy="128430"/>
+          </a:xfrm>
+          <a:prstGeom prst="bentConnector3">
+            <a:avLst/>
+          </a:prstGeom>
+          <a:ln w="38100" cap="flat" cmpd="sng" algn="ctr">
+            <a:solidFill>
+              <a:schemeClr val="dk1"/>
+            </a:solidFill>
+            <a:prstDash val="solid"/>
+            <a:round/>
+            <a:headEnd type="none" w="med" len="med"/>
+            <a:tailEnd type="arrow" w="med" len="med"/>
+          </a:ln>
+        </p:spPr>
+        <p:style>
+          <a:lnRef idx="0">
+            <a:scrgbClr r="0" g="0" b="0"/>
+          </a:lnRef>
+          <a:fillRef idx="0">
+            <a:scrgbClr r="0" g="0" b="0"/>
+          </a:fillRef>
+          <a:effectRef idx="0">
+            <a:scrgbClr r="0" g="0" b="0"/>
+          </a:effectRef>
+          <a:fontRef idx="minor">
+            <a:schemeClr val="tx1"/>
+          </a:fontRef>
+        </p:style>
+      </p:cxnSp>
+      <p:sp>
+        <p:nvSpPr>
+          <p:cNvPr id="66" name="Oval 65">
+            <a:extLst>
+              <a:ext uri="{FF2B5EF4-FFF2-40B4-BE49-F238E27FC236}">
+                <a16:creationId xmlns:a16="http://schemas.microsoft.com/office/drawing/2014/main" id="{EB4E1C0D-A1C6-E2BA-86AA-FC52C3177A8A}"/>
+              </a:ext>
+            </a:extLst>
+          </p:cNvPr>
+          <p:cNvSpPr/>
+          <p:nvPr/>
+        </p:nvSpPr>
+        <p:spPr>
+          <a:xfrm>
+            <a:off x="6774014" y="2423622"/>
+            <a:ext cx="86952" cy="86952"/>
+          </a:xfrm>
+          <a:prstGeom prst="ellipse">
+            <a:avLst/>
+          </a:prstGeom>
+          <a:solidFill>
+            <a:schemeClr val="tx1"/>
+          </a:solidFill>
+          <a:ln>
+            <a:noFill/>
+          </a:ln>
+        </p:spPr>
+        <p:style>
+          <a:lnRef idx="2">
+            <a:schemeClr val="dk1">
+              <a:shade val="15000"/>
+            </a:schemeClr>
+          </a:lnRef>
+          <a:fillRef idx="1">
+            <a:schemeClr val="dk1"/>
+          </a:fillRef>
+          <a:effectRef idx="0">
+            <a:schemeClr val="dk1"/>
+          </a:effectRef>
+          <a:fontRef idx="minor">
+            <a:schemeClr val="lt1"/>
+          </a:fontRef>
+        </p:style>
+        <p:txBody>
+          <a:bodyPr rtlCol="0" anchor="ctr"/>
+          <a:lstStyle/>
+          <a:p>
+            <a:pPr algn="ctr"/>
+            <a:endParaRPr lang="en-US"/>
+          </a:p>
+        </p:txBody>
+      </p:sp>
+      <p:sp>
+        <p:nvSpPr>
+          <p:cNvPr id="67" name="Oval 66">
+            <a:extLst>
+              <a:ext uri="{FF2B5EF4-FFF2-40B4-BE49-F238E27FC236}">
+                <a16:creationId xmlns:a16="http://schemas.microsoft.com/office/drawing/2014/main" id="{9B4650EB-9FBF-48A1-0F25-7720BDF48A26}"/>
+              </a:ext>
+            </a:extLst>
+          </p:cNvPr>
+          <p:cNvSpPr/>
+          <p:nvPr/>
+        </p:nvSpPr>
+        <p:spPr>
+          <a:xfrm>
+            <a:off x="6774014" y="2572386"/>
+            <a:ext cx="86952" cy="86952"/>
+          </a:xfrm>
+          <a:prstGeom prst="ellipse">
+            <a:avLst/>
+          </a:prstGeom>
+          <a:solidFill>
+            <a:schemeClr val="tx1"/>
+          </a:solidFill>
+          <a:ln>
+            <a:noFill/>
+          </a:ln>
+        </p:spPr>
+        <p:style>
+          <a:lnRef idx="2">
+            <a:schemeClr val="dk1">
+              <a:shade val="15000"/>
+            </a:schemeClr>
+          </a:lnRef>
+          <a:fillRef idx="1">
+            <a:schemeClr val="dk1"/>
+          </a:fillRef>
+          <a:effectRef idx="0">
+            <a:schemeClr val="dk1"/>
+          </a:effectRef>
+          <a:fontRef idx="minor">
+            <a:schemeClr val="lt1"/>
+          </a:fontRef>
+        </p:style>
+        <p:txBody>
+          <a:bodyPr rtlCol="0" anchor="ctr"/>
+          <a:lstStyle/>
+          <a:p>
+            <a:pPr algn="ctr"/>
+            <a:endParaRPr lang="en-US"/>
+          </a:p>
+        </p:txBody>
+      </p:sp>
+      <p:cxnSp>
+        <p:nvCxnSpPr>
+          <p:cNvPr id="83" name="Elbow Connector 82">
+            <a:extLst>
+              <a:ext uri="{FF2B5EF4-FFF2-40B4-BE49-F238E27FC236}">
+                <a16:creationId xmlns:a16="http://schemas.microsoft.com/office/drawing/2014/main" id="{9E7C01E5-C5C2-DE3E-4DD3-A31C2CC76DB4}"/>
+              </a:ext>
+            </a:extLst>
+          </p:cNvPr>
+          <p:cNvCxnSpPr>
+            <a:cxnSpLocks/>
+            <a:stCxn id="108" idx="3"/>
+            <a:endCxn id="130" idx="1"/>
+          </p:cNvCxnSpPr>
+          <p:nvPr/>
+        </p:nvCxnSpPr>
+        <p:spPr>
+          <a:xfrm>
+            <a:off x="7015761" y="1298766"/>
+            <a:ext cx="701943" cy="387293"/>
+          </a:xfrm>
+          <a:prstGeom prst="bentConnector3">
+            <a:avLst>
+              <a:gd name="adj1" fmla="val 50000"/>
+            </a:avLst>
+          </a:prstGeom>
+          <a:ln w="38100" cap="flat" cmpd="sng" algn="ctr">
+            <a:solidFill>
+              <a:schemeClr val="dk1"/>
+            </a:solidFill>
+            <a:prstDash val="solid"/>
+            <a:round/>
+            <a:headEnd type="none" w="med" len="med"/>
+            <a:tailEnd type="arrow" w="med" len="med"/>
+          </a:ln>
+        </p:spPr>
+        <p:style>
+          <a:lnRef idx="0">
+            <a:scrgbClr r="0" g="0" b="0"/>
+          </a:lnRef>
+          <a:fillRef idx="0">
+            <a:scrgbClr r="0" g="0" b="0"/>
+          </a:fillRef>
+          <a:effectRef idx="0">
+            <a:scrgbClr r="0" g="0" b="0"/>
+          </a:effectRef>
+          <a:fontRef idx="minor">
+            <a:schemeClr val="tx1"/>
+          </a:fontRef>
+        </p:style>
+      </p:cxnSp>
+      <p:cxnSp>
+        <p:nvCxnSpPr>
+          <p:cNvPr id="87" name="Elbow Connector 86">
+            <a:extLst>
+              <a:ext uri="{FF2B5EF4-FFF2-40B4-BE49-F238E27FC236}">
+                <a16:creationId xmlns:a16="http://schemas.microsoft.com/office/drawing/2014/main" id="{F7B4F401-9533-5959-A2B4-DA8F7FAB24A5}"/>
+              </a:ext>
+            </a:extLst>
+          </p:cNvPr>
+          <p:cNvCxnSpPr>
+            <a:cxnSpLocks/>
+            <a:stCxn id="109" idx="3"/>
+            <a:endCxn id="130" idx="1"/>
+          </p:cNvCxnSpPr>
+          <p:nvPr/>
+        </p:nvCxnSpPr>
+        <p:spPr>
+          <a:xfrm flipV="1">
+            <a:off x="7017782" y="1686059"/>
+            <a:ext cx="699922" cy="450861"/>
+          </a:xfrm>
+          <a:prstGeom prst="bentConnector3">
+            <a:avLst>
+              <a:gd name="adj1" fmla="val 50000"/>
+            </a:avLst>
+          </a:prstGeom>
+          <a:ln w="38100" cap="flat" cmpd="sng" algn="ctr">
+            <a:solidFill>
+              <a:schemeClr val="dk1"/>
+            </a:solidFill>
+            <a:prstDash val="solid"/>
+            <a:round/>
+            <a:headEnd type="none" w="med" len="med"/>
+            <a:tailEnd type="arrow" w="med" len="med"/>
+          </a:ln>
+        </p:spPr>
+        <p:style>
+          <a:lnRef idx="0">
+            <a:scrgbClr r="0" g="0" b="0"/>
+          </a:lnRef>
+          <a:fillRef idx="0">
+            <a:scrgbClr r="0" g="0" b="0"/>
+          </a:fillRef>
+          <a:effectRef idx="0">
+            <a:scrgbClr r="0" g="0" b="0"/>
+          </a:effectRef>
+          <a:fontRef idx="minor">
+            <a:schemeClr val="tx1"/>
+          </a:fontRef>
+        </p:style>
+      </p:cxnSp>
+      <p:sp>
+        <p:nvSpPr>
+          <p:cNvPr id="19" name="Can 18">
+            <a:extLst>
+              <a:ext uri="{FF2B5EF4-FFF2-40B4-BE49-F238E27FC236}">
+                <a16:creationId xmlns:a16="http://schemas.microsoft.com/office/drawing/2014/main" id="{8B693777-3C7B-AD27-270B-D44D99B903F4}"/>
+              </a:ext>
+            </a:extLst>
+          </p:cNvPr>
+          <p:cNvSpPr/>
+          <p:nvPr/>
+        </p:nvSpPr>
+        <p:spPr>
+          <a:xfrm>
+            <a:off x="1491743" y="2506345"/>
+            <a:ext cx="352803" cy="256860"/>
+          </a:xfrm>
+          <a:prstGeom prst="can">
+            <a:avLst/>
+          </a:prstGeom>
+          <a:solidFill>
+            <a:srgbClr val="002060"/>
+          </a:solidFill>
+          <a:ln w="28575" cmpd="sng">
+            <a:solidFill>
+              <a:schemeClr val="tx1"/>
+            </a:solidFill>
+          </a:ln>
+          <a:effectLst/>
+        </p:spPr>
+        <p:style>
+          <a:lnRef idx="1">
+            <a:schemeClr val="accent1"/>
+          </a:lnRef>
+          <a:fillRef idx="3">
+            <a:schemeClr val="accent1"/>
+          </a:fillRef>
+          <a:effectRef idx="2">
+            <a:schemeClr val="accent1"/>
+          </a:effectRef>
+          <a:fontRef idx="minor">
+            <a:schemeClr val="lt1"/>
+          </a:fontRef>
+        </p:style>
+        <p:txBody>
+          <a:bodyPr rtlCol="0" anchor="ctr"/>
+          <a:lstStyle/>
+          <a:p>
+            <a:pPr algn="ctr"/>
+            <a:endParaRPr lang="en-US" sz="2000" dirty="0">
+              <a:solidFill>
+                <a:schemeClr val="tx1"/>
+              </a:solidFill>
+            </a:endParaRPr>
+          </a:p>
+        </p:txBody>
+      </p:sp>
+      <p:cxnSp>
+        <p:nvCxnSpPr>
+          <p:cNvPr id="20" name="Elbow Connector 19">
+            <a:extLst>
+              <a:ext uri="{FF2B5EF4-FFF2-40B4-BE49-F238E27FC236}">
+                <a16:creationId xmlns:a16="http://schemas.microsoft.com/office/drawing/2014/main" id="{174AF457-E839-E1D1-5041-DC03CE5C781B}"/>
+              </a:ext>
+            </a:extLst>
+          </p:cNvPr>
+          <p:cNvCxnSpPr>
+            <a:cxnSpLocks/>
+            <a:stCxn id="19" idx="4"/>
+            <a:endCxn id="13" idx="2"/>
+          </p:cNvCxnSpPr>
+          <p:nvPr/>
+        </p:nvCxnSpPr>
+        <p:spPr>
+          <a:xfrm>
+            <a:off x="1844546" y="2634775"/>
+            <a:ext cx="406702" cy="501408"/>
+          </a:xfrm>
+          <a:prstGeom prst="bentConnector3">
+            <a:avLst>
+              <a:gd name="adj1" fmla="val 50000"/>
+            </a:avLst>
+          </a:prstGeom>
+          <a:ln w="38100" cap="flat" cmpd="sng" algn="ctr">
+            <a:solidFill>
+              <a:schemeClr val="dk1"/>
+            </a:solidFill>
+            <a:prstDash val="solid"/>
+            <a:round/>
+            <a:headEnd type="none" w="med" len="med"/>
+            <a:tailEnd type="arrow" w="med" len="med"/>
+          </a:ln>
+        </p:spPr>
+        <p:style>
+          <a:lnRef idx="0">
+            <a:scrgbClr r="0" g="0" b="0"/>
+          </a:lnRef>
+          <a:fillRef idx="0">
+            <a:scrgbClr r="0" g="0" b="0"/>
+          </a:fillRef>
+          <a:effectRef idx="0">
+            <a:scrgbClr r="0" g="0" b="0"/>
+          </a:effectRef>
+          <a:fontRef idx="minor">
+            <a:schemeClr val="tx1"/>
+          </a:fontRef>
+        </p:style>
+      </p:cxnSp>
+      <p:cxnSp>
+        <p:nvCxnSpPr>
+          <p:cNvPr id="24" name="Elbow Connector 23">
+            <a:extLst>
+              <a:ext uri="{FF2B5EF4-FFF2-40B4-BE49-F238E27FC236}">
+                <a16:creationId xmlns:a16="http://schemas.microsoft.com/office/drawing/2014/main" id="{E028963D-4227-B591-2C76-1C2A488E291F}"/>
+              </a:ext>
+            </a:extLst>
+          </p:cNvPr>
+          <p:cNvCxnSpPr>
+            <a:cxnSpLocks/>
+            <a:stCxn id="77" idx="4"/>
+            <a:endCxn id="11" idx="2"/>
+          </p:cNvCxnSpPr>
+          <p:nvPr/>
+        </p:nvCxnSpPr>
+        <p:spPr>
+          <a:xfrm>
+            <a:off x="1844677" y="2026700"/>
+            <a:ext cx="406571" cy="234839"/>
+          </a:xfrm>
+          <a:prstGeom prst="bentConnector3">
+            <a:avLst>
+              <a:gd name="adj1" fmla="val 50000"/>
+            </a:avLst>
+          </a:prstGeom>
+          <a:ln w="38100" cap="flat" cmpd="sng" algn="ctr">
+            <a:solidFill>
+              <a:schemeClr val="dk1"/>
+            </a:solidFill>
+            <a:prstDash val="solid"/>
+            <a:round/>
+            <a:headEnd type="none" w="med" len="med"/>
+            <a:tailEnd type="arrow" w="med" len="med"/>
+          </a:ln>
+        </p:spPr>
+        <p:style>
+          <a:lnRef idx="0">
+            <a:scrgbClr r="0" g="0" b="0"/>
+          </a:lnRef>
+          <a:fillRef idx="0">
+            <a:scrgbClr r="0" g="0" b="0"/>
+          </a:fillRef>
+          <a:effectRef idx="0">
+            <a:scrgbClr r="0" g="0" b="0"/>
+          </a:effectRef>
+          <a:fontRef idx="minor">
+            <a:schemeClr val="tx1"/>
+          </a:fontRef>
+        </p:style>
+      </p:cxnSp>
+      <p:cxnSp>
+        <p:nvCxnSpPr>
+          <p:cNvPr id="33" name="Elbow Connector 32">
+            <a:extLst>
+              <a:ext uri="{FF2B5EF4-FFF2-40B4-BE49-F238E27FC236}">
+                <a16:creationId xmlns:a16="http://schemas.microsoft.com/office/drawing/2014/main" id="{F3C6F498-3307-A670-9DF3-EC217B8D421C}"/>
+              </a:ext>
+            </a:extLst>
+          </p:cNvPr>
+          <p:cNvCxnSpPr>
+            <a:cxnSpLocks/>
+            <a:stCxn id="78" idx="4"/>
+            <a:endCxn id="7" idx="2"/>
+          </p:cNvCxnSpPr>
+          <p:nvPr/>
+        </p:nvCxnSpPr>
+        <p:spPr>
+          <a:xfrm flipV="1">
+            <a:off x="1845409" y="1711661"/>
+            <a:ext cx="405839" cy="108940"/>
+          </a:xfrm>
+          <a:prstGeom prst="bentConnector3">
+            <a:avLst>
+              <a:gd name="adj1" fmla="val 50000"/>
+            </a:avLst>
+          </a:prstGeom>
+          <a:ln w="38100" cap="flat" cmpd="sng" algn="ctr">
+            <a:solidFill>
+              <a:schemeClr val="dk1"/>
+            </a:solidFill>
+            <a:prstDash val="solid"/>
+            <a:round/>
+            <a:headEnd type="none" w="med" len="med"/>
+            <a:tailEnd type="arrow" w="med" len="med"/>
+          </a:ln>
+        </p:spPr>
+        <p:style>
+          <a:lnRef idx="0">
+            <a:scrgbClr r="0" g="0" b="0"/>
+          </a:lnRef>
+          <a:fillRef idx="0">
+            <a:scrgbClr r="0" g="0" b="0"/>
+          </a:fillRef>
+          <a:effectRef idx="0">
+            <a:scrgbClr r="0" g="0" b="0"/>
+          </a:effectRef>
+          <a:fontRef idx="minor">
+            <a:schemeClr val="tx1"/>
+          </a:fontRef>
+        </p:style>
+      </p:cxnSp>
+      <p:sp>
+        <p:nvSpPr>
+          <p:cNvPr id="43" name="Oval 42">
+            <a:extLst>
+              <a:ext uri="{FF2B5EF4-FFF2-40B4-BE49-F238E27FC236}">
+                <a16:creationId xmlns:a16="http://schemas.microsoft.com/office/drawing/2014/main" id="{A9FD2EC4-7336-AF0A-138F-04D278CE9CBE}"/>
+              </a:ext>
+            </a:extLst>
+          </p:cNvPr>
+          <p:cNvSpPr/>
+          <p:nvPr/>
+        </p:nvSpPr>
+        <p:spPr>
+          <a:xfrm>
+            <a:off x="1629907" y="2229178"/>
+            <a:ext cx="86952" cy="86952"/>
+          </a:xfrm>
+          <a:prstGeom prst="ellipse">
+            <a:avLst/>
+          </a:prstGeom>
+          <a:solidFill>
+            <a:schemeClr val="tx1"/>
+          </a:solidFill>
+          <a:ln>
+            <a:noFill/>
+          </a:ln>
+        </p:spPr>
+        <p:style>
+          <a:lnRef idx="2">
+            <a:schemeClr val="dk1">
+              <a:shade val="15000"/>
+            </a:schemeClr>
+          </a:lnRef>
+          <a:fillRef idx="1">
+            <a:schemeClr val="dk1"/>
+          </a:fillRef>
+          <a:effectRef idx="0">
+            <a:schemeClr val="dk1"/>
+          </a:effectRef>
+          <a:fontRef idx="minor">
+            <a:schemeClr val="lt1"/>
+          </a:fontRef>
+        </p:style>
+        <p:txBody>
+          <a:bodyPr rtlCol="0" anchor="ctr"/>
+          <a:lstStyle/>
+          <a:p>
+            <a:pPr algn="ctr"/>
+            <a:endParaRPr lang="en-US"/>
+          </a:p>
+        </p:txBody>
+      </p:sp>
+      <p:sp>
+        <p:nvSpPr>
+          <p:cNvPr id="44" name="Oval 43">
+            <a:extLst>
+              <a:ext uri="{FF2B5EF4-FFF2-40B4-BE49-F238E27FC236}">
+                <a16:creationId xmlns:a16="http://schemas.microsoft.com/office/drawing/2014/main" id="{8EBC05CC-D782-8B4C-2804-BD85BD1E1F49}"/>
+              </a:ext>
+            </a:extLst>
+          </p:cNvPr>
+          <p:cNvSpPr/>
+          <p:nvPr/>
+        </p:nvSpPr>
+        <p:spPr>
+          <a:xfrm>
+            <a:off x="1629907" y="2377942"/>
+            <a:ext cx="86952" cy="86952"/>
+          </a:xfrm>
+          <a:prstGeom prst="ellipse">
+            <a:avLst/>
+          </a:prstGeom>
+          <a:solidFill>
+            <a:schemeClr val="tx1"/>
+          </a:solidFill>
+          <a:ln>
+            <a:noFill/>
+          </a:ln>
+        </p:spPr>
+        <p:style>
+          <a:lnRef idx="2">
+            <a:schemeClr val="dk1">
+              <a:shade val="15000"/>
+            </a:schemeClr>
+          </a:lnRef>
+          <a:fillRef idx="1">
+            <a:schemeClr val="dk1"/>
+          </a:fillRef>
+          <a:effectRef idx="0">
+            <a:schemeClr val="dk1"/>
+          </a:effectRef>
+          <a:fontRef idx="minor">
+            <a:schemeClr val="lt1"/>
+          </a:fontRef>
+        </p:style>
+        <p:txBody>
+          <a:bodyPr rtlCol="0" anchor="ctr"/>
+          <a:lstStyle/>
+          <a:p>
+            <a:pPr algn="ctr"/>
+            <a:endParaRPr lang="en-US"/>
+          </a:p>
+        </p:txBody>
+      </p:sp>
+    </p:spTree>
+    <p:extLst>
+      <p:ext uri="{BB962C8B-B14F-4D97-AF65-F5344CB8AC3E}">
+        <p14:creationId xmlns:p14="http://schemas.microsoft.com/office/powerpoint/2010/main" val="3958541822"/>
+      </p:ext>
+    </p:extLst>
+  </p:cSld>
+  <p:clrMapOvr>
+    <a:masterClrMapping/>
+  </p:clrMapOvr>
+</p:sld>
+</file>
+
+<file path=ppt/slides/slide2.xml><?xml version="1.0" encoding="utf-8"?>
+<p:sld xmlns:a="http://schemas.openxmlformats.org/drawingml/2006/main" xmlns:r="http://schemas.openxmlformats.org/officeDocument/2006/relationships" xmlns:p="http://schemas.openxmlformats.org/presentationml/2006/main">
+  <p:cSld>
+    <p:spTree>
+      <p:nvGrpSpPr>
+        <p:cNvPr id="1" name=""/>
+        <p:cNvGrpSpPr/>
+        <p:nvPr/>
+      </p:nvGrpSpPr>
+      <p:grpSpPr>
+        <a:xfrm>
+          <a:off x="0" y="0"/>
+          <a:ext cx="0" cy="0"/>
+          <a:chOff x="0" y="0"/>
+          <a:chExt cx="0" cy="0"/>
+        </a:xfrm>
+      </p:grpSpPr>
+      <p:sp>
+        <p:nvSpPr>
           <p:cNvPr id="4" name="Can 3">
             <a:extLst>
               <a:ext uri="{FF2B5EF4-FFF2-40B4-BE49-F238E27FC236}">
@@ -6188,7 +8473,7 @@
     </p:spTree>
     <p:extLst>
       <p:ext uri="{BB962C8B-B14F-4D97-AF65-F5344CB8AC3E}">
-        <p14:creationId xmlns:p14="http://schemas.microsoft.com/office/powerpoint/2010/main" val="3958541822"/>
+        <p14:creationId xmlns:p14="http://schemas.microsoft.com/office/powerpoint/2010/main" val="292555802"/>
       </p:ext>
     </p:extLst>
   </p:cSld>

--- a/Figures/Arcs/Architecture_Overview.pptx
+++ b/Figures/Arcs/Architecture_Overview.pptx
@@ -5,11 +5,10 @@
     <p:sldMasterId id="2147483648" r:id="rId1"/>
   </p:sldMasterIdLst>
   <p:notesMasterIdLst>
-    <p:notesMasterId r:id="rId4"/>
+    <p:notesMasterId r:id="rId3"/>
   </p:notesMasterIdLst>
   <p:sldIdLst>
     <p:sldId id="256" r:id="rId2"/>
-    <p:sldId id="257" r:id="rId3"/>
   </p:sldIdLst>
   <p:sldSz cx="12192000" cy="6858000"/>
   <p:notesSz cx="6858000" cy="9144000"/>
@@ -198,7 +197,7 @@
           <a:p>
             <a:fld id="{4F2B3EEC-C8B4-0543-943F-91B3791C5E43}" type="datetimeFigureOut">
               <a:rPr lang="en-US" smtClean="0"/>
-              <a:t>6/28/23</a:t>
+              <a:t>8/21/23</a:t>
             </a:fld>
             <a:endParaRPr lang="en-US"/>
           </a:p>
@@ -588,129 +587,6 @@
 </p:notes>
 </file>
 
-<file path=ppt/notesSlides/notesSlide2.xml><?xml version="1.0" encoding="utf-8"?>
-<p:notes xmlns:a="http://schemas.openxmlformats.org/drawingml/2006/main" xmlns:r="http://schemas.openxmlformats.org/officeDocument/2006/relationships" xmlns:p="http://schemas.openxmlformats.org/presentationml/2006/main">
-  <p:cSld>
-    <p:spTree>
-      <p:nvGrpSpPr>
-        <p:cNvPr id="1" name=""/>
-        <p:cNvGrpSpPr/>
-        <p:nvPr/>
-      </p:nvGrpSpPr>
-      <p:grpSpPr>
-        <a:xfrm>
-          <a:off x="0" y="0"/>
-          <a:ext cx="0" cy="0"/>
-          <a:chOff x="0" y="0"/>
-          <a:chExt cx="0" cy="0"/>
-        </a:xfrm>
-      </p:grpSpPr>
-      <p:sp>
-        <p:nvSpPr>
-          <p:cNvPr id="2" name="Slide Image Placeholder 1"/>
-          <p:cNvSpPr>
-            <a:spLocks noGrp="1" noRot="1" noChangeAspect="1"/>
-          </p:cNvSpPr>
-          <p:nvPr>
-            <p:ph type="sldImg"/>
-          </p:nvPr>
-        </p:nvSpPr>
-        <p:spPr/>
-      </p:sp>
-      <p:sp>
-        <p:nvSpPr>
-          <p:cNvPr id="3" name="Notes Placeholder 2"/>
-          <p:cNvSpPr>
-            <a:spLocks noGrp="1"/>
-          </p:cNvSpPr>
-          <p:nvPr>
-            <p:ph type="body" idx="1"/>
-          </p:nvPr>
-        </p:nvSpPr>
-        <p:spPr/>
-        <p:txBody>
-          <a:bodyPr/>
-          <a:lstStyle/>
-          <a:p>
-            <a:pPr marL="0" marR="0" lvl="0" indent="0" algn="l" defTabSz="914400" rtl="0" eaLnBrk="1" fontAlgn="auto" latinLnBrk="0" hangingPunct="1">
-              <a:lnSpc>
-                <a:spcPct val="100000"/>
-              </a:lnSpc>
-              <a:spcBef>
-                <a:spcPts val="0"/>
-              </a:spcBef>
-              <a:spcAft>
-                <a:spcPts val="0"/>
-              </a:spcAft>
-              <a:buClrTx/>
-              <a:buSzTx/>
-              <a:buFontTx/>
-              <a:buNone/>
-              <a:tabLst/>
-              <a:defRPr/>
-            </a:pPr>
-            <a:r>
-              <a:rPr lang="en-US" dirty="0"/>
-              <a:t>function crop () { </a:t>
-            </a:r>
-            <a:r>
-              <a:rPr lang="en-US" dirty="0" err="1"/>
-              <a:t>pdfcrop</a:t>
-            </a:r>
-            <a:r>
-              <a:rPr lang="en-US" dirty="0"/>
-              <a:t> --</a:t>
-            </a:r>
-            <a:r>
-              <a:rPr lang="en-US" dirty="0" err="1"/>
-              <a:t>ini</a:t>
-            </a:r>
-            <a:r>
-              <a:rPr lang="en-US" dirty="0"/>
-              <a:t> $1 $1 &amp; }</a:t>
-            </a:r>
-          </a:p>
-          <a:p>
-            <a:endParaRPr lang="en-US" dirty="0"/>
-          </a:p>
-        </p:txBody>
-      </p:sp>
-      <p:sp>
-        <p:nvSpPr>
-          <p:cNvPr id="4" name="Slide Number Placeholder 3"/>
-          <p:cNvSpPr>
-            <a:spLocks noGrp="1"/>
-          </p:cNvSpPr>
-          <p:nvPr>
-            <p:ph type="sldNum" sz="quarter" idx="5"/>
-          </p:nvPr>
-        </p:nvSpPr>
-        <p:spPr/>
-        <p:txBody>
-          <a:bodyPr/>
-          <a:lstStyle/>
-          <a:p>
-            <a:fld id="{26E317F8-BE6A-D64A-AA4B-64623B0AE7D6}" type="slidenum">
-              <a:rPr lang="en-US" smtClean="0"/>
-              <a:t>2</a:t>
-            </a:fld>
-            <a:endParaRPr lang="en-US"/>
-          </a:p>
-        </p:txBody>
-      </p:sp>
-    </p:spTree>
-    <p:extLst>
-      <p:ext uri="{BB962C8B-B14F-4D97-AF65-F5344CB8AC3E}">
-        <p14:creationId xmlns:p14="http://schemas.microsoft.com/office/powerpoint/2010/main" val="564340376"/>
-      </p:ext>
-    </p:extLst>
-  </p:cSld>
-  <p:clrMapOvr>
-    <a:masterClrMapping/>
-  </p:clrMapOvr>
-</p:notes>
-</file>
-
 <file path=ppt/slideLayouts/slideLayout1.xml><?xml version="1.0" encoding="utf-8"?>
 <p:sldLayout xmlns:a="http://schemas.openxmlformats.org/drawingml/2006/main" xmlns:r="http://schemas.openxmlformats.org/officeDocument/2006/relationships" xmlns:p="http://schemas.openxmlformats.org/presentationml/2006/main" type="title" preserve="1">
   <p:cSld name="Title Slide">
@@ -858,7 +734,7 @@
           <a:p>
             <a:fld id="{697CBF4A-2AD2-1249-BC5E-D6BCA9656194}" type="datetimeFigureOut">
               <a:rPr lang="en-US" smtClean="0"/>
-              <a:t>6/28/23</a:t>
+              <a:t>8/21/23</a:t>
             </a:fld>
             <a:endParaRPr lang="en-US"/>
           </a:p>
@@ -1056,7 +932,7 @@
           <a:p>
             <a:fld id="{697CBF4A-2AD2-1249-BC5E-D6BCA9656194}" type="datetimeFigureOut">
               <a:rPr lang="en-US" smtClean="0"/>
-              <a:t>6/28/23</a:t>
+              <a:t>8/21/23</a:t>
             </a:fld>
             <a:endParaRPr lang="en-US"/>
           </a:p>
@@ -1264,7 +1140,7 @@
           <a:p>
             <a:fld id="{697CBF4A-2AD2-1249-BC5E-D6BCA9656194}" type="datetimeFigureOut">
               <a:rPr lang="en-US" smtClean="0"/>
-              <a:t>6/28/23</a:t>
+              <a:t>8/21/23</a:t>
             </a:fld>
             <a:endParaRPr lang="en-US"/>
           </a:p>
@@ -1462,7 +1338,7 @@
           <a:p>
             <a:fld id="{697CBF4A-2AD2-1249-BC5E-D6BCA9656194}" type="datetimeFigureOut">
               <a:rPr lang="en-US" smtClean="0"/>
-              <a:t>6/28/23</a:t>
+              <a:t>8/21/23</a:t>
             </a:fld>
             <a:endParaRPr lang="en-US"/>
           </a:p>
@@ -1737,7 +1613,7 @@
           <a:p>
             <a:fld id="{697CBF4A-2AD2-1249-BC5E-D6BCA9656194}" type="datetimeFigureOut">
               <a:rPr lang="en-US" smtClean="0"/>
-              <a:t>6/28/23</a:t>
+              <a:t>8/21/23</a:t>
             </a:fld>
             <a:endParaRPr lang="en-US"/>
           </a:p>
@@ -2002,7 +1878,7 @@
           <a:p>
             <a:fld id="{697CBF4A-2AD2-1249-BC5E-D6BCA9656194}" type="datetimeFigureOut">
               <a:rPr lang="en-US" smtClean="0"/>
-              <a:t>6/28/23</a:t>
+              <a:t>8/21/23</a:t>
             </a:fld>
             <a:endParaRPr lang="en-US"/>
           </a:p>
@@ -2414,7 +2290,7 @@
           <a:p>
             <a:fld id="{697CBF4A-2AD2-1249-BC5E-D6BCA9656194}" type="datetimeFigureOut">
               <a:rPr lang="en-US" smtClean="0"/>
-              <a:t>6/28/23</a:t>
+              <a:t>8/21/23</a:t>
             </a:fld>
             <a:endParaRPr lang="en-US"/>
           </a:p>
@@ -2555,7 +2431,7 @@
           <a:p>
             <a:fld id="{697CBF4A-2AD2-1249-BC5E-D6BCA9656194}" type="datetimeFigureOut">
               <a:rPr lang="en-US" smtClean="0"/>
-              <a:t>6/28/23</a:t>
+              <a:t>8/21/23</a:t>
             </a:fld>
             <a:endParaRPr lang="en-US"/>
           </a:p>
@@ -2668,7 +2544,7 @@
           <a:p>
             <a:fld id="{697CBF4A-2AD2-1249-BC5E-D6BCA9656194}" type="datetimeFigureOut">
               <a:rPr lang="en-US" smtClean="0"/>
-              <a:t>6/28/23</a:t>
+              <a:t>8/21/23</a:t>
             </a:fld>
             <a:endParaRPr lang="en-US"/>
           </a:p>
@@ -2979,7 +2855,7 @@
           <a:p>
             <a:fld id="{697CBF4A-2AD2-1249-BC5E-D6BCA9656194}" type="datetimeFigureOut">
               <a:rPr lang="en-US" smtClean="0"/>
-              <a:t>6/28/23</a:t>
+              <a:t>8/21/23</a:t>
             </a:fld>
             <a:endParaRPr lang="en-US"/>
           </a:p>
@@ -3267,7 +3143,7 @@
           <a:p>
             <a:fld id="{697CBF4A-2AD2-1249-BC5E-D6BCA9656194}" type="datetimeFigureOut">
               <a:rPr lang="en-US" smtClean="0"/>
-              <a:t>6/28/23</a:t>
+              <a:t>8/21/23</a:t>
             </a:fld>
             <a:endParaRPr lang="en-US"/>
           </a:p>
@@ -3508,7 +3384,7 @@
           <a:p>
             <a:fld id="{697CBF4A-2AD2-1249-BC5E-D6BCA9656194}" type="datetimeFigureOut">
               <a:rPr lang="en-US" smtClean="0"/>
-              <a:t>6/28/23</a:t>
+              <a:t>8/21/23</a:t>
             </a:fld>
             <a:endParaRPr lang="en-US"/>
           </a:p>
@@ -6060,2420 +5936,6 @@
     <p:extLst>
       <p:ext uri="{BB962C8B-B14F-4D97-AF65-F5344CB8AC3E}">
         <p14:creationId xmlns:p14="http://schemas.microsoft.com/office/powerpoint/2010/main" val="3958541822"/>
-      </p:ext>
-    </p:extLst>
-  </p:cSld>
-  <p:clrMapOvr>
-    <a:masterClrMapping/>
-  </p:clrMapOvr>
-</p:sld>
-</file>
-
-<file path=ppt/slides/slide2.xml><?xml version="1.0" encoding="utf-8"?>
-<p:sld xmlns:a="http://schemas.openxmlformats.org/drawingml/2006/main" xmlns:r="http://schemas.openxmlformats.org/officeDocument/2006/relationships" xmlns:p="http://schemas.openxmlformats.org/presentationml/2006/main">
-  <p:cSld>
-    <p:spTree>
-      <p:nvGrpSpPr>
-        <p:cNvPr id="1" name=""/>
-        <p:cNvGrpSpPr/>
-        <p:nvPr/>
-      </p:nvGrpSpPr>
-      <p:grpSpPr>
-        <a:xfrm>
-          <a:off x="0" y="0"/>
-          <a:ext cx="0" cy="0"/>
-          <a:chOff x="0" y="0"/>
-          <a:chExt cx="0" cy="0"/>
-        </a:xfrm>
-      </p:grpSpPr>
-      <p:sp>
-        <p:nvSpPr>
-          <p:cNvPr id="4" name="Can 3">
-            <a:extLst>
-              <a:ext uri="{FF2B5EF4-FFF2-40B4-BE49-F238E27FC236}">
-                <a16:creationId xmlns:a16="http://schemas.microsoft.com/office/drawing/2014/main" id="{46C730A0-F630-A2A2-EC00-A70BAFCC14EB}"/>
-              </a:ext>
-            </a:extLst>
-          </p:cNvPr>
-          <p:cNvSpPr/>
-          <p:nvPr/>
-        </p:nvSpPr>
-        <p:spPr>
-          <a:xfrm>
-            <a:off x="906155" y="2325349"/>
-            <a:ext cx="563301" cy="410114"/>
-          </a:xfrm>
-          <a:prstGeom prst="can">
-            <a:avLst/>
-          </a:prstGeom>
-          <a:solidFill>
-            <a:schemeClr val="bg1"/>
-          </a:solidFill>
-          <a:ln w="28575" cmpd="sng">
-            <a:solidFill>
-              <a:schemeClr val="tx1"/>
-            </a:solidFill>
-          </a:ln>
-          <a:effectLst/>
-        </p:spPr>
-        <p:style>
-          <a:lnRef idx="1">
-            <a:schemeClr val="accent1"/>
-          </a:lnRef>
-          <a:fillRef idx="3">
-            <a:schemeClr val="accent1"/>
-          </a:fillRef>
-          <a:effectRef idx="2">
-            <a:schemeClr val="accent1"/>
-          </a:effectRef>
-          <a:fontRef idx="minor">
-            <a:schemeClr val="lt1"/>
-          </a:fontRef>
-        </p:style>
-        <p:txBody>
-          <a:bodyPr rtlCol="0" anchor="ctr"/>
-          <a:lstStyle/>
-          <a:p>
-            <a:pPr algn="ctr"/>
-            <a:endParaRPr lang="en-US" sz="2000" dirty="0">
-              <a:solidFill>
-                <a:schemeClr val="tx1"/>
-              </a:solidFill>
-            </a:endParaRPr>
-          </a:p>
-        </p:txBody>
-      </p:sp>
-      <p:sp>
-        <p:nvSpPr>
-          <p:cNvPr id="5" name="TextBox 4">
-            <a:extLst>
-              <a:ext uri="{FF2B5EF4-FFF2-40B4-BE49-F238E27FC236}">
-                <a16:creationId xmlns:a16="http://schemas.microsoft.com/office/drawing/2014/main" id="{916DA83E-5DD4-F259-C289-BBF34314CE00}"/>
-              </a:ext>
-            </a:extLst>
-          </p:cNvPr>
-          <p:cNvSpPr txBox="1"/>
-          <p:nvPr/>
-        </p:nvSpPr>
-        <p:spPr>
-          <a:xfrm>
-            <a:off x="758971" y="2710746"/>
-            <a:ext cx="907595" cy="369332"/>
-          </a:xfrm>
-          <a:prstGeom prst="rect">
-            <a:avLst/>
-          </a:prstGeom>
-          <a:noFill/>
-        </p:spPr>
-        <p:txBody>
-          <a:bodyPr wrap="square" rtlCol="0">
-            <a:spAutoFit/>
-          </a:bodyPr>
-          <a:lstStyle/>
-          <a:p>
-            <a:r>
-              <a:rPr lang="en-US" dirty="0"/>
-              <a:t>Dataset</a:t>
-            </a:r>
-          </a:p>
-        </p:txBody>
-      </p:sp>
-      <p:sp>
-        <p:nvSpPr>
-          <p:cNvPr id="7" name="Can 6">
-            <a:extLst>
-              <a:ext uri="{FF2B5EF4-FFF2-40B4-BE49-F238E27FC236}">
-                <a16:creationId xmlns:a16="http://schemas.microsoft.com/office/drawing/2014/main" id="{C11379F4-F78C-2DBA-28F5-8A3E0AE9458B}"/>
-              </a:ext>
-            </a:extLst>
-          </p:cNvPr>
-          <p:cNvSpPr/>
-          <p:nvPr/>
-        </p:nvSpPr>
-        <p:spPr>
-          <a:xfrm>
-            <a:off x="2251248" y="1583231"/>
-            <a:ext cx="352803" cy="256860"/>
-          </a:xfrm>
-          <a:prstGeom prst="can">
-            <a:avLst/>
-          </a:prstGeom>
-          <a:solidFill>
-            <a:schemeClr val="bg1"/>
-          </a:solidFill>
-          <a:ln w="28575" cmpd="sng">
-            <a:solidFill>
-              <a:schemeClr val="tx1"/>
-            </a:solidFill>
-          </a:ln>
-          <a:effectLst/>
-        </p:spPr>
-        <p:style>
-          <a:lnRef idx="1">
-            <a:schemeClr val="accent1"/>
-          </a:lnRef>
-          <a:fillRef idx="3">
-            <a:schemeClr val="accent1"/>
-          </a:fillRef>
-          <a:effectRef idx="2">
-            <a:schemeClr val="accent1"/>
-          </a:effectRef>
-          <a:fontRef idx="minor">
-            <a:schemeClr val="lt1"/>
-          </a:fontRef>
-        </p:style>
-        <p:txBody>
-          <a:bodyPr rtlCol="0" anchor="ctr"/>
-          <a:lstStyle/>
-          <a:p>
-            <a:pPr algn="ctr"/>
-            <a:endParaRPr lang="en-US" sz="2000" dirty="0">
-              <a:solidFill>
-                <a:schemeClr val="tx1"/>
-              </a:solidFill>
-            </a:endParaRPr>
-          </a:p>
-        </p:txBody>
-      </p:sp>
-      <p:sp>
-        <p:nvSpPr>
-          <p:cNvPr id="10" name="TextBox 9">
-            <a:extLst>
-              <a:ext uri="{FF2B5EF4-FFF2-40B4-BE49-F238E27FC236}">
-                <a16:creationId xmlns:a16="http://schemas.microsoft.com/office/drawing/2014/main" id="{BE85419F-1FBA-202A-E2EA-74AD0BADC1FC}"/>
-              </a:ext>
-            </a:extLst>
-          </p:cNvPr>
-          <p:cNvSpPr txBox="1"/>
-          <p:nvPr/>
-        </p:nvSpPr>
-        <p:spPr>
-          <a:xfrm>
-            <a:off x="2182730" y="1775471"/>
-            <a:ext cx="510139" cy="369332"/>
-          </a:xfrm>
-          <a:prstGeom prst="rect">
-            <a:avLst/>
-          </a:prstGeom>
-          <a:noFill/>
-        </p:spPr>
-        <p:txBody>
-          <a:bodyPr wrap="square" rtlCol="0">
-            <a:spAutoFit/>
-          </a:bodyPr>
-          <a:lstStyle/>
-          <a:p>
-            <a:pPr algn="ctr"/>
-            <a:r>
-              <a:rPr lang="en-US" dirty="0"/>
-              <a:t>S</a:t>
-            </a:r>
-            <a:r>
-              <a:rPr lang="en-US" baseline="-25000" dirty="0"/>
-              <a:t>1</a:t>
-            </a:r>
-            <a:endParaRPr lang="en-US" dirty="0"/>
-          </a:p>
-        </p:txBody>
-      </p:sp>
-      <p:sp>
-        <p:nvSpPr>
-          <p:cNvPr id="11" name="Can 10">
-            <a:extLst>
-              <a:ext uri="{FF2B5EF4-FFF2-40B4-BE49-F238E27FC236}">
-                <a16:creationId xmlns:a16="http://schemas.microsoft.com/office/drawing/2014/main" id="{BAEFAF98-F096-E674-BCB5-258452A2D5F7}"/>
-              </a:ext>
-            </a:extLst>
-          </p:cNvPr>
-          <p:cNvSpPr/>
-          <p:nvPr/>
-        </p:nvSpPr>
-        <p:spPr>
-          <a:xfrm>
-            <a:off x="2251248" y="2133109"/>
-            <a:ext cx="352803" cy="256860"/>
-          </a:xfrm>
-          <a:prstGeom prst="can">
-            <a:avLst/>
-          </a:prstGeom>
-          <a:solidFill>
-            <a:schemeClr val="bg1"/>
-          </a:solidFill>
-          <a:ln w="28575" cmpd="sng">
-            <a:solidFill>
-              <a:schemeClr val="tx1"/>
-            </a:solidFill>
-          </a:ln>
-          <a:effectLst/>
-        </p:spPr>
-        <p:style>
-          <a:lnRef idx="1">
-            <a:schemeClr val="accent1"/>
-          </a:lnRef>
-          <a:fillRef idx="3">
-            <a:schemeClr val="accent1"/>
-          </a:fillRef>
-          <a:effectRef idx="2">
-            <a:schemeClr val="accent1"/>
-          </a:effectRef>
-          <a:fontRef idx="minor">
-            <a:schemeClr val="lt1"/>
-          </a:fontRef>
-        </p:style>
-        <p:txBody>
-          <a:bodyPr rtlCol="0" anchor="ctr"/>
-          <a:lstStyle/>
-          <a:p>
-            <a:pPr algn="ctr"/>
-            <a:endParaRPr lang="en-US" sz="2000" dirty="0">
-              <a:solidFill>
-                <a:schemeClr val="tx1"/>
-              </a:solidFill>
-            </a:endParaRPr>
-          </a:p>
-        </p:txBody>
-      </p:sp>
-      <p:sp>
-        <p:nvSpPr>
-          <p:cNvPr id="12" name="TextBox 11">
-            <a:extLst>
-              <a:ext uri="{FF2B5EF4-FFF2-40B4-BE49-F238E27FC236}">
-                <a16:creationId xmlns:a16="http://schemas.microsoft.com/office/drawing/2014/main" id="{185C0691-A6CF-6862-8993-E35958BB071C}"/>
-              </a:ext>
-            </a:extLst>
-          </p:cNvPr>
-          <p:cNvSpPr txBox="1"/>
-          <p:nvPr/>
-        </p:nvSpPr>
-        <p:spPr>
-          <a:xfrm>
-            <a:off x="2182730" y="2325349"/>
-            <a:ext cx="510139" cy="369332"/>
-          </a:xfrm>
-          <a:prstGeom prst="rect">
-            <a:avLst/>
-          </a:prstGeom>
-          <a:noFill/>
-        </p:spPr>
-        <p:txBody>
-          <a:bodyPr wrap="square" rtlCol="0">
-            <a:spAutoFit/>
-          </a:bodyPr>
-          <a:lstStyle/>
-          <a:p>
-            <a:pPr algn="ctr"/>
-            <a:r>
-              <a:rPr lang="en-US" dirty="0"/>
-              <a:t>S</a:t>
-            </a:r>
-            <a:r>
-              <a:rPr lang="en-US" baseline="-25000" dirty="0"/>
-              <a:t>2</a:t>
-            </a:r>
-            <a:endParaRPr lang="en-US" dirty="0"/>
-          </a:p>
-        </p:txBody>
-      </p:sp>
-      <p:sp>
-        <p:nvSpPr>
-          <p:cNvPr id="13" name="Can 12">
-            <a:extLst>
-              <a:ext uri="{FF2B5EF4-FFF2-40B4-BE49-F238E27FC236}">
-                <a16:creationId xmlns:a16="http://schemas.microsoft.com/office/drawing/2014/main" id="{2EE4D794-8F58-04B4-0DA9-BE344CAE2B5B}"/>
-              </a:ext>
-            </a:extLst>
-          </p:cNvPr>
-          <p:cNvSpPr/>
-          <p:nvPr/>
-        </p:nvSpPr>
-        <p:spPr>
-          <a:xfrm>
-            <a:off x="2251248" y="3007753"/>
-            <a:ext cx="352803" cy="256860"/>
-          </a:xfrm>
-          <a:prstGeom prst="can">
-            <a:avLst/>
-          </a:prstGeom>
-          <a:solidFill>
-            <a:schemeClr val="bg1"/>
-          </a:solidFill>
-          <a:ln w="28575" cmpd="sng">
-            <a:solidFill>
-              <a:schemeClr val="tx1"/>
-            </a:solidFill>
-          </a:ln>
-          <a:effectLst/>
-        </p:spPr>
-        <p:style>
-          <a:lnRef idx="1">
-            <a:schemeClr val="accent1"/>
-          </a:lnRef>
-          <a:fillRef idx="3">
-            <a:schemeClr val="accent1"/>
-          </a:fillRef>
-          <a:effectRef idx="2">
-            <a:schemeClr val="accent1"/>
-          </a:effectRef>
-          <a:fontRef idx="minor">
-            <a:schemeClr val="lt1"/>
-          </a:fontRef>
-        </p:style>
-        <p:txBody>
-          <a:bodyPr rtlCol="0" anchor="ctr"/>
-          <a:lstStyle/>
-          <a:p>
-            <a:pPr algn="ctr"/>
-            <a:endParaRPr lang="en-US" sz="2000" dirty="0">
-              <a:solidFill>
-                <a:schemeClr val="tx1"/>
-              </a:solidFill>
-            </a:endParaRPr>
-          </a:p>
-        </p:txBody>
-      </p:sp>
-      <p:sp>
-        <p:nvSpPr>
-          <p:cNvPr id="14" name="TextBox 13">
-            <a:extLst>
-              <a:ext uri="{FF2B5EF4-FFF2-40B4-BE49-F238E27FC236}">
-                <a16:creationId xmlns:a16="http://schemas.microsoft.com/office/drawing/2014/main" id="{E4326165-BD8F-A071-BFAB-3EB071D8E500}"/>
-              </a:ext>
-            </a:extLst>
-          </p:cNvPr>
-          <p:cNvSpPr txBox="1"/>
-          <p:nvPr/>
-        </p:nvSpPr>
-        <p:spPr>
-          <a:xfrm>
-            <a:off x="2182730" y="3199993"/>
-            <a:ext cx="510139" cy="369332"/>
-          </a:xfrm>
-          <a:prstGeom prst="rect">
-            <a:avLst/>
-          </a:prstGeom>
-          <a:noFill/>
-        </p:spPr>
-        <p:txBody>
-          <a:bodyPr wrap="square" rtlCol="0">
-            <a:spAutoFit/>
-          </a:bodyPr>
-          <a:lstStyle/>
-          <a:p>
-            <a:pPr algn="ctr"/>
-            <a:r>
-              <a:rPr lang="en-US" dirty="0"/>
-              <a:t>S</a:t>
-            </a:r>
-            <a:r>
-              <a:rPr lang="en-US" baseline="-25000" dirty="0"/>
-              <a:t>n</a:t>
-            </a:r>
-            <a:endParaRPr lang="en-US" dirty="0"/>
-          </a:p>
-        </p:txBody>
-      </p:sp>
-      <p:sp>
-        <p:nvSpPr>
-          <p:cNvPr id="16" name="Oval 15">
-            <a:extLst>
-              <a:ext uri="{FF2B5EF4-FFF2-40B4-BE49-F238E27FC236}">
-                <a16:creationId xmlns:a16="http://schemas.microsoft.com/office/drawing/2014/main" id="{9A3E0056-92FB-12B6-714E-0FD703955A7F}"/>
-              </a:ext>
-            </a:extLst>
-          </p:cNvPr>
-          <p:cNvSpPr/>
-          <p:nvPr/>
-        </p:nvSpPr>
-        <p:spPr>
-          <a:xfrm>
-            <a:off x="2384173" y="2682987"/>
-            <a:ext cx="86952" cy="86952"/>
-          </a:xfrm>
-          <a:prstGeom prst="ellipse">
-            <a:avLst/>
-          </a:prstGeom>
-          <a:solidFill>
-            <a:schemeClr val="tx1"/>
-          </a:solidFill>
-          <a:ln>
-            <a:noFill/>
-          </a:ln>
-        </p:spPr>
-        <p:style>
-          <a:lnRef idx="2">
-            <a:schemeClr val="dk1">
-              <a:shade val="15000"/>
-            </a:schemeClr>
-          </a:lnRef>
-          <a:fillRef idx="1">
-            <a:schemeClr val="dk1"/>
-          </a:fillRef>
-          <a:effectRef idx="0">
-            <a:schemeClr val="dk1"/>
-          </a:effectRef>
-          <a:fontRef idx="minor">
-            <a:schemeClr val="lt1"/>
-          </a:fontRef>
-        </p:style>
-        <p:txBody>
-          <a:bodyPr rtlCol="0" anchor="ctr"/>
-          <a:lstStyle/>
-          <a:p>
-            <a:pPr algn="ctr"/>
-            <a:endParaRPr lang="en-US"/>
-          </a:p>
-        </p:txBody>
-      </p:sp>
-      <p:sp>
-        <p:nvSpPr>
-          <p:cNvPr id="17" name="Oval 16">
-            <a:extLst>
-              <a:ext uri="{FF2B5EF4-FFF2-40B4-BE49-F238E27FC236}">
-                <a16:creationId xmlns:a16="http://schemas.microsoft.com/office/drawing/2014/main" id="{E7BCF255-F589-8502-35F6-5721E7F5DA04}"/>
-              </a:ext>
-            </a:extLst>
-          </p:cNvPr>
-          <p:cNvSpPr/>
-          <p:nvPr/>
-        </p:nvSpPr>
-        <p:spPr>
-          <a:xfrm>
-            <a:off x="2384173" y="2831751"/>
-            <a:ext cx="86952" cy="86952"/>
-          </a:xfrm>
-          <a:prstGeom prst="ellipse">
-            <a:avLst/>
-          </a:prstGeom>
-          <a:solidFill>
-            <a:schemeClr val="tx1"/>
-          </a:solidFill>
-          <a:ln>
-            <a:noFill/>
-          </a:ln>
-        </p:spPr>
-        <p:style>
-          <a:lnRef idx="2">
-            <a:schemeClr val="dk1">
-              <a:shade val="15000"/>
-            </a:schemeClr>
-          </a:lnRef>
-          <a:fillRef idx="1">
-            <a:schemeClr val="dk1"/>
-          </a:fillRef>
-          <a:effectRef idx="0">
-            <a:schemeClr val="dk1"/>
-          </a:effectRef>
-          <a:fontRef idx="minor">
-            <a:schemeClr val="lt1"/>
-          </a:fontRef>
-        </p:style>
-        <p:txBody>
-          <a:bodyPr rtlCol="0" anchor="ctr"/>
-          <a:lstStyle/>
-          <a:p>
-            <a:pPr algn="ctr"/>
-            <a:endParaRPr lang="en-US"/>
-          </a:p>
-        </p:txBody>
-      </p:sp>
-      <p:grpSp>
-        <p:nvGrpSpPr>
-          <p:cNvPr id="33" name="Group 32">
-            <a:extLst>
-              <a:ext uri="{FF2B5EF4-FFF2-40B4-BE49-F238E27FC236}">
-                <a16:creationId xmlns:a16="http://schemas.microsoft.com/office/drawing/2014/main" id="{50967F6F-F8FA-CEF0-2CF9-6D7B75F25689}"/>
-              </a:ext>
-            </a:extLst>
-          </p:cNvPr>
-          <p:cNvGrpSpPr/>
-          <p:nvPr/>
-        </p:nvGrpSpPr>
-        <p:grpSpPr>
-          <a:xfrm>
-            <a:off x="1469456" y="1711661"/>
-            <a:ext cx="788141" cy="1424522"/>
-            <a:chOff x="1469456" y="1255261"/>
-            <a:chExt cx="788141" cy="1424522"/>
-          </a:xfrm>
-        </p:grpSpPr>
-        <p:cxnSp>
-          <p:nvCxnSpPr>
-            <p:cNvPr id="6" name="Straight Arrow Connector 5">
-              <a:extLst>
-                <a:ext uri="{FF2B5EF4-FFF2-40B4-BE49-F238E27FC236}">
-                  <a16:creationId xmlns:a16="http://schemas.microsoft.com/office/drawing/2014/main" id="{E0AE947E-7080-85B1-7C00-954D9722BA0F}"/>
-                </a:ext>
-              </a:extLst>
-            </p:cNvPr>
-            <p:cNvCxnSpPr>
-              <a:cxnSpLocks/>
-            </p:cNvCxnSpPr>
-            <p:nvPr/>
-          </p:nvCxnSpPr>
-          <p:spPr>
-            <a:xfrm>
-              <a:off x="1844675" y="1261578"/>
-              <a:ext cx="412922" cy="0"/>
-            </a:xfrm>
-            <a:prstGeom prst="straightConnector1">
-              <a:avLst/>
-            </a:prstGeom>
-            <a:ln w="38100" cap="flat" cmpd="sng" algn="ctr">
-              <a:solidFill>
-                <a:schemeClr val="dk1"/>
-              </a:solidFill>
-              <a:prstDash val="solid"/>
-              <a:round/>
-              <a:headEnd type="none" w="med" len="med"/>
-              <a:tailEnd type="arrow" w="med" len="med"/>
-            </a:ln>
-          </p:spPr>
-          <p:style>
-            <a:lnRef idx="0">
-              <a:scrgbClr r="0" g="0" b="0"/>
-            </a:lnRef>
-            <a:fillRef idx="0">
-              <a:scrgbClr r="0" g="0" b="0"/>
-            </a:fillRef>
-            <a:effectRef idx="0">
-              <a:scrgbClr r="0" g="0" b="0"/>
-            </a:effectRef>
-            <a:fontRef idx="minor">
-              <a:schemeClr val="tx1"/>
-            </a:fontRef>
-          </p:style>
-        </p:cxnSp>
-        <p:cxnSp>
-          <p:nvCxnSpPr>
-            <p:cNvPr id="18" name="Straight Arrow Connector 17">
-              <a:extLst>
-                <a:ext uri="{FF2B5EF4-FFF2-40B4-BE49-F238E27FC236}">
-                  <a16:creationId xmlns:a16="http://schemas.microsoft.com/office/drawing/2014/main" id="{D0A94DB1-525C-2650-5A6B-C73C546B8E76}"/>
-                </a:ext>
-              </a:extLst>
-            </p:cNvPr>
-            <p:cNvCxnSpPr>
-              <a:cxnSpLocks/>
-            </p:cNvCxnSpPr>
-            <p:nvPr/>
-          </p:nvCxnSpPr>
-          <p:spPr>
-            <a:xfrm>
-              <a:off x="1862533" y="1805139"/>
-              <a:ext cx="388714" cy="0"/>
-            </a:xfrm>
-            <a:prstGeom prst="straightConnector1">
-              <a:avLst/>
-            </a:prstGeom>
-            <a:ln w="38100" cap="flat" cmpd="sng" algn="ctr">
-              <a:solidFill>
-                <a:schemeClr val="dk1"/>
-              </a:solidFill>
-              <a:prstDash val="solid"/>
-              <a:round/>
-              <a:headEnd type="none" w="med" len="med"/>
-              <a:tailEnd type="arrow" w="med" len="med"/>
-            </a:ln>
-          </p:spPr>
-          <p:style>
-            <a:lnRef idx="0">
-              <a:scrgbClr r="0" g="0" b="0"/>
-            </a:lnRef>
-            <a:fillRef idx="0">
-              <a:scrgbClr r="0" g="0" b="0"/>
-            </a:fillRef>
-            <a:effectRef idx="0">
-              <a:scrgbClr r="0" g="0" b="0"/>
-            </a:effectRef>
-            <a:fontRef idx="minor">
-              <a:schemeClr val="tx1"/>
-            </a:fontRef>
-          </p:style>
-        </p:cxnSp>
-        <p:cxnSp>
-          <p:nvCxnSpPr>
-            <p:cNvPr id="19" name="Straight Arrow Connector 18">
-              <a:extLst>
-                <a:ext uri="{FF2B5EF4-FFF2-40B4-BE49-F238E27FC236}">
-                  <a16:creationId xmlns:a16="http://schemas.microsoft.com/office/drawing/2014/main" id="{118C06CC-5B6C-58A7-F3ED-42B76A6CB855}"/>
-                </a:ext>
-              </a:extLst>
-            </p:cNvPr>
-            <p:cNvCxnSpPr>
-              <a:cxnSpLocks/>
-            </p:cNvCxnSpPr>
-            <p:nvPr/>
-          </p:nvCxnSpPr>
-          <p:spPr>
-            <a:xfrm>
-              <a:off x="1844675" y="2679783"/>
-              <a:ext cx="406572" cy="0"/>
-            </a:xfrm>
-            <a:prstGeom prst="straightConnector1">
-              <a:avLst/>
-            </a:prstGeom>
-            <a:ln w="38100" cap="flat" cmpd="sng" algn="ctr">
-              <a:solidFill>
-                <a:schemeClr val="dk1"/>
-              </a:solidFill>
-              <a:prstDash val="solid"/>
-              <a:round/>
-              <a:headEnd type="none" w="med" len="med"/>
-              <a:tailEnd type="arrow" w="med" len="med"/>
-            </a:ln>
-          </p:spPr>
-          <p:style>
-            <a:lnRef idx="0">
-              <a:scrgbClr r="0" g="0" b="0"/>
-            </a:lnRef>
-            <a:fillRef idx="0">
-              <a:scrgbClr r="0" g="0" b="0"/>
-            </a:fillRef>
-            <a:effectRef idx="0">
-              <a:scrgbClr r="0" g="0" b="0"/>
-            </a:effectRef>
-            <a:fontRef idx="minor">
-              <a:schemeClr val="tx1"/>
-            </a:fontRef>
-          </p:style>
-        </p:cxnSp>
-        <p:cxnSp>
-          <p:nvCxnSpPr>
-            <p:cNvPr id="21" name="Straight Connector 20">
-              <a:extLst>
-                <a:ext uri="{FF2B5EF4-FFF2-40B4-BE49-F238E27FC236}">
-                  <a16:creationId xmlns:a16="http://schemas.microsoft.com/office/drawing/2014/main" id="{815BE496-EF0F-9A7B-459B-E36A1A27F7D1}"/>
-                </a:ext>
-              </a:extLst>
-            </p:cNvPr>
-            <p:cNvCxnSpPr>
-              <a:cxnSpLocks/>
-            </p:cNvCxnSpPr>
-            <p:nvPr/>
-          </p:nvCxnSpPr>
-          <p:spPr>
-            <a:xfrm>
-              <a:off x="1862533" y="1255261"/>
-              <a:ext cx="0" cy="1424522"/>
-            </a:xfrm>
-            <a:prstGeom prst="line">
-              <a:avLst/>
-            </a:prstGeom>
-            <a:ln w="38100">
-              <a:solidFill>
-                <a:schemeClr val="tx1"/>
-              </a:solidFill>
-            </a:ln>
-          </p:spPr>
-          <p:style>
-            <a:lnRef idx="3">
-              <a:schemeClr val="dk1"/>
-            </a:lnRef>
-            <a:fillRef idx="0">
-              <a:schemeClr val="dk1"/>
-            </a:fillRef>
-            <a:effectRef idx="2">
-              <a:schemeClr val="dk1"/>
-            </a:effectRef>
-            <a:fontRef idx="minor">
-              <a:schemeClr val="tx1"/>
-            </a:fontRef>
-          </p:style>
-        </p:cxnSp>
-        <p:cxnSp>
-          <p:nvCxnSpPr>
-            <p:cNvPr id="28" name="Straight Connector 27">
-              <a:extLst>
-                <a:ext uri="{FF2B5EF4-FFF2-40B4-BE49-F238E27FC236}">
-                  <a16:creationId xmlns:a16="http://schemas.microsoft.com/office/drawing/2014/main" id="{AE9244D9-2706-7527-D0D2-57EFB3F20C46}"/>
-                </a:ext>
-              </a:extLst>
-            </p:cNvPr>
-            <p:cNvCxnSpPr>
-              <a:cxnSpLocks/>
-            </p:cNvCxnSpPr>
-            <p:nvPr/>
-          </p:nvCxnSpPr>
-          <p:spPr>
-            <a:xfrm>
-              <a:off x="1469456" y="2093526"/>
-              <a:ext cx="398553" cy="0"/>
-            </a:xfrm>
-            <a:prstGeom prst="line">
-              <a:avLst/>
-            </a:prstGeom>
-            <a:ln w="38100">
-              <a:solidFill>
-                <a:schemeClr val="tx1"/>
-              </a:solidFill>
-            </a:ln>
-          </p:spPr>
-          <p:style>
-            <a:lnRef idx="3">
-              <a:schemeClr val="dk1"/>
-            </a:lnRef>
-            <a:fillRef idx="0">
-              <a:schemeClr val="dk1"/>
-            </a:fillRef>
-            <a:effectRef idx="2">
-              <a:schemeClr val="dk1"/>
-            </a:effectRef>
-            <a:fontRef idx="minor">
-              <a:schemeClr val="tx1"/>
-            </a:fontRef>
-          </p:style>
-        </p:cxnSp>
-      </p:grpSp>
-      <p:sp>
-        <p:nvSpPr>
-          <p:cNvPr id="34" name="Rounded Rectangle 33">
-            <a:extLst>
-              <a:ext uri="{FF2B5EF4-FFF2-40B4-BE49-F238E27FC236}">
-                <a16:creationId xmlns:a16="http://schemas.microsoft.com/office/drawing/2014/main" id="{D5CDBEB8-944B-4FA5-5D27-D4165FB06A83}"/>
-              </a:ext>
-            </a:extLst>
-          </p:cNvPr>
-          <p:cNvSpPr/>
-          <p:nvPr/>
-        </p:nvSpPr>
-        <p:spPr>
-          <a:xfrm>
-            <a:off x="3656097" y="804423"/>
-            <a:ext cx="1806706" cy="514648"/>
-          </a:xfrm>
-          <a:prstGeom prst="roundRect">
-            <a:avLst/>
-          </a:prstGeom>
-          <a:noFill/>
-          <a:ln w="38100"/>
-        </p:spPr>
-        <p:style>
-          <a:lnRef idx="2">
-            <a:schemeClr val="dk1"/>
-          </a:lnRef>
-          <a:fillRef idx="1">
-            <a:schemeClr val="lt1"/>
-          </a:fillRef>
-          <a:effectRef idx="0">
-            <a:schemeClr val="dk1"/>
-          </a:effectRef>
-          <a:fontRef idx="minor">
-            <a:schemeClr val="dk1"/>
-          </a:fontRef>
-        </p:style>
-        <p:txBody>
-          <a:bodyPr rtlCol="0" anchor="ctr"/>
-          <a:lstStyle/>
-          <a:p>
-            <a:pPr algn="ctr"/>
-            <a:r>
-              <a:rPr lang="en-US" sz="1600" dirty="0"/>
-              <a:t>Determine Best Parameter Values</a:t>
-            </a:r>
-            <a:endParaRPr lang="en-US" sz="2400" dirty="0"/>
-          </a:p>
-        </p:txBody>
-      </p:sp>
-      <p:sp>
-        <p:nvSpPr>
-          <p:cNvPr id="35" name="Card 34">
-            <a:extLst>
-              <a:ext uri="{FF2B5EF4-FFF2-40B4-BE49-F238E27FC236}">
-                <a16:creationId xmlns:a16="http://schemas.microsoft.com/office/drawing/2014/main" id="{1CE75996-FCA6-3D5B-4034-B294796C5538}"/>
-              </a:ext>
-            </a:extLst>
-          </p:cNvPr>
-          <p:cNvSpPr/>
-          <p:nvPr/>
-        </p:nvSpPr>
-        <p:spPr>
-          <a:xfrm flipH="1">
-            <a:off x="3800504" y="2231937"/>
-            <a:ext cx="1532513" cy="516165"/>
-          </a:xfrm>
-          <a:prstGeom prst="flowChartPunchedCard">
-            <a:avLst/>
-          </a:prstGeom>
-          <a:solidFill>
-            <a:schemeClr val="bg1"/>
-          </a:solidFill>
-          <a:ln w="41275">
-            <a:solidFill>
-              <a:schemeClr val="tx1"/>
-            </a:solidFill>
-          </a:ln>
-          <a:effectLst/>
-        </p:spPr>
-        <p:style>
-          <a:lnRef idx="1">
-            <a:schemeClr val="accent1"/>
-          </a:lnRef>
-          <a:fillRef idx="3">
-            <a:schemeClr val="accent1"/>
-          </a:fillRef>
-          <a:effectRef idx="2">
-            <a:schemeClr val="accent1"/>
-          </a:effectRef>
-          <a:fontRef idx="minor">
-            <a:schemeClr val="lt1"/>
-          </a:fontRef>
-        </p:style>
-        <p:txBody>
-          <a:bodyPr rtlCol="0" anchor="ctr"/>
-          <a:lstStyle/>
-          <a:p>
-            <a:pPr algn="ctr"/>
-            <a:r>
-              <a:rPr lang="en-US" sz="2000" dirty="0">
-                <a:solidFill>
-                  <a:schemeClr val="tx1"/>
-                </a:solidFill>
-              </a:rPr>
-              <a:t>Algorithm</a:t>
-            </a:r>
-          </a:p>
-        </p:txBody>
-      </p:sp>
-      <p:cxnSp>
-        <p:nvCxnSpPr>
-          <p:cNvPr id="36" name="Straight Arrow Connector 35">
-            <a:extLst>
-              <a:ext uri="{FF2B5EF4-FFF2-40B4-BE49-F238E27FC236}">
-                <a16:creationId xmlns:a16="http://schemas.microsoft.com/office/drawing/2014/main" id="{4A5D8F72-8C0B-BA30-DD40-761FB92C31E3}"/>
-              </a:ext>
-            </a:extLst>
-          </p:cNvPr>
-          <p:cNvCxnSpPr>
-            <a:cxnSpLocks/>
-          </p:cNvCxnSpPr>
-          <p:nvPr/>
-        </p:nvCxnSpPr>
-        <p:spPr>
-          <a:xfrm>
-            <a:off x="5462801" y="1931206"/>
-            <a:ext cx="396542" cy="0"/>
-          </a:xfrm>
-          <a:prstGeom prst="straightConnector1">
-            <a:avLst/>
-          </a:prstGeom>
-          <a:ln w="41275" cap="flat" cmpd="sng" algn="ctr">
-            <a:solidFill>
-              <a:schemeClr val="tx1"/>
-            </a:solidFill>
-            <a:prstDash val="solid"/>
-            <a:round/>
-            <a:headEnd type="none" w="med" len="med"/>
-            <a:tailEnd type="arrow" w="med" len="med"/>
-          </a:ln>
-          <a:effectLst/>
-        </p:spPr>
-        <p:style>
-          <a:lnRef idx="2">
-            <a:schemeClr val="accent1"/>
-          </a:lnRef>
-          <a:fillRef idx="0">
-            <a:schemeClr val="accent1"/>
-          </a:fillRef>
-          <a:effectRef idx="1">
-            <a:schemeClr val="accent1"/>
-          </a:effectRef>
-          <a:fontRef idx="minor">
-            <a:schemeClr val="tx1"/>
-          </a:fontRef>
-        </p:style>
-      </p:cxnSp>
-      <p:sp>
-        <p:nvSpPr>
-          <p:cNvPr id="37" name="Rectangle 36">
-            <a:extLst>
-              <a:ext uri="{FF2B5EF4-FFF2-40B4-BE49-F238E27FC236}">
-                <a16:creationId xmlns:a16="http://schemas.microsoft.com/office/drawing/2014/main" id="{1C95877F-EB8B-319F-BAAC-8A9A21E6D520}"/>
-              </a:ext>
-            </a:extLst>
-          </p:cNvPr>
-          <p:cNvSpPr/>
-          <p:nvPr/>
-        </p:nvSpPr>
-        <p:spPr>
-          <a:xfrm>
-            <a:off x="3786152" y="1745182"/>
-            <a:ext cx="1546866" cy="376773"/>
-          </a:xfrm>
-          <a:prstGeom prst="rect">
-            <a:avLst/>
-          </a:prstGeom>
-          <a:noFill/>
-        </p:spPr>
-        <p:style>
-          <a:lnRef idx="2">
-            <a:schemeClr val="dk1"/>
-          </a:lnRef>
-          <a:fillRef idx="1">
-            <a:schemeClr val="lt1"/>
-          </a:fillRef>
-          <a:effectRef idx="0">
-            <a:schemeClr val="dk1"/>
-          </a:effectRef>
-          <a:fontRef idx="minor">
-            <a:schemeClr val="dk1"/>
-          </a:fontRef>
-        </p:style>
-        <p:txBody>
-          <a:bodyPr rtlCol="0" anchor="ctr"/>
-          <a:lstStyle/>
-          <a:p>
-            <a:pPr algn="ctr"/>
-            <a:r>
-              <a:rPr lang="en-US" sz="1600" dirty="0"/>
-              <a:t>Best Parameters</a:t>
-            </a:r>
-            <a:endParaRPr lang="en-US" dirty="0"/>
-          </a:p>
-        </p:txBody>
-      </p:sp>
-      <p:sp>
-        <p:nvSpPr>
-          <p:cNvPr id="39" name="Rounded Rectangle 38">
-            <a:extLst>
-              <a:ext uri="{FF2B5EF4-FFF2-40B4-BE49-F238E27FC236}">
-                <a16:creationId xmlns:a16="http://schemas.microsoft.com/office/drawing/2014/main" id="{C7418ED6-8C83-045B-2131-553D6D71EEE8}"/>
-              </a:ext>
-            </a:extLst>
-          </p:cNvPr>
-          <p:cNvSpPr/>
-          <p:nvPr/>
-        </p:nvSpPr>
-        <p:spPr>
-          <a:xfrm>
-            <a:off x="3656095" y="1635200"/>
-            <a:ext cx="1806706" cy="1243912"/>
-          </a:xfrm>
-          <a:prstGeom prst="roundRect">
-            <a:avLst/>
-          </a:prstGeom>
-          <a:noFill/>
-          <a:ln w="38100">
-            <a:solidFill>
-              <a:schemeClr val="tx1"/>
-            </a:solidFill>
-          </a:ln>
-        </p:spPr>
-        <p:style>
-          <a:lnRef idx="2">
-            <a:schemeClr val="accent1">
-              <a:shade val="15000"/>
-            </a:schemeClr>
-          </a:lnRef>
-          <a:fillRef idx="1">
-            <a:schemeClr val="accent1"/>
-          </a:fillRef>
-          <a:effectRef idx="0">
-            <a:schemeClr val="accent1"/>
-          </a:effectRef>
-          <a:fontRef idx="minor">
-            <a:schemeClr val="lt1"/>
-          </a:fontRef>
-        </p:style>
-        <p:txBody>
-          <a:bodyPr rtlCol="0" anchor="ctr"/>
-          <a:lstStyle/>
-          <a:p>
-            <a:pPr algn="ctr"/>
-            <a:endParaRPr lang="en-US"/>
-          </a:p>
-        </p:txBody>
-      </p:sp>
-      <p:cxnSp>
-        <p:nvCxnSpPr>
-          <p:cNvPr id="40" name="Straight Arrow Connector 39">
-            <a:extLst>
-              <a:ext uri="{FF2B5EF4-FFF2-40B4-BE49-F238E27FC236}">
-                <a16:creationId xmlns:a16="http://schemas.microsoft.com/office/drawing/2014/main" id="{C953DAE8-9133-74C7-FA20-B1CF68AA5C0F}"/>
-              </a:ext>
-            </a:extLst>
-          </p:cNvPr>
-          <p:cNvCxnSpPr>
-            <a:cxnSpLocks/>
-            <a:stCxn id="34" idx="2"/>
-            <a:endCxn id="37" idx="0"/>
-          </p:cNvCxnSpPr>
-          <p:nvPr/>
-        </p:nvCxnSpPr>
-        <p:spPr>
-          <a:xfrm>
-            <a:off x="4559450" y="1319071"/>
-            <a:ext cx="135" cy="426111"/>
-          </a:xfrm>
-          <a:prstGeom prst="straightConnector1">
-            <a:avLst/>
-          </a:prstGeom>
-          <a:ln w="41275" cap="flat" cmpd="sng" algn="ctr">
-            <a:solidFill>
-              <a:schemeClr val="tx1"/>
-            </a:solidFill>
-            <a:prstDash val="solid"/>
-            <a:round/>
-            <a:headEnd type="none" w="med" len="med"/>
-            <a:tailEnd type="arrow" w="med" len="med"/>
-          </a:ln>
-          <a:effectLst/>
-        </p:spPr>
-        <p:style>
-          <a:lnRef idx="2">
-            <a:schemeClr val="accent1"/>
-          </a:lnRef>
-          <a:fillRef idx="0">
-            <a:schemeClr val="accent1"/>
-          </a:fillRef>
-          <a:effectRef idx="1">
-            <a:schemeClr val="accent1"/>
-          </a:effectRef>
-          <a:fontRef idx="minor">
-            <a:schemeClr val="tx1"/>
-          </a:fontRef>
-        </p:style>
-      </p:cxnSp>
-      <p:cxnSp>
-        <p:nvCxnSpPr>
-          <p:cNvPr id="52" name="Straight Connector 51">
-            <a:extLst>
-              <a:ext uri="{FF2B5EF4-FFF2-40B4-BE49-F238E27FC236}">
-                <a16:creationId xmlns:a16="http://schemas.microsoft.com/office/drawing/2014/main" id="{97EFD2C3-87C2-FE61-E122-60D2CB16AED0}"/>
-              </a:ext>
-            </a:extLst>
-          </p:cNvPr>
-          <p:cNvCxnSpPr>
-            <a:cxnSpLocks/>
-            <a:stCxn id="7" idx="4"/>
-          </p:cNvCxnSpPr>
-          <p:nvPr/>
-        </p:nvCxnSpPr>
-        <p:spPr>
-          <a:xfrm>
-            <a:off x="2604051" y="1711661"/>
-            <a:ext cx="372829" cy="0"/>
-          </a:xfrm>
-          <a:prstGeom prst="line">
-            <a:avLst/>
-          </a:prstGeom>
-          <a:ln w="38100">
-            <a:solidFill>
-              <a:schemeClr val="tx1"/>
-            </a:solidFill>
-          </a:ln>
-        </p:spPr>
-        <p:style>
-          <a:lnRef idx="1">
-            <a:schemeClr val="accent1"/>
-          </a:lnRef>
-          <a:fillRef idx="0">
-            <a:schemeClr val="accent1"/>
-          </a:fillRef>
-          <a:effectRef idx="0">
-            <a:schemeClr val="accent1"/>
-          </a:effectRef>
-          <a:fontRef idx="minor">
-            <a:schemeClr val="tx1"/>
-          </a:fontRef>
-        </p:style>
-      </p:cxnSp>
-      <p:cxnSp>
-        <p:nvCxnSpPr>
-          <p:cNvPr id="53" name="Straight Connector 52">
-            <a:extLst>
-              <a:ext uri="{FF2B5EF4-FFF2-40B4-BE49-F238E27FC236}">
-                <a16:creationId xmlns:a16="http://schemas.microsoft.com/office/drawing/2014/main" id="{626A07A6-EC85-B8A6-06C2-F388FD4EEC5A}"/>
-              </a:ext>
-            </a:extLst>
-          </p:cNvPr>
-          <p:cNvCxnSpPr>
-            <a:cxnSpLocks/>
-          </p:cNvCxnSpPr>
-          <p:nvPr/>
-        </p:nvCxnSpPr>
-        <p:spPr>
-          <a:xfrm>
-            <a:off x="2976880" y="923925"/>
-            <a:ext cx="0" cy="1019981"/>
-          </a:xfrm>
-          <a:prstGeom prst="line">
-            <a:avLst/>
-          </a:prstGeom>
-          <a:ln w="38100">
-            <a:solidFill>
-              <a:schemeClr val="tx1"/>
-            </a:solidFill>
-          </a:ln>
-        </p:spPr>
-        <p:style>
-          <a:lnRef idx="1">
-            <a:schemeClr val="accent1"/>
-          </a:lnRef>
-          <a:fillRef idx="0">
-            <a:schemeClr val="accent1"/>
-          </a:fillRef>
-          <a:effectRef idx="0">
-            <a:schemeClr val="accent1"/>
-          </a:effectRef>
-          <a:fontRef idx="minor">
-            <a:schemeClr val="tx1"/>
-          </a:fontRef>
-        </p:style>
-      </p:cxnSp>
-      <p:cxnSp>
-        <p:nvCxnSpPr>
-          <p:cNvPr id="56" name="Straight Arrow Connector 55">
-            <a:extLst>
-              <a:ext uri="{FF2B5EF4-FFF2-40B4-BE49-F238E27FC236}">
-                <a16:creationId xmlns:a16="http://schemas.microsoft.com/office/drawing/2014/main" id="{F10E78AE-922A-A5B9-9190-E3BAA182B9FE}"/>
-              </a:ext>
-            </a:extLst>
-          </p:cNvPr>
-          <p:cNvCxnSpPr>
-            <a:cxnSpLocks/>
-          </p:cNvCxnSpPr>
-          <p:nvPr/>
-        </p:nvCxnSpPr>
-        <p:spPr>
-          <a:xfrm>
-            <a:off x="2966720" y="914427"/>
-            <a:ext cx="689376" cy="0"/>
-          </a:xfrm>
-          <a:prstGeom prst="straightConnector1">
-            <a:avLst/>
-          </a:prstGeom>
-          <a:ln w="41275" cap="flat" cmpd="sng" algn="ctr">
-            <a:solidFill>
-              <a:schemeClr val="tx1"/>
-            </a:solidFill>
-            <a:prstDash val="solid"/>
-            <a:round/>
-            <a:headEnd type="none" w="med" len="med"/>
-            <a:tailEnd type="arrow" w="med" len="med"/>
-          </a:ln>
-          <a:effectLst/>
-        </p:spPr>
-        <p:style>
-          <a:lnRef idx="2">
-            <a:schemeClr val="accent1"/>
-          </a:lnRef>
-          <a:fillRef idx="0">
-            <a:schemeClr val="accent1"/>
-          </a:fillRef>
-          <a:effectRef idx="1">
-            <a:schemeClr val="accent1"/>
-          </a:effectRef>
-          <a:fontRef idx="minor">
-            <a:schemeClr val="tx1"/>
-          </a:fontRef>
-        </p:style>
-      </p:cxnSp>
-      <p:cxnSp>
-        <p:nvCxnSpPr>
-          <p:cNvPr id="61" name="Straight Arrow Connector 60">
-            <a:extLst>
-              <a:ext uri="{FF2B5EF4-FFF2-40B4-BE49-F238E27FC236}">
-                <a16:creationId xmlns:a16="http://schemas.microsoft.com/office/drawing/2014/main" id="{23FF2362-FECF-05A3-B947-C6B9319C716C}"/>
-              </a:ext>
-            </a:extLst>
-          </p:cNvPr>
-          <p:cNvCxnSpPr>
-            <a:cxnSpLocks/>
-          </p:cNvCxnSpPr>
-          <p:nvPr/>
-        </p:nvCxnSpPr>
-        <p:spPr>
-          <a:xfrm>
-            <a:off x="2966720" y="1931366"/>
-            <a:ext cx="699536" cy="0"/>
-          </a:xfrm>
-          <a:prstGeom prst="straightConnector1">
-            <a:avLst/>
-          </a:prstGeom>
-          <a:ln w="41275" cap="flat" cmpd="sng" algn="ctr">
-            <a:solidFill>
-              <a:schemeClr val="tx1"/>
-            </a:solidFill>
-            <a:prstDash val="solid"/>
-            <a:round/>
-            <a:headEnd type="none" w="med" len="med"/>
-            <a:tailEnd type="arrow" w="med" len="med"/>
-          </a:ln>
-          <a:effectLst/>
-        </p:spPr>
-        <p:style>
-          <a:lnRef idx="2">
-            <a:schemeClr val="accent1"/>
-          </a:lnRef>
-          <a:fillRef idx="0">
-            <a:schemeClr val="accent1"/>
-          </a:fillRef>
-          <a:effectRef idx="1">
-            <a:schemeClr val="accent1"/>
-          </a:effectRef>
-          <a:fontRef idx="minor">
-            <a:schemeClr val="tx1"/>
-          </a:fontRef>
-        </p:style>
-      </p:cxnSp>
-      <p:cxnSp>
-        <p:nvCxnSpPr>
-          <p:cNvPr id="64" name="Straight Arrow Connector 63">
-            <a:extLst>
-              <a:ext uri="{FF2B5EF4-FFF2-40B4-BE49-F238E27FC236}">
-                <a16:creationId xmlns:a16="http://schemas.microsoft.com/office/drawing/2014/main" id="{0A978CCC-D001-735A-90A1-1C4E940EABDA}"/>
-              </a:ext>
-            </a:extLst>
-          </p:cNvPr>
-          <p:cNvCxnSpPr>
-            <a:cxnSpLocks/>
-          </p:cNvCxnSpPr>
-          <p:nvPr/>
-        </p:nvCxnSpPr>
-        <p:spPr>
-          <a:xfrm>
-            <a:off x="2620617" y="2247495"/>
-            <a:ext cx="1042093" cy="9661"/>
-          </a:xfrm>
-          <a:prstGeom prst="straightConnector1">
-            <a:avLst/>
-          </a:prstGeom>
-          <a:ln w="41275" cap="flat" cmpd="sng" algn="ctr">
-            <a:solidFill>
-              <a:schemeClr val="tx1"/>
-            </a:solidFill>
-            <a:prstDash val="solid"/>
-            <a:round/>
-            <a:headEnd type="none" w="med" len="med"/>
-            <a:tailEnd type="arrow" w="med" len="med"/>
-          </a:ln>
-          <a:effectLst/>
-        </p:spPr>
-        <p:style>
-          <a:lnRef idx="2">
-            <a:schemeClr val="accent1"/>
-          </a:lnRef>
-          <a:fillRef idx="0">
-            <a:schemeClr val="accent1"/>
-          </a:fillRef>
-          <a:effectRef idx="1">
-            <a:schemeClr val="accent1"/>
-          </a:effectRef>
-          <a:fontRef idx="minor">
-            <a:schemeClr val="tx1"/>
-          </a:fontRef>
-        </p:style>
-      </p:cxnSp>
-      <p:cxnSp>
-        <p:nvCxnSpPr>
-          <p:cNvPr id="67" name="Straight Connector 66">
-            <a:extLst>
-              <a:ext uri="{FF2B5EF4-FFF2-40B4-BE49-F238E27FC236}">
-                <a16:creationId xmlns:a16="http://schemas.microsoft.com/office/drawing/2014/main" id="{8F76AA9C-632F-D6EE-6E10-34C20D19016A}"/>
-              </a:ext>
-            </a:extLst>
-          </p:cNvPr>
-          <p:cNvCxnSpPr>
-            <a:cxnSpLocks/>
-          </p:cNvCxnSpPr>
-          <p:nvPr/>
-        </p:nvCxnSpPr>
-        <p:spPr>
-          <a:xfrm>
-            <a:off x="3129280" y="1041400"/>
-            <a:ext cx="0" cy="1218931"/>
-          </a:xfrm>
-          <a:prstGeom prst="line">
-            <a:avLst/>
-          </a:prstGeom>
-          <a:ln w="38100">
-            <a:solidFill>
-              <a:schemeClr val="tx1"/>
-            </a:solidFill>
-          </a:ln>
-        </p:spPr>
-        <p:style>
-          <a:lnRef idx="1">
-            <a:schemeClr val="accent1"/>
-          </a:lnRef>
-          <a:fillRef idx="0">
-            <a:schemeClr val="accent1"/>
-          </a:fillRef>
-          <a:effectRef idx="0">
-            <a:schemeClr val="accent1"/>
-          </a:effectRef>
-          <a:fontRef idx="minor">
-            <a:schemeClr val="tx1"/>
-          </a:fontRef>
-        </p:style>
-      </p:cxnSp>
-      <p:cxnSp>
-        <p:nvCxnSpPr>
-          <p:cNvPr id="69" name="Straight Arrow Connector 68">
-            <a:extLst>
-              <a:ext uri="{FF2B5EF4-FFF2-40B4-BE49-F238E27FC236}">
-                <a16:creationId xmlns:a16="http://schemas.microsoft.com/office/drawing/2014/main" id="{B41DF5B7-652C-CBBF-17A9-9FA7174CE0FB}"/>
-              </a:ext>
-            </a:extLst>
-          </p:cNvPr>
-          <p:cNvCxnSpPr>
-            <a:cxnSpLocks/>
-            <a:endCxn id="34" idx="1"/>
-          </p:cNvCxnSpPr>
-          <p:nvPr/>
-        </p:nvCxnSpPr>
-        <p:spPr>
-          <a:xfrm>
-            <a:off x="3129280" y="1061747"/>
-            <a:ext cx="526817" cy="0"/>
-          </a:xfrm>
-          <a:prstGeom prst="straightConnector1">
-            <a:avLst/>
-          </a:prstGeom>
-          <a:ln w="41275" cap="flat" cmpd="sng" algn="ctr">
-            <a:solidFill>
-              <a:schemeClr val="tx1"/>
-            </a:solidFill>
-            <a:prstDash val="solid"/>
-            <a:round/>
-            <a:headEnd type="none" w="med" len="med"/>
-            <a:tailEnd type="arrow" w="med" len="med"/>
-          </a:ln>
-          <a:effectLst/>
-        </p:spPr>
-        <p:style>
-          <a:lnRef idx="2">
-            <a:schemeClr val="accent1"/>
-          </a:lnRef>
-          <a:fillRef idx="0">
-            <a:schemeClr val="accent1"/>
-          </a:fillRef>
-          <a:effectRef idx="1">
-            <a:schemeClr val="accent1"/>
-          </a:effectRef>
-          <a:fontRef idx="minor">
-            <a:schemeClr val="tx1"/>
-          </a:fontRef>
-        </p:style>
-      </p:cxnSp>
-      <p:cxnSp>
-        <p:nvCxnSpPr>
-          <p:cNvPr id="75" name="Straight Connector 74">
-            <a:extLst>
-              <a:ext uri="{FF2B5EF4-FFF2-40B4-BE49-F238E27FC236}">
-                <a16:creationId xmlns:a16="http://schemas.microsoft.com/office/drawing/2014/main" id="{88E95812-6062-7001-EA95-37F4B275F435}"/>
-              </a:ext>
-            </a:extLst>
-          </p:cNvPr>
-          <p:cNvCxnSpPr>
-            <a:cxnSpLocks/>
-          </p:cNvCxnSpPr>
-          <p:nvPr/>
-        </p:nvCxnSpPr>
-        <p:spPr>
-          <a:xfrm>
-            <a:off x="3281680" y="1190625"/>
-            <a:ext cx="0" cy="1957222"/>
-          </a:xfrm>
-          <a:prstGeom prst="line">
-            <a:avLst/>
-          </a:prstGeom>
-          <a:ln w="38100">
-            <a:solidFill>
-              <a:schemeClr val="tx1"/>
-            </a:solidFill>
-          </a:ln>
-        </p:spPr>
-        <p:style>
-          <a:lnRef idx="1">
-            <a:schemeClr val="accent1"/>
-          </a:lnRef>
-          <a:fillRef idx="0">
-            <a:schemeClr val="accent1"/>
-          </a:fillRef>
-          <a:effectRef idx="0">
-            <a:schemeClr val="accent1"/>
-          </a:effectRef>
-          <a:fontRef idx="minor">
-            <a:schemeClr val="tx1"/>
-          </a:fontRef>
-        </p:style>
-      </p:cxnSp>
-      <p:cxnSp>
-        <p:nvCxnSpPr>
-          <p:cNvPr id="82" name="Straight Connector 81">
-            <a:extLst>
-              <a:ext uri="{FF2B5EF4-FFF2-40B4-BE49-F238E27FC236}">
-                <a16:creationId xmlns:a16="http://schemas.microsoft.com/office/drawing/2014/main" id="{5C4195EB-15E4-04BF-14CD-4D5F9F7CF586}"/>
-              </a:ext>
-            </a:extLst>
-          </p:cNvPr>
-          <p:cNvCxnSpPr>
-            <a:cxnSpLocks/>
-          </p:cNvCxnSpPr>
-          <p:nvPr/>
-        </p:nvCxnSpPr>
-        <p:spPr>
-          <a:xfrm>
-            <a:off x="2611092" y="3147847"/>
-            <a:ext cx="690791" cy="0"/>
-          </a:xfrm>
-          <a:prstGeom prst="line">
-            <a:avLst/>
-          </a:prstGeom>
-          <a:ln w="38100">
-            <a:solidFill>
-              <a:schemeClr val="tx1"/>
-            </a:solidFill>
-          </a:ln>
-        </p:spPr>
-        <p:style>
-          <a:lnRef idx="1">
-            <a:schemeClr val="accent1"/>
-          </a:lnRef>
-          <a:fillRef idx="0">
-            <a:schemeClr val="accent1"/>
-          </a:fillRef>
-          <a:effectRef idx="0">
-            <a:schemeClr val="accent1"/>
-          </a:effectRef>
-          <a:fontRef idx="minor">
-            <a:schemeClr val="tx1"/>
-          </a:fontRef>
-        </p:style>
-      </p:cxnSp>
-      <p:cxnSp>
-        <p:nvCxnSpPr>
-          <p:cNvPr id="85" name="Straight Arrow Connector 84">
-            <a:extLst>
-              <a:ext uri="{FF2B5EF4-FFF2-40B4-BE49-F238E27FC236}">
-                <a16:creationId xmlns:a16="http://schemas.microsoft.com/office/drawing/2014/main" id="{490D120E-139F-5BA0-BAA8-1532ECC07D86}"/>
-              </a:ext>
-            </a:extLst>
-          </p:cNvPr>
-          <p:cNvCxnSpPr>
-            <a:cxnSpLocks/>
-          </p:cNvCxnSpPr>
-          <p:nvPr/>
-        </p:nvCxnSpPr>
-        <p:spPr>
-          <a:xfrm>
-            <a:off x="3281680" y="1210972"/>
-            <a:ext cx="374415" cy="0"/>
-          </a:xfrm>
-          <a:prstGeom prst="straightConnector1">
-            <a:avLst/>
-          </a:prstGeom>
-          <a:ln w="41275" cap="flat" cmpd="sng" algn="ctr">
-            <a:solidFill>
-              <a:schemeClr val="tx1"/>
-            </a:solidFill>
-            <a:prstDash val="solid"/>
-            <a:round/>
-            <a:headEnd type="none" w="med" len="med"/>
-            <a:tailEnd type="arrow" w="med" len="med"/>
-          </a:ln>
-          <a:effectLst/>
-        </p:spPr>
-        <p:style>
-          <a:lnRef idx="2">
-            <a:schemeClr val="accent1"/>
-          </a:lnRef>
-          <a:fillRef idx="0">
-            <a:schemeClr val="accent1"/>
-          </a:fillRef>
-          <a:effectRef idx="1">
-            <a:schemeClr val="accent1"/>
-          </a:effectRef>
-          <a:fontRef idx="minor">
-            <a:schemeClr val="tx1"/>
-          </a:fontRef>
-        </p:style>
-      </p:cxnSp>
-      <p:cxnSp>
-        <p:nvCxnSpPr>
-          <p:cNvPr id="87" name="Straight Arrow Connector 86">
-            <a:extLst>
-              <a:ext uri="{FF2B5EF4-FFF2-40B4-BE49-F238E27FC236}">
-                <a16:creationId xmlns:a16="http://schemas.microsoft.com/office/drawing/2014/main" id="{35068380-3800-1AB8-A522-44B74FC9B930}"/>
-              </a:ext>
-            </a:extLst>
-          </p:cNvPr>
-          <p:cNvCxnSpPr>
-            <a:cxnSpLocks/>
-          </p:cNvCxnSpPr>
-          <p:nvPr/>
-        </p:nvCxnSpPr>
-        <p:spPr>
-          <a:xfrm>
-            <a:off x="3288295" y="2611310"/>
-            <a:ext cx="374415" cy="0"/>
-          </a:xfrm>
-          <a:prstGeom prst="straightConnector1">
-            <a:avLst/>
-          </a:prstGeom>
-          <a:ln w="41275" cap="flat" cmpd="sng" algn="ctr">
-            <a:solidFill>
-              <a:schemeClr val="tx1"/>
-            </a:solidFill>
-            <a:prstDash val="solid"/>
-            <a:round/>
-            <a:headEnd type="none" w="med" len="med"/>
-            <a:tailEnd type="arrow" w="med" len="med"/>
-          </a:ln>
-          <a:effectLst/>
-        </p:spPr>
-        <p:style>
-          <a:lnRef idx="2">
-            <a:schemeClr val="accent1"/>
-          </a:lnRef>
-          <a:fillRef idx="0">
-            <a:schemeClr val="accent1"/>
-          </a:fillRef>
-          <a:effectRef idx="1">
-            <a:schemeClr val="accent1"/>
-          </a:effectRef>
-          <a:fontRef idx="minor">
-            <a:schemeClr val="tx1"/>
-          </a:fontRef>
-        </p:style>
-      </p:cxnSp>
-      <p:cxnSp>
-        <p:nvCxnSpPr>
-          <p:cNvPr id="91" name="Straight Arrow Connector 90">
-            <a:extLst>
-              <a:ext uri="{FF2B5EF4-FFF2-40B4-BE49-F238E27FC236}">
-                <a16:creationId xmlns:a16="http://schemas.microsoft.com/office/drawing/2014/main" id="{435584AC-54FF-ADDE-FFA2-DFBF93EB27E2}"/>
-              </a:ext>
-            </a:extLst>
-          </p:cNvPr>
-          <p:cNvCxnSpPr>
-            <a:cxnSpLocks/>
-          </p:cNvCxnSpPr>
-          <p:nvPr/>
-        </p:nvCxnSpPr>
-        <p:spPr>
-          <a:xfrm>
-            <a:off x="5462801" y="2248629"/>
-            <a:ext cx="396542" cy="0"/>
-          </a:xfrm>
-          <a:prstGeom prst="straightConnector1">
-            <a:avLst/>
-          </a:prstGeom>
-          <a:ln w="41275" cap="flat" cmpd="sng" algn="ctr">
-            <a:solidFill>
-              <a:schemeClr val="tx1"/>
-            </a:solidFill>
-            <a:prstDash val="solid"/>
-            <a:round/>
-            <a:headEnd type="none" w="med" len="med"/>
-            <a:tailEnd type="arrow" w="med" len="med"/>
-          </a:ln>
-          <a:effectLst/>
-        </p:spPr>
-        <p:style>
-          <a:lnRef idx="2">
-            <a:schemeClr val="accent1"/>
-          </a:lnRef>
-          <a:fillRef idx="0">
-            <a:schemeClr val="accent1"/>
-          </a:fillRef>
-          <a:effectRef idx="1">
-            <a:schemeClr val="accent1"/>
-          </a:effectRef>
-          <a:fontRef idx="minor">
-            <a:schemeClr val="tx1"/>
-          </a:fontRef>
-        </p:style>
-      </p:cxnSp>
-      <p:cxnSp>
-        <p:nvCxnSpPr>
-          <p:cNvPr id="92" name="Straight Arrow Connector 91">
-            <a:extLst>
-              <a:ext uri="{FF2B5EF4-FFF2-40B4-BE49-F238E27FC236}">
-                <a16:creationId xmlns:a16="http://schemas.microsoft.com/office/drawing/2014/main" id="{952248C4-8BE9-C0D5-1AF0-000FF990432F}"/>
-              </a:ext>
-            </a:extLst>
-          </p:cNvPr>
-          <p:cNvCxnSpPr>
-            <a:cxnSpLocks/>
-          </p:cNvCxnSpPr>
-          <p:nvPr/>
-        </p:nvCxnSpPr>
-        <p:spPr>
-          <a:xfrm>
-            <a:off x="5462801" y="2611310"/>
-            <a:ext cx="396542" cy="0"/>
-          </a:xfrm>
-          <a:prstGeom prst="straightConnector1">
-            <a:avLst/>
-          </a:prstGeom>
-          <a:ln w="41275" cap="flat" cmpd="sng" algn="ctr">
-            <a:solidFill>
-              <a:schemeClr val="tx1"/>
-            </a:solidFill>
-            <a:prstDash val="solid"/>
-            <a:round/>
-            <a:headEnd type="none" w="med" len="med"/>
-            <a:tailEnd type="arrow" w="med" len="med"/>
-          </a:ln>
-          <a:effectLst/>
-        </p:spPr>
-        <p:style>
-          <a:lnRef idx="2">
-            <a:schemeClr val="accent1"/>
-          </a:lnRef>
-          <a:fillRef idx="0">
-            <a:schemeClr val="accent1"/>
-          </a:fillRef>
-          <a:effectRef idx="1">
-            <a:schemeClr val="accent1"/>
-          </a:effectRef>
-          <a:fontRef idx="minor">
-            <a:schemeClr val="tx1"/>
-          </a:fontRef>
-        </p:style>
-      </p:cxnSp>
-      <p:sp>
-        <p:nvSpPr>
-          <p:cNvPr id="108" name="Rectangle 107">
-            <a:extLst>
-              <a:ext uri="{FF2B5EF4-FFF2-40B4-BE49-F238E27FC236}">
-                <a16:creationId xmlns:a16="http://schemas.microsoft.com/office/drawing/2014/main" id="{A38E5A71-2226-2B28-48EF-4EC845AA6234}"/>
-              </a:ext>
-            </a:extLst>
-          </p:cNvPr>
-          <p:cNvSpPr/>
-          <p:nvPr/>
-        </p:nvSpPr>
-        <p:spPr>
-          <a:xfrm>
-            <a:off x="5859343" y="1775471"/>
-            <a:ext cx="396543" cy="287121"/>
-          </a:xfrm>
-          <a:prstGeom prst="rect">
-            <a:avLst/>
-          </a:prstGeom>
-          <a:noFill/>
-        </p:spPr>
-        <p:style>
-          <a:lnRef idx="2">
-            <a:schemeClr val="dk1"/>
-          </a:lnRef>
-          <a:fillRef idx="1">
-            <a:schemeClr val="lt1"/>
-          </a:fillRef>
-          <a:effectRef idx="0">
-            <a:schemeClr val="dk1"/>
-          </a:effectRef>
-          <a:fontRef idx="minor">
-            <a:schemeClr val="dk1"/>
-          </a:fontRef>
-        </p:style>
-        <p:txBody>
-          <a:bodyPr rtlCol="0" anchor="ctr"/>
-          <a:lstStyle/>
-          <a:p>
-            <a:pPr algn="ctr"/>
-            <a:r>
-              <a:rPr lang="en-US" sz="1600" i="1" dirty="0">
-                <a:latin typeface="APPLE CHANCERY" panose="03020702040506060504" pitchFamily="66" charset="-79"/>
-                <a:cs typeface="APPLE CHANCERY" panose="03020702040506060504" pitchFamily="66" charset="-79"/>
-              </a:rPr>
-              <a:t>l</a:t>
-            </a:r>
-            <a:r>
-              <a:rPr lang="en-US" sz="1600" i="1" baseline="-25000" dirty="0"/>
-              <a:t>1</a:t>
-            </a:r>
-            <a:endParaRPr lang="en-US" sz="2400" i="1" baseline="-25000" dirty="0"/>
-          </a:p>
-        </p:txBody>
-      </p:sp>
-      <p:sp>
-        <p:nvSpPr>
-          <p:cNvPr id="109" name="Rectangle 108">
-            <a:extLst>
-              <a:ext uri="{FF2B5EF4-FFF2-40B4-BE49-F238E27FC236}">
-                <a16:creationId xmlns:a16="http://schemas.microsoft.com/office/drawing/2014/main" id="{8A0E02EA-55E7-D161-42BB-3A29A4AAE9F0}"/>
-              </a:ext>
-            </a:extLst>
-          </p:cNvPr>
-          <p:cNvSpPr/>
-          <p:nvPr/>
-        </p:nvSpPr>
-        <p:spPr>
-          <a:xfrm>
-            <a:off x="5859342" y="2100347"/>
-            <a:ext cx="396543" cy="287120"/>
-          </a:xfrm>
-          <a:prstGeom prst="rect">
-            <a:avLst/>
-          </a:prstGeom>
-          <a:noFill/>
-        </p:spPr>
-        <p:style>
-          <a:lnRef idx="2">
-            <a:schemeClr val="dk1"/>
-          </a:lnRef>
-          <a:fillRef idx="1">
-            <a:schemeClr val="lt1"/>
-          </a:fillRef>
-          <a:effectRef idx="0">
-            <a:schemeClr val="dk1"/>
-          </a:effectRef>
-          <a:fontRef idx="minor">
-            <a:schemeClr val="dk1"/>
-          </a:fontRef>
-        </p:style>
-        <p:txBody>
-          <a:bodyPr rtlCol="0" anchor="ctr"/>
-          <a:lstStyle/>
-          <a:p>
-            <a:pPr algn="ctr"/>
-            <a:r>
-              <a:rPr lang="en-US" sz="1600" i="1" dirty="0">
-                <a:latin typeface="APPLE CHANCERY" panose="03020702040506060504" pitchFamily="66" charset="-79"/>
-                <a:cs typeface="APPLE CHANCERY" panose="03020702040506060504" pitchFamily="66" charset="-79"/>
-              </a:rPr>
-              <a:t>l</a:t>
-            </a:r>
-            <a:r>
-              <a:rPr lang="en-US" sz="1600" i="1" baseline="-25000" dirty="0">
-                <a:latin typeface="APPLE CHANCERY" panose="03020702040506060504" pitchFamily="66" charset="-79"/>
-                <a:cs typeface="APPLE CHANCERY" panose="03020702040506060504" pitchFamily="66" charset="-79"/>
-              </a:rPr>
-              <a:t>2</a:t>
-            </a:r>
-            <a:endParaRPr lang="en-US" sz="2400" i="1" baseline="-25000" dirty="0"/>
-          </a:p>
-        </p:txBody>
-      </p:sp>
-      <p:sp>
-        <p:nvSpPr>
-          <p:cNvPr id="110" name="Rectangle 109">
-            <a:extLst>
-              <a:ext uri="{FF2B5EF4-FFF2-40B4-BE49-F238E27FC236}">
-                <a16:creationId xmlns:a16="http://schemas.microsoft.com/office/drawing/2014/main" id="{8E1045E6-23E4-55B8-D053-B0D48233CCF7}"/>
-              </a:ext>
-            </a:extLst>
-          </p:cNvPr>
-          <p:cNvSpPr/>
-          <p:nvPr/>
-        </p:nvSpPr>
-        <p:spPr>
-          <a:xfrm>
-            <a:off x="5859342" y="2460982"/>
-            <a:ext cx="396543" cy="287120"/>
-          </a:xfrm>
-          <a:prstGeom prst="rect">
-            <a:avLst/>
-          </a:prstGeom>
-          <a:noFill/>
-        </p:spPr>
-        <p:style>
-          <a:lnRef idx="2">
-            <a:schemeClr val="dk1"/>
-          </a:lnRef>
-          <a:fillRef idx="1">
-            <a:schemeClr val="lt1"/>
-          </a:fillRef>
-          <a:effectRef idx="0">
-            <a:schemeClr val="dk1"/>
-          </a:effectRef>
-          <a:fontRef idx="minor">
-            <a:schemeClr val="dk1"/>
-          </a:fontRef>
-        </p:style>
-        <p:txBody>
-          <a:bodyPr rtlCol="0" anchor="ctr"/>
-          <a:lstStyle/>
-          <a:p>
-            <a:pPr algn="ctr"/>
-            <a:r>
-              <a:rPr lang="en-US" sz="1600" i="1" dirty="0">
-                <a:latin typeface="APPLE CHANCERY" panose="03020702040506060504" pitchFamily="66" charset="-79"/>
-                <a:cs typeface="APPLE CHANCERY" panose="03020702040506060504" pitchFamily="66" charset="-79"/>
-              </a:rPr>
-              <a:t>l</a:t>
-            </a:r>
-            <a:r>
-              <a:rPr lang="en-US" sz="1600" i="1" baseline="-25000" dirty="0">
-                <a:latin typeface="APPLE CHANCERY" panose="03020702040506060504" pitchFamily="66" charset="-79"/>
-                <a:cs typeface="APPLE CHANCERY" panose="03020702040506060504" pitchFamily="66" charset="-79"/>
-              </a:rPr>
-              <a:t>n</a:t>
-            </a:r>
-            <a:endParaRPr lang="en-US" sz="2400" i="1" baseline="-25000" dirty="0"/>
-          </a:p>
-        </p:txBody>
-      </p:sp>
-      <p:cxnSp>
-        <p:nvCxnSpPr>
-          <p:cNvPr id="111" name="Straight Connector 110">
-            <a:extLst>
-              <a:ext uri="{FF2B5EF4-FFF2-40B4-BE49-F238E27FC236}">
-                <a16:creationId xmlns:a16="http://schemas.microsoft.com/office/drawing/2014/main" id="{883032D6-B401-1853-5442-8EC5FD2364B2}"/>
-              </a:ext>
-            </a:extLst>
-          </p:cNvPr>
-          <p:cNvCxnSpPr>
-            <a:cxnSpLocks/>
-          </p:cNvCxnSpPr>
-          <p:nvPr/>
-        </p:nvCxnSpPr>
-        <p:spPr>
-          <a:xfrm>
-            <a:off x="6259061" y="1919032"/>
-            <a:ext cx="548640" cy="0"/>
-          </a:xfrm>
-          <a:prstGeom prst="line">
-            <a:avLst/>
-          </a:prstGeom>
-          <a:ln w="38100">
-            <a:solidFill>
-              <a:schemeClr val="tx1"/>
-            </a:solidFill>
-          </a:ln>
-        </p:spPr>
-        <p:style>
-          <a:lnRef idx="1">
-            <a:schemeClr val="accent1"/>
-          </a:lnRef>
-          <a:fillRef idx="0">
-            <a:schemeClr val="accent1"/>
-          </a:fillRef>
-          <a:effectRef idx="0">
-            <a:schemeClr val="accent1"/>
-          </a:effectRef>
-          <a:fontRef idx="minor">
-            <a:schemeClr val="tx1"/>
-          </a:fontRef>
-        </p:style>
-      </p:cxnSp>
-      <p:cxnSp>
-        <p:nvCxnSpPr>
-          <p:cNvPr id="114" name="Straight Connector 113">
-            <a:extLst>
-              <a:ext uri="{FF2B5EF4-FFF2-40B4-BE49-F238E27FC236}">
-                <a16:creationId xmlns:a16="http://schemas.microsoft.com/office/drawing/2014/main" id="{3B896A2A-A3B6-D2FE-CA18-5F809DAFDEAE}"/>
-              </a:ext>
-            </a:extLst>
-          </p:cNvPr>
-          <p:cNvCxnSpPr>
-            <a:cxnSpLocks/>
-            <a:stCxn id="110" idx="3"/>
-          </p:cNvCxnSpPr>
-          <p:nvPr/>
-        </p:nvCxnSpPr>
-        <p:spPr>
-          <a:xfrm>
-            <a:off x="6255885" y="2604542"/>
-            <a:ext cx="232597" cy="0"/>
-          </a:xfrm>
-          <a:prstGeom prst="line">
-            <a:avLst/>
-          </a:prstGeom>
-          <a:ln w="38100">
-            <a:solidFill>
-              <a:schemeClr val="tx1"/>
-            </a:solidFill>
-          </a:ln>
-        </p:spPr>
-        <p:style>
-          <a:lnRef idx="1">
-            <a:schemeClr val="accent1"/>
-          </a:lnRef>
-          <a:fillRef idx="0">
-            <a:schemeClr val="accent1"/>
-          </a:fillRef>
-          <a:effectRef idx="0">
-            <a:schemeClr val="accent1"/>
-          </a:effectRef>
-          <a:fontRef idx="minor">
-            <a:schemeClr val="tx1"/>
-          </a:fontRef>
-        </p:style>
-      </p:cxnSp>
-      <p:cxnSp>
-        <p:nvCxnSpPr>
-          <p:cNvPr id="117" name="Straight Connector 116">
-            <a:extLst>
-              <a:ext uri="{FF2B5EF4-FFF2-40B4-BE49-F238E27FC236}">
-                <a16:creationId xmlns:a16="http://schemas.microsoft.com/office/drawing/2014/main" id="{F24298AC-FF7A-5393-DF0D-13F88285DC63}"/>
-              </a:ext>
-            </a:extLst>
-          </p:cNvPr>
-          <p:cNvCxnSpPr>
-            <a:cxnSpLocks/>
-          </p:cNvCxnSpPr>
-          <p:nvPr/>
-        </p:nvCxnSpPr>
-        <p:spPr>
-          <a:xfrm>
-            <a:off x="6482080" y="2584177"/>
-            <a:ext cx="0" cy="520382"/>
-          </a:xfrm>
-          <a:prstGeom prst="line">
-            <a:avLst/>
-          </a:prstGeom>
-          <a:ln w="38100">
-            <a:solidFill>
-              <a:schemeClr val="tx1"/>
-            </a:solidFill>
-          </a:ln>
-        </p:spPr>
-        <p:style>
-          <a:lnRef idx="1">
-            <a:schemeClr val="accent1"/>
-          </a:lnRef>
-          <a:fillRef idx="0">
-            <a:schemeClr val="accent1"/>
-          </a:fillRef>
-          <a:effectRef idx="0">
-            <a:schemeClr val="accent1"/>
-          </a:effectRef>
-          <a:fontRef idx="minor">
-            <a:schemeClr val="tx1"/>
-          </a:fontRef>
-        </p:style>
-      </p:cxnSp>
-      <p:cxnSp>
-        <p:nvCxnSpPr>
-          <p:cNvPr id="119" name="Straight Connector 118">
-            <a:extLst>
-              <a:ext uri="{FF2B5EF4-FFF2-40B4-BE49-F238E27FC236}">
-                <a16:creationId xmlns:a16="http://schemas.microsoft.com/office/drawing/2014/main" id="{84434FFE-FDCC-CCC2-4320-842EE422249A}"/>
-              </a:ext>
-            </a:extLst>
-          </p:cNvPr>
-          <p:cNvCxnSpPr>
-            <a:cxnSpLocks/>
-          </p:cNvCxnSpPr>
-          <p:nvPr/>
-        </p:nvCxnSpPr>
-        <p:spPr>
-          <a:xfrm>
-            <a:off x="6634480" y="2243907"/>
-            <a:ext cx="0" cy="1048624"/>
-          </a:xfrm>
-          <a:prstGeom prst="line">
-            <a:avLst/>
-          </a:prstGeom>
-          <a:ln w="38100">
-            <a:solidFill>
-              <a:schemeClr val="tx1"/>
-            </a:solidFill>
-          </a:ln>
-        </p:spPr>
-        <p:style>
-          <a:lnRef idx="1">
-            <a:schemeClr val="accent1"/>
-          </a:lnRef>
-          <a:fillRef idx="0">
-            <a:schemeClr val="accent1"/>
-          </a:fillRef>
-          <a:effectRef idx="0">
-            <a:schemeClr val="accent1"/>
-          </a:effectRef>
-          <a:fontRef idx="minor">
-            <a:schemeClr val="tx1"/>
-          </a:fontRef>
-        </p:style>
-      </p:cxnSp>
-      <p:cxnSp>
-        <p:nvCxnSpPr>
-          <p:cNvPr id="122" name="Straight Connector 121">
-            <a:extLst>
-              <a:ext uri="{FF2B5EF4-FFF2-40B4-BE49-F238E27FC236}">
-                <a16:creationId xmlns:a16="http://schemas.microsoft.com/office/drawing/2014/main" id="{9311392B-17DF-EADB-7D73-BCFBD741507E}"/>
-              </a:ext>
-            </a:extLst>
-          </p:cNvPr>
-          <p:cNvCxnSpPr>
-            <a:cxnSpLocks/>
-          </p:cNvCxnSpPr>
-          <p:nvPr/>
-        </p:nvCxnSpPr>
-        <p:spPr>
-          <a:xfrm>
-            <a:off x="6252709" y="2243907"/>
-            <a:ext cx="402336" cy="0"/>
-          </a:xfrm>
-          <a:prstGeom prst="line">
-            <a:avLst/>
-          </a:prstGeom>
-          <a:ln w="38100">
-            <a:solidFill>
-              <a:schemeClr val="tx1"/>
-            </a:solidFill>
-          </a:ln>
-        </p:spPr>
-        <p:style>
-          <a:lnRef idx="1">
-            <a:schemeClr val="accent1"/>
-          </a:lnRef>
-          <a:fillRef idx="0">
-            <a:schemeClr val="accent1"/>
-          </a:fillRef>
-          <a:effectRef idx="0">
-            <a:schemeClr val="accent1"/>
-          </a:effectRef>
-          <a:fontRef idx="minor">
-            <a:schemeClr val="tx1"/>
-          </a:fontRef>
-        </p:style>
-      </p:cxnSp>
-      <p:cxnSp>
-        <p:nvCxnSpPr>
-          <p:cNvPr id="120" name="Straight Connector 119">
-            <a:extLst>
-              <a:ext uri="{FF2B5EF4-FFF2-40B4-BE49-F238E27FC236}">
-                <a16:creationId xmlns:a16="http://schemas.microsoft.com/office/drawing/2014/main" id="{894F1264-AFC2-396E-7CC3-E46CA56F9136}"/>
-              </a:ext>
-            </a:extLst>
-          </p:cNvPr>
-          <p:cNvCxnSpPr>
-            <a:cxnSpLocks/>
-          </p:cNvCxnSpPr>
-          <p:nvPr/>
-        </p:nvCxnSpPr>
-        <p:spPr>
-          <a:xfrm>
-            <a:off x="6786880" y="1919031"/>
-            <a:ext cx="0" cy="1563777"/>
-          </a:xfrm>
-          <a:prstGeom prst="line">
-            <a:avLst/>
-          </a:prstGeom>
-          <a:ln w="38100">
-            <a:solidFill>
-              <a:schemeClr val="tx1"/>
-            </a:solidFill>
-          </a:ln>
-        </p:spPr>
-        <p:style>
-          <a:lnRef idx="1">
-            <a:schemeClr val="accent1"/>
-          </a:lnRef>
-          <a:fillRef idx="0">
-            <a:schemeClr val="accent1"/>
-          </a:fillRef>
-          <a:effectRef idx="0">
-            <a:schemeClr val="accent1"/>
-          </a:effectRef>
-          <a:fontRef idx="minor">
-            <a:schemeClr val="tx1"/>
-          </a:fontRef>
-        </p:style>
-      </p:cxnSp>
-      <p:cxnSp>
-        <p:nvCxnSpPr>
-          <p:cNvPr id="128" name="Straight Arrow Connector 127">
-            <a:extLst>
-              <a:ext uri="{FF2B5EF4-FFF2-40B4-BE49-F238E27FC236}">
-                <a16:creationId xmlns:a16="http://schemas.microsoft.com/office/drawing/2014/main" id="{94C32213-E6C3-F4ED-1F9A-37736FFCE6B8}"/>
-              </a:ext>
-            </a:extLst>
-          </p:cNvPr>
-          <p:cNvCxnSpPr>
-            <a:cxnSpLocks/>
-          </p:cNvCxnSpPr>
-          <p:nvPr/>
-        </p:nvCxnSpPr>
-        <p:spPr>
-          <a:xfrm flipH="1">
-            <a:off x="5456450" y="3104559"/>
-            <a:ext cx="1042416" cy="0"/>
-          </a:xfrm>
-          <a:prstGeom prst="straightConnector1">
-            <a:avLst/>
-          </a:prstGeom>
-          <a:ln w="41275" cap="flat" cmpd="sng" algn="ctr">
-            <a:solidFill>
-              <a:schemeClr val="tx1"/>
-            </a:solidFill>
-            <a:prstDash val="solid"/>
-            <a:round/>
-            <a:headEnd type="none" w="med" len="med"/>
-            <a:tailEnd type="arrow" w="med" len="med"/>
-          </a:ln>
-          <a:effectLst/>
-        </p:spPr>
-        <p:style>
-          <a:lnRef idx="2">
-            <a:schemeClr val="accent1"/>
-          </a:lnRef>
-          <a:fillRef idx="0">
-            <a:schemeClr val="accent1"/>
-          </a:fillRef>
-          <a:effectRef idx="1">
-            <a:schemeClr val="accent1"/>
-          </a:effectRef>
-          <a:fontRef idx="minor">
-            <a:schemeClr val="tx1"/>
-          </a:fontRef>
-        </p:style>
-      </p:cxnSp>
-      <p:sp>
-        <p:nvSpPr>
-          <p:cNvPr id="130" name="Rounded Rectangle 129">
-            <a:extLst>
-              <a:ext uri="{FF2B5EF4-FFF2-40B4-BE49-F238E27FC236}">
-                <a16:creationId xmlns:a16="http://schemas.microsoft.com/office/drawing/2014/main" id="{0FC74C7C-672F-A56B-E60A-B6A634BE573B}"/>
-              </a:ext>
-            </a:extLst>
-          </p:cNvPr>
-          <p:cNvSpPr/>
-          <p:nvPr/>
-        </p:nvSpPr>
-        <p:spPr>
-          <a:xfrm>
-            <a:off x="3656095" y="3035207"/>
-            <a:ext cx="1806706" cy="514648"/>
-          </a:xfrm>
-          <a:prstGeom prst="roundRect">
-            <a:avLst/>
-          </a:prstGeom>
-          <a:noFill/>
-          <a:ln w="38100"/>
-        </p:spPr>
-        <p:style>
-          <a:lnRef idx="2">
-            <a:schemeClr val="dk1"/>
-          </a:lnRef>
-          <a:fillRef idx="1">
-            <a:schemeClr val="lt1"/>
-          </a:fillRef>
-          <a:effectRef idx="0">
-            <a:schemeClr val="dk1"/>
-          </a:effectRef>
-          <a:fontRef idx="minor">
-            <a:schemeClr val="dk1"/>
-          </a:fontRef>
-        </p:style>
-        <p:txBody>
-          <a:bodyPr rtlCol="0" anchor="ctr"/>
-          <a:lstStyle/>
-          <a:p>
-            <a:pPr algn="ctr"/>
-            <a:r>
-              <a:rPr lang="en-US" sz="1600" dirty="0"/>
-              <a:t>Merge Labels</a:t>
-            </a:r>
-            <a:endParaRPr lang="en-US" sz="2400" dirty="0"/>
-          </a:p>
-        </p:txBody>
-      </p:sp>
-      <p:cxnSp>
-        <p:nvCxnSpPr>
-          <p:cNvPr id="132" name="Straight Arrow Connector 131">
-            <a:extLst>
-              <a:ext uri="{FF2B5EF4-FFF2-40B4-BE49-F238E27FC236}">
-                <a16:creationId xmlns:a16="http://schemas.microsoft.com/office/drawing/2014/main" id="{377949EA-26C6-DC48-FACD-922C0F492532}"/>
-              </a:ext>
-            </a:extLst>
-          </p:cNvPr>
-          <p:cNvCxnSpPr>
-            <a:cxnSpLocks/>
-          </p:cNvCxnSpPr>
-          <p:nvPr/>
-        </p:nvCxnSpPr>
-        <p:spPr>
-          <a:xfrm flipH="1">
-            <a:off x="5459626" y="3292531"/>
-            <a:ext cx="1192244" cy="0"/>
-          </a:xfrm>
-          <a:prstGeom prst="straightConnector1">
-            <a:avLst/>
-          </a:prstGeom>
-          <a:ln w="41275" cap="flat" cmpd="sng" algn="ctr">
-            <a:solidFill>
-              <a:schemeClr val="tx1"/>
-            </a:solidFill>
-            <a:prstDash val="solid"/>
-            <a:round/>
-            <a:headEnd type="none" w="med" len="med"/>
-            <a:tailEnd type="arrow" w="med" len="med"/>
-          </a:ln>
-          <a:effectLst/>
-        </p:spPr>
-        <p:style>
-          <a:lnRef idx="2">
-            <a:schemeClr val="accent1"/>
-          </a:lnRef>
-          <a:fillRef idx="0">
-            <a:schemeClr val="accent1"/>
-          </a:fillRef>
-          <a:effectRef idx="1">
-            <a:schemeClr val="accent1"/>
-          </a:effectRef>
-          <a:fontRef idx="minor">
-            <a:schemeClr val="tx1"/>
-          </a:fontRef>
-        </p:style>
-      </p:cxnSp>
-      <p:cxnSp>
-        <p:nvCxnSpPr>
-          <p:cNvPr id="135" name="Straight Arrow Connector 134">
-            <a:extLst>
-              <a:ext uri="{FF2B5EF4-FFF2-40B4-BE49-F238E27FC236}">
-                <a16:creationId xmlns:a16="http://schemas.microsoft.com/office/drawing/2014/main" id="{3D14B482-58DB-BB1E-7868-6C83FB261E86}"/>
-              </a:ext>
-            </a:extLst>
-          </p:cNvPr>
-          <p:cNvCxnSpPr>
-            <a:cxnSpLocks/>
-          </p:cNvCxnSpPr>
-          <p:nvPr/>
-        </p:nvCxnSpPr>
-        <p:spPr>
-          <a:xfrm flipH="1">
-            <a:off x="5459626" y="3482808"/>
-            <a:ext cx="1344644" cy="0"/>
-          </a:xfrm>
-          <a:prstGeom prst="straightConnector1">
-            <a:avLst/>
-          </a:prstGeom>
-          <a:ln w="41275" cap="flat" cmpd="sng" algn="ctr">
-            <a:solidFill>
-              <a:schemeClr val="tx1"/>
-            </a:solidFill>
-            <a:prstDash val="solid"/>
-            <a:round/>
-            <a:headEnd type="none" w="med" len="med"/>
-            <a:tailEnd type="arrow" w="med" len="med"/>
-          </a:ln>
-          <a:effectLst/>
-        </p:spPr>
-        <p:style>
-          <a:lnRef idx="2">
-            <a:schemeClr val="accent1"/>
-          </a:lnRef>
-          <a:fillRef idx="0">
-            <a:schemeClr val="accent1"/>
-          </a:fillRef>
-          <a:effectRef idx="1">
-            <a:schemeClr val="accent1"/>
-          </a:effectRef>
-          <a:fontRef idx="minor">
-            <a:schemeClr val="tx1"/>
-          </a:fontRef>
-        </p:style>
-      </p:cxnSp>
-      <p:cxnSp>
-        <p:nvCxnSpPr>
-          <p:cNvPr id="158" name="Straight Arrow Connector 157">
-            <a:extLst>
-              <a:ext uri="{FF2B5EF4-FFF2-40B4-BE49-F238E27FC236}">
-                <a16:creationId xmlns:a16="http://schemas.microsoft.com/office/drawing/2014/main" id="{7D69B1F2-29E6-2B98-3383-38BE2B9EB7D3}"/>
-              </a:ext>
-            </a:extLst>
-          </p:cNvPr>
-          <p:cNvCxnSpPr>
-            <a:cxnSpLocks/>
-            <a:stCxn id="130" idx="2"/>
-          </p:cNvCxnSpPr>
-          <p:nvPr/>
-        </p:nvCxnSpPr>
-        <p:spPr>
-          <a:xfrm>
-            <a:off x="4559448" y="3549855"/>
-            <a:ext cx="7312" cy="374445"/>
-          </a:xfrm>
-          <a:prstGeom prst="straightConnector1">
-            <a:avLst/>
-          </a:prstGeom>
-          <a:ln w="41275" cap="flat" cmpd="sng" algn="ctr">
-            <a:solidFill>
-              <a:schemeClr val="tx1"/>
-            </a:solidFill>
-            <a:prstDash val="solid"/>
-            <a:round/>
-            <a:headEnd type="none" w="med" len="med"/>
-            <a:tailEnd type="arrow" w="med" len="med"/>
-          </a:ln>
-          <a:effectLst/>
-        </p:spPr>
-        <p:style>
-          <a:lnRef idx="2">
-            <a:schemeClr val="accent1"/>
-          </a:lnRef>
-          <a:fillRef idx="0">
-            <a:schemeClr val="accent1"/>
-          </a:fillRef>
-          <a:effectRef idx="1">
-            <a:schemeClr val="accent1"/>
-          </a:effectRef>
-          <a:fontRef idx="minor">
-            <a:schemeClr val="tx1"/>
-          </a:fontRef>
-        </p:style>
-      </p:cxnSp>
-      <p:sp>
-        <p:nvSpPr>
-          <p:cNvPr id="163" name="Rectangle 162">
-            <a:extLst>
-              <a:ext uri="{FF2B5EF4-FFF2-40B4-BE49-F238E27FC236}">
-                <a16:creationId xmlns:a16="http://schemas.microsoft.com/office/drawing/2014/main" id="{F7DA55C9-AFAB-470E-C93A-9E28B77BED3A}"/>
-              </a:ext>
-            </a:extLst>
-          </p:cNvPr>
-          <p:cNvSpPr/>
-          <p:nvPr/>
-        </p:nvSpPr>
-        <p:spPr>
-          <a:xfrm>
-            <a:off x="3801318" y="3924300"/>
-            <a:ext cx="1546866" cy="376773"/>
-          </a:xfrm>
-          <a:prstGeom prst="rect">
-            <a:avLst/>
-          </a:prstGeom>
-          <a:noFill/>
-        </p:spPr>
-        <p:style>
-          <a:lnRef idx="2">
-            <a:schemeClr val="dk1"/>
-          </a:lnRef>
-          <a:fillRef idx="1">
-            <a:schemeClr val="lt1"/>
-          </a:fillRef>
-          <a:effectRef idx="0">
-            <a:schemeClr val="dk1"/>
-          </a:effectRef>
-          <a:fontRef idx="minor">
-            <a:schemeClr val="dk1"/>
-          </a:fontRef>
-        </p:style>
-        <p:txBody>
-          <a:bodyPr rtlCol="0" anchor="ctr"/>
-          <a:lstStyle/>
-          <a:p>
-            <a:pPr algn="ctr"/>
-            <a:r>
-              <a:rPr lang="en-US" sz="1600" dirty="0"/>
-              <a:t>Final Output: </a:t>
-            </a:r>
-            <a:r>
-              <a:rPr lang="en-US" sz="1600" i="1" dirty="0">
-                <a:latin typeface="APPLE CHANCERY" panose="03020702040506060504" pitchFamily="66" charset="-79"/>
-                <a:cs typeface="APPLE CHANCERY" panose="03020702040506060504" pitchFamily="66" charset="-79"/>
-              </a:rPr>
-              <a:t>l</a:t>
-            </a:r>
-            <a:r>
-              <a:rPr lang="en-US" sz="1600" dirty="0"/>
-              <a:t> </a:t>
-            </a:r>
-            <a:endParaRPr lang="en-US" dirty="0"/>
-          </a:p>
-        </p:txBody>
-      </p:sp>
-    </p:spTree>
-    <p:extLst>
-      <p:ext uri="{BB962C8B-B14F-4D97-AF65-F5344CB8AC3E}">
-        <p14:creationId xmlns:p14="http://schemas.microsoft.com/office/powerpoint/2010/main" val="292555802"/>
       </p:ext>
     </p:extLst>
   </p:cSld>

--- a/Figures/Arcs/Architecture_Overview.pptx
+++ b/Figures/Arcs/Architecture_Overview.pptx
@@ -197,7 +197,7 @@
           <a:p>
             <a:fld id="{4F2B3EEC-C8B4-0543-943F-91B3791C5E43}" type="datetimeFigureOut">
               <a:rPr lang="en-US" smtClean="0"/>
-              <a:t>8/21/23</a:t>
+              <a:t>8/30/23</a:t>
             </a:fld>
             <a:endParaRPr lang="en-US"/>
           </a:p>
@@ -734,7 +734,7 @@
           <a:p>
             <a:fld id="{697CBF4A-2AD2-1249-BC5E-D6BCA9656194}" type="datetimeFigureOut">
               <a:rPr lang="en-US" smtClean="0"/>
-              <a:t>8/21/23</a:t>
+              <a:t>8/30/23</a:t>
             </a:fld>
             <a:endParaRPr lang="en-US"/>
           </a:p>
@@ -932,7 +932,7 @@
           <a:p>
             <a:fld id="{697CBF4A-2AD2-1249-BC5E-D6BCA9656194}" type="datetimeFigureOut">
               <a:rPr lang="en-US" smtClean="0"/>
-              <a:t>8/21/23</a:t>
+              <a:t>8/30/23</a:t>
             </a:fld>
             <a:endParaRPr lang="en-US"/>
           </a:p>
@@ -1140,7 +1140,7 @@
           <a:p>
             <a:fld id="{697CBF4A-2AD2-1249-BC5E-D6BCA9656194}" type="datetimeFigureOut">
               <a:rPr lang="en-US" smtClean="0"/>
-              <a:t>8/21/23</a:t>
+              <a:t>8/30/23</a:t>
             </a:fld>
             <a:endParaRPr lang="en-US"/>
           </a:p>
@@ -1338,7 +1338,7 @@
           <a:p>
             <a:fld id="{697CBF4A-2AD2-1249-BC5E-D6BCA9656194}" type="datetimeFigureOut">
               <a:rPr lang="en-US" smtClean="0"/>
-              <a:t>8/21/23</a:t>
+              <a:t>8/30/23</a:t>
             </a:fld>
             <a:endParaRPr lang="en-US"/>
           </a:p>
@@ -1613,7 +1613,7 @@
           <a:p>
             <a:fld id="{697CBF4A-2AD2-1249-BC5E-D6BCA9656194}" type="datetimeFigureOut">
               <a:rPr lang="en-US" smtClean="0"/>
-              <a:t>8/21/23</a:t>
+              <a:t>8/30/23</a:t>
             </a:fld>
             <a:endParaRPr lang="en-US"/>
           </a:p>
@@ -1878,7 +1878,7 @@
           <a:p>
             <a:fld id="{697CBF4A-2AD2-1249-BC5E-D6BCA9656194}" type="datetimeFigureOut">
               <a:rPr lang="en-US" smtClean="0"/>
-              <a:t>8/21/23</a:t>
+              <a:t>8/30/23</a:t>
             </a:fld>
             <a:endParaRPr lang="en-US"/>
           </a:p>
@@ -2290,7 +2290,7 @@
           <a:p>
             <a:fld id="{697CBF4A-2AD2-1249-BC5E-D6BCA9656194}" type="datetimeFigureOut">
               <a:rPr lang="en-US" smtClean="0"/>
-              <a:t>8/21/23</a:t>
+              <a:t>8/30/23</a:t>
             </a:fld>
             <a:endParaRPr lang="en-US"/>
           </a:p>
@@ -2431,7 +2431,7 @@
           <a:p>
             <a:fld id="{697CBF4A-2AD2-1249-BC5E-D6BCA9656194}" type="datetimeFigureOut">
               <a:rPr lang="en-US" smtClean="0"/>
-              <a:t>8/21/23</a:t>
+              <a:t>8/30/23</a:t>
             </a:fld>
             <a:endParaRPr lang="en-US"/>
           </a:p>
@@ -2544,7 +2544,7 @@
           <a:p>
             <a:fld id="{697CBF4A-2AD2-1249-BC5E-D6BCA9656194}" type="datetimeFigureOut">
               <a:rPr lang="en-US" smtClean="0"/>
-              <a:t>8/21/23</a:t>
+              <a:t>8/30/23</a:t>
             </a:fld>
             <a:endParaRPr lang="en-US"/>
           </a:p>
@@ -2855,7 +2855,7 @@
           <a:p>
             <a:fld id="{697CBF4A-2AD2-1249-BC5E-D6BCA9656194}" type="datetimeFigureOut">
               <a:rPr lang="en-US" smtClean="0"/>
-              <a:t>8/21/23</a:t>
+              <a:t>8/30/23</a:t>
             </a:fld>
             <a:endParaRPr lang="en-US"/>
           </a:p>
@@ -3143,7 +3143,7 @@
           <a:p>
             <a:fld id="{697CBF4A-2AD2-1249-BC5E-D6BCA9656194}" type="datetimeFigureOut">
               <a:rPr lang="en-US" smtClean="0"/>
-              <a:t>8/21/23</a:t>
+              <a:t>8/30/23</a:t>
             </a:fld>
             <a:endParaRPr lang="en-US"/>
           </a:p>
@@ -3384,7 +3384,7 @@
           <a:p>
             <a:fld id="{697CBF4A-2AD2-1249-BC5E-D6BCA9656194}" type="datetimeFigureOut">
               <a:rPr lang="en-US" smtClean="0"/>
-              <a:t>8/21/23</a:t>
+              <a:t>8/30/23</a:t>
             </a:fld>
             <a:endParaRPr lang="en-US"/>
           </a:p>
@@ -3815,7 +3815,7 @@
         </p:nvSpPr>
         <p:spPr>
           <a:xfrm>
-            <a:off x="1233112" y="2710746"/>
+            <a:off x="1277461" y="3322190"/>
             <a:ext cx="907595" cy="369332"/>
           </a:xfrm>
           <a:prstGeom prst="rect">
@@ -3850,7 +3850,7 @@
         </p:nvSpPr>
         <p:spPr>
           <a:xfrm>
-            <a:off x="2251248" y="1583231"/>
+            <a:off x="2295597" y="2194675"/>
             <a:ext cx="352803" cy="256860"/>
           </a:xfrm>
           <a:prstGeom prst="can">
@@ -3907,7 +3907,7 @@
         </p:nvSpPr>
         <p:spPr>
           <a:xfrm>
-            <a:off x="2182730" y="1775471"/>
+            <a:off x="2528297" y="2136645"/>
             <a:ext cx="510139" cy="369332"/>
           </a:xfrm>
           <a:prstGeom prst="rect">
@@ -3948,7 +3948,7 @@
         </p:nvSpPr>
         <p:spPr>
           <a:xfrm>
-            <a:off x="2251248" y="2133109"/>
+            <a:off x="2295597" y="2744553"/>
             <a:ext cx="352803" cy="256860"/>
           </a:xfrm>
           <a:prstGeom prst="can">
@@ -4005,7 +4005,7 @@
         </p:nvSpPr>
         <p:spPr>
           <a:xfrm>
-            <a:off x="2182730" y="2325349"/>
+            <a:off x="2528298" y="2696239"/>
             <a:ext cx="510139" cy="369332"/>
           </a:xfrm>
           <a:prstGeom prst="rect">
@@ -4046,7 +4046,7 @@
         </p:nvSpPr>
         <p:spPr>
           <a:xfrm>
-            <a:off x="2251248" y="3007753"/>
+            <a:off x="2295597" y="3619197"/>
             <a:ext cx="352803" cy="256860"/>
           </a:xfrm>
           <a:prstGeom prst="can">
@@ -4103,7 +4103,7 @@
         </p:nvSpPr>
         <p:spPr>
           <a:xfrm>
-            <a:off x="2182730" y="3199993"/>
+            <a:off x="2520242" y="3562961"/>
             <a:ext cx="510139" cy="369332"/>
           </a:xfrm>
           <a:prstGeom prst="rect">
@@ -4144,7 +4144,7 @@
         </p:nvSpPr>
         <p:spPr>
           <a:xfrm>
-            <a:off x="2384173" y="2682987"/>
+            <a:off x="2428522" y="3294431"/>
             <a:ext cx="86952" cy="86952"/>
           </a:xfrm>
           <a:prstGeom prst="ellipse">
@@ -4196,7 +4196,7 @@
         </p:nvSpPr>
         <p:spPr>
           <a:xfrm>
-            <a:off x="2384173" y="2831751"/>
+            <a:off x="2428522" y="3443195"/>
             <a:ext cx="86952" cy="86952"/>
           </a:xfrm>
           <a:prstGeom prst="ellipse">
@@ -4248,7 +4248,7 @@
         </p:nvSpPr>
         <p:spPr>
           <a:xfrm>
-            <a:off x="4394199" y="3339885"/>
+            <a:off x="3983349" y="838209"/>
             <a:ext cx="2201639" cy="692279"/>
           </a:xfrm>
           <a:prstGeom prst="roundRect">
@@ -4298,7 +4298,7 @@
         </p:nvSpPr>
         <p:spPr>
           <a:xfrm flipH="1">
-            <a:off x="4039887" y="999890"/>
+            <a:off x="3901671" y="1851996"/>
             <a:ext cx="2290585" cy="582357"/>
           </a:xfrm>
           <a:prstGeom prst="flowChartPunchedCard">
@@ -4362,13 +4362,13 @@
         </p:nvCxnSpPr>
         <p:spPr>
           <a:xfrm>
-            <a:off x="6330472" y="1291069"/>
+            <a:off x="6192256" y="2143175"/>
             <a:ext cx="288746" cy="7697"/>
           </a:xfrm>
           <a:prstGeom prst="straightConnector1">
             <a:avLst/>
           </a:prstGeom>
-          <a:ln w="41275" cap="flat" cmpd="sng" algn="ctr">
+          <a:ln w="28575" cap="flat" cmpd="sng" algn="ctr">
             <a:solidFill>
               <a:schemeClr val="tx1"/>
             </a:solidFill>
@@ -4394,12 +4394,62 @@
           </a:fontRef>
         </p:style>
       </p:cxnSp>
-      <p:sp>
-        <p:nvSpPr>
-          <p:cNvPr id="39" name="Rounded Rectangle 38">
-            <a:extLst>
-              <a:ext uri="{FF2B5EF4-FFF2-40B4-BE49-F238E27FC236}">
-                <a16:creationId xmlns:a16="http://schemas.microsoft.com/office/drawing/2014/main" id="{C7418ED6-8C83-045B-2131-553D6D71EEE8}"/>
+      <p:cxnSp>
+        <p:nvCxnSpPr>
+          <p:cNvPr id="92" name="Straight Arrow Connector 91">
+            <a:extLst>
+              <a:ext uri="{FF2B5EF4-FFF2-40B4-BE49-F238E27FC236}">
+                <a16:creationId xmlns:a16="http://schemas.microsoft.com/office/drawing/2014/main" id="{952248C4-8BE9-C0D5-1AF0-000FF990432F}"/>
+              </a:ext>
+            </a:extLst>
+          </p:cNvPr>
+          <p:cNvCxnSpPr>
+            <a:cxnSpLocks/>
+            <a:stCxn id="26" idx="1"/>
+            <a:endCxn id="109" idx="1"/>
+          </p:cNvCxnSpPr>
+          <p:nvPr/>
+        </p:nvCxnSpPr>
+        <p:spPr>
+          <a:xfrm>
+            <a:off x="6192257" y="2985215"/>
+            <a:ext cx="290766" cy="3811"/>
+          </a:xfrm>
+          <a:prstGeom prst="straightConnector1">
+            <a:avLst/>
+          </a:prstGeom>
+          <a:ln w="28575" cap="flat" cmpd="sng" algn="ctr">
+            <a:solidFill>
+              <a:schemeClr val="tx1"/>
+            </a:solidFill>
+            <a:prstDash val="solid"/>
+            <a:round/>
+            <a:headEnd type="none" w="med" len="med"/>
+            <a:tailEnd type="arrow" w="med" len="med"/>
+          </a:ln>
+          <a:effectLst/>
+        </p:spPr>
+        <p:style>
+          <a:lnRef idx="2">
+            <a:schemeClr val="accent1"/>
+          </a:lnRef>
+          <a:fillRef idx="0">
+            <a:schemeClr val="accent1"/>
+          </a:fillRef>
+          <a:effectRef idx="1">
+            <a:schemeClr val="accent1"/>
+          </a:effectRef>
+          <a:fontRef idx="minor">
+            <a:schemeClr val="tx1"/>
+          </a:fontRef>
+        </p:style>
+      </p:cxnSp>
+      <p:sp>
+        <p:nvSpPr>
+          <p:cNvPr id="108" name="Rectangle 107">
+            <a:extLst>
+              <a:ext uri="{FF2B5EF4-FFF2-40B4-BE49-F238E27FC236}">
+                <a16:creationId xmlns:a16="http://schemas.microsoft.com/office/drawing/2014/main" id="{A38E5A71-2226-2B28-48EF-4EC845AA6234}"/>
               </a:ext>
             </a:extLst>
           </p:cNvPr>
@@ -4408,8 +4458,621 @@
         </p:nvSpPr>
         <p:spPr>
           <a:xfrm>
-            <a:off x="3717567" y="812800"/>
-            <a:ext cx="3578025" cy="3333532"/>
+            <a:off x="6481002" y="2007311"/>
+            <a:ext cx="396543" cy="287121"/>
+          </a:xfrm>
+          <a:prstGeom prst="rect">
+            <a:avLst/>
+          </a:prstGeom>
+          <a:noFill/>
+        </p:spPr>
+        <p:style>
+          <a:lnRef idx="2">
+            <a:schemeClr val="dk1"/>
+          </a:lnRef>
+          <a:fillRef idx="1">
+            <a:schemeClr val="lt1"/>
+          </a:fillRef>
+          <a:effectRef idx="0">
+            <a:schemeClr val="dk1"/>
+          </a:effectRef>
+          <a:fontRef idx="minor">
+            <a:schemeClr val="dk1"/>
+          </a:fontRef>
+        </p:style>
+        <p:txBody>
+          <a:bodyPr rtlCol="0" anchor="ctr"/>
+          <a:lstStyle/>
+          <a:p>
+            <a:pPr algn="ctr"/>
+            <a:r>
+              <a:rPr lang="en-US" sz="1600" i="1" dirty="0">
+                <a:latin typeface="APPLE CHANCERY" panose="03020702040506060504" pitchFamily="66" charset="-79"/>
+                <a:cs typeface="APPLE CHANCERY" panose="03020702040506060504" pitchFamily="66" charset="-79"/>
+              </a:rPr>
+              <a:t>l</a:t>
+            </a:r>
+            <a:r>
+              <a:rPr lang="en-US" sz="1600" i="1" baseline="-25000" dirty="0"/>
+              <a:t>1</a:t>
+            </a:r>
+            <a:endParaRPr lang="en-US" sz="2400" i="1" baseline="-25000" dirty="0"/>
+          </a:p>
+        </p:txBody>
+      </p:sp>
+      <p:sp>
+        <p:nvSpPr>
+          <p:cNvPr id="109" name="Rectangle 108">
+            <a:extLst>
+              <a:ext uri="{FF2B5EF4-FFF2-40B4-BE49-F238E27FC236}">
+                <a16:creationId xmlns:a16="http://schemas.microsoft.com/office/drawing/2014/main" id="{8A0E02EA-55E7-D161-42BB-3A29A4AAE9F0}"/>
+              </a:ext>
+            </a:extLst>
+          </p:cNvPr>
+          <p:cNvSpPr/>
+          <p:nvPr/>
+        </p:nvSpPr>
+        <p:spPr>
+          <a:xfrm>
+            <a:off x="6483023" y="2845466"/>
+            <a:ext cx="396543" cy="287120"/>
+          </a:xfrm>
+          <a:prstGeom prst="rect">
+            <a:avLst/>
+          </a:prstGeom>
+          <a:noFill/>
+        </p:spPr>
+        <p:style>
+          <a:lnRef idx="2">
+            <a:schemeClr val="dk1"/>
+          </a:lnRef>
+          <a:fillRef idx="1">
+            <a:schemeClr val="lt1"/>
+          </a:fillRef>
+          <a:effectRef idx="0">
+            <a:schemeClr val="dk1"/>
+          </a:effectRef>
+          <a:fontRef idx="minor">
+            <a:schemeClr val="dk1"/>
+          </a:fontRef>
+        </p:style>
+        <p:txBody>
+          <a:bodyPr rtlCol="0" anchor="ctr"/>
+          <a:lstStyle/>
+          <a:p>
+            <a:pPr algn="ctr"/>
+            <a:r>
+              <a:rPr lang="en-US" sz="1600" i="1" dirty="0">
+                <a:latin typeface="APPLE CHANCERY" panose="03020702040506060504" pitchFamily="66" charset="-79"/>
+                <a:cs typeface="APPLE CHANCERY" panose="03020702040506060504" pitchFamily="66" charset="-79"/>
+              </a:rPr>
+              <a:t>l</a:t>
+            </a:r>
+            <a:r>
+              <a:rPr lang="en-US" sz="1600" i="1" baseline="-25000" dirty="0">
+                <a:latin typeface="APPLE CHANCERY" panose="03020702040506060504" pitchFamily="66" charset="-79"/>
+                <a:cs typeface="APPLE CHANCERY" panose="03020702040506060504" pitchFamily="66" charset="-79"/>
+              </a:rPr>
+              <a:t>2</a:t>
+            </a:r>
+            <a:endParaRPr lang="en-US" sz="2400" i="1" baseline="-25000" dirty="0"/>
+          </a:p>
+        </p:txBody>
+      </p:sp>
+      <p:sp>
+        <p:nvSpPr>
+          <p:cNvPr id="130" name="Rounded Rectangle 129">
+            <a:extLst>
+              <a:ext uri="{FF2B5EF4-FFF2-40B4-BE49-F238E27FC236}">
+                <a16:creationId xmlns:a16="http://schemas.microsoft.com/office/drawing/2014/main" id="{0FC74C7C-672F-A56B-E60A-B6A634BE573B}"/>
+              </a:ext>
+            </a:extLst>
+          </p:cNvPr>
+          <p:cNvSpPr/>
+          <p:nvPr/>
+        </p:nvSpPr>
+        <p:spPr>
+          <a:xfrm>
+            <a:off x="7241251" y="2543086"/>
+            <a:ext cx="1806706" cy="652314"/>
+          </a:xfrm>
+          <a:prstGeom prst="roundRect">
+            <a:avLst/>
+          </a:prstGeom>
+          <a:noFill/>
+          <a:ln w="38100"/>
+        </p:spPr>
+        <p:style>
+          <a:lnRef idx="2">
+            <a:schemeClr val="dk1"/>
+          </a:lnRef>
+          <a:fillRef idx="1">
+            <a:schemeClr val="lt1"/>
+          </a:fillRef>
+          <a:effectRef idx="0">
+            <a:schemeClr val="dk1"/>
+          </a:effectRef>
+          <a:fontRef idx="minor">
+            <a:schemeClr val="dk1"/>
+          </a:fontRef>
+        </p:style>
+        <p:txBody>
+          <a:bodyPr rtlCol="0" anchor="ctr"/>
+          <a:lstStyle/>
+          <a:p>
+            <a:pPr algn="ctr"/>
+            <a:r>
+              <a:rPr lang="en-US" sz="1600" dirty="0"/>
+              <a:t>Merge Labels</a:t>
+            </a:r>
+          </a:p>
+          <a:p>
+            <a:pPr algn="ctr"/>
+            <a:r>
+              <a:rPr lang="en-US" sz="1600" dirty="0"/>
+              <a:t>(</a:t>
+            </a:r>
+            <a:r>
+              <a:rPr lang="en-US" sz="1600" i="1" dirty="0">
+                <a:latin typeface="APPLE CHANCERY" panose="03020702040506060504" pitchFamily="66" charset="-79"/>
+                <a:cs typeface="APPLE CHANCERY" panose="03020702040506060504" pitchFamily="66" charset="-79"/>
+              </a:rPr>
+              <a:t>l</a:t>
+            </a:r>
+            <a:r>
+              <a:rPr lang="en-US" sz="1600" i="1" baseline="-25000" dirty="0"/>
+              <a:t>1</a:t>
+            </a:r>
+            <a:r>
+              <a:rPr lang="en-US" sz="2400" i="1" baseline="-25000" dirty="0"/>
+              <a:t>, </a:t>
+            </a:r>
+            <a:r>
+              <a:rPr lang="en-US" sz="1600" i="1" dirty="0">
+                <a:latin typeface="APPLE CHANCERY" panose="03020702040506060504" pitchFamily="66" charset="-79"/>
+                <a:cs typeface="APPLE CHANCERY" panose="03020702040506060504" pitchFamily="66" charset="-79"/>
+              </a:rPr>
+              <a:t>l</a:t>
+            </a:r>
+            <a:r>
+              <a:rPr lang="en-US" sz="1600" i="1" baseline="-25000" dirty="0">
+                <a:latin typeface="APPLE CHANCERY" panose="03020702040506060504" pitchFamily="66" charset="-79"/>
+                <a:cs typeface="APPLE CHANCERY" panose="03020702040506060504" pitchFamily="66" charset="-79"/>
+              </a:rPr>
+              <a:t>2</a:t>
+            </a:r>
+            <a:r>
+              <a:rPr lang="en-US" sz="2400" i="1" baseline="-25000" dirty="0"/>
+              <a:t>,…,</a:t>
+            </a:r>
+            <a:r>
+              <a:rPr lang="en-US" sz="1600" i="1" dirty="0">
+                <a:latin typeface="APPLE CHANCERY" panose="03020702040506060504" pitchFamily="66" charset="-79"/>
+                <a:cs typeface="APPLE CHANCERY" panose="03020702040506060504" pitchFamily="66" charset="-79"/>
+              </a:rPr>
+              <a:t> l</a:t>
+            </a:r>
+            <a:r>
+              <a:rPr lang="en-US" sz="1600" i="1" baseline="-25000" dirty="0">
+                <a:latin typeface="APPLE CHANCERY" panose="03020702040506060504" pitchFamily="66" charset="-79"/>
+                <a:cs typeface="APPLE CHANCERY" panose="03020702040506060504" pitchFamily="66" charset="-79"/>
+              </a:rPr>
+              <a:t>n</a:t>
+            </a:r>
+            <a:r>
+              <a:rPr lang="en-US" sz="1600" dirty="0"/>
+              <a:t>)</a:t>
+            </a:r>
+            <a:endParaRPr lang="en-US" sz="2400" dirty="0"/>
+          </a:p>
+        </p:txBody>
+      </p:sp>
+      <p:cxnSp>
+        <p:nvCxnSpPr>
+          <p:cNvPr id="158" name="Straight Arrow Connector 157">
+            <a:extLst>
+              <a:ext uri="{FF2B5EF4-FFF2-40B4-BE49-F238E27FC236}">
+                <a16:creationId xmlns:a16="http://schemas.microsoft.com/office/drawing/2014/main" id="{7D69B1F2-29E6-2B98-3383-38BE2B9EB7D3}"/>
+              </a:ext>
+            </a:extLst>
+          </p:cNvPr>
+          <p:cNvCxnSpPr>
+            <a:cxnSpLocks/>
+            <a:stCxn id="130" idx="2"/>
+          </p:cNvCxnSpPr>
+          <p:nvPr/>
+        </p:nvCxnSpPr>
+        <p:spPr>
+          <a:xfrm>
+            <a:off x="8144604" y="3195400"/>
+            <a:ext cx="7312" cy="374445"/>
+          </a:xfrm>
+          <a:prstGeom prst="straightConnector1">
+            <a:avLst/>
+          </a:prstGeom>
+          <a:ln w="38100" cap="flat" cmpd="sng" algn="ctr">
+            <a:solidFill>
+              <a:schemeClr val="tx1"/>
+            </a:solidFill>
+            <a:prstDash val="solid"/>
+            <a:round/>
+            <a:headEnd type="none" w="med" len="med"/>
+            <a:tailEnd type="arrow" w="med" len="med"/>
+          </a:ln>
+          <a:effectLst/>
+        </p:spPr>
+        <p:style>
+          <a:lnRef idx="2">
+            <a:schemeClr val="accent1"/>
+          </a:lnRef>
+          <a:fillRef idx="0">
+            <a:schemeClr val="accent1"/>
+          </a:fillRef>
+          <a:effectRef idx="1">
+            <a:schemeClr val="accent1"/>
+          </a:effectRef>
+          <a:fontRef idx="minor">
+            <a:schemeClr val="tx1"/>
+          </a:fontRef>
+        </p:style>
+      </p:cxnSp>
+      <p:sp>
+        <p:nvSpPr>
+          <p:cNvPr id="163" name="Rectangle 162">
+            <a:extLst>
+              <a:ext uri="{FF2B5EF4-FFF2-40B4-BE49-F238E27FC236}">
+                <a16:creationId xmlns:a16="http://schemas.microsoft.com/office/drawing/2014/main" id="{F7DA55C9-AFAB-470E-C93A-9E28B77BED3A}"/>
+              </a:ext>
+            </a:extLst>
+          </p:cNvPr>
+          <p:cNvSpPr/>
+          <p:nvPr/>
+        </p:nvSpPr>
+        <p:spPr>
+          <a:xfrm>
+            <a:off x="7401764" y="3562961"/>
+            <a:ext cx="1546866" cy="376773"/>
+          </a:xfrm>
+          <a:prstGeom prst="rect">
+            <a:avLst/>
+          </a:prstGeom>
+          <a:noFill/>
+        </p:spPr>
+        <p:style>
+          <a:lnRef idx="2">
+            <a:schemeClr val="dk1"/>
+          </a:lnRef>
+          <a:fillRef idx="1">
+            <a:schemeClr val="lt1"/>
+          </a:fillRef>
+          <a:effectRef idx="0">
+            <a:schemeClr val="dk1"/>
+          </a:effectRef>
+          <a:fontRef idx="minor">
+            <a:schemeClr val="dk1"/>
+          </a:fontRef>
+        </p:style>
+        <p:txBody>
+          <a:bodyPr rtlCol="0" anchor="ctr"/>
+          <a:lstStyle/>
+          <a:p>
+            <a:pPr algn="ctr"/>
+            <a:r>
+              <a:rPr lang="en-US" sz="1600" dirty="0"/>
+              <a:t>Final Output: </a:t>
+            </a:r>
+            <a:r>
+              <a:rPr lang="en-US" sz="1600" i="1" dirty="0">
+                <a:latin typeface="APPLE CHANCERY" panose="03020702040506060504" pitchFamily="66" charset="-79"/>
+                <a:cs typeface="APPLE CHANCERY" panose="03020702040506060504" pitchFamily="66" charset="-79"/>
+              </a:rPr>
+              <a:t>l</a:t>
+            </a:r>
+            <a:r>
+              <a:rPr lang="en-US" sz="1600" dirty="0"/>
+              <a:t> </a:t>
+            </a:r>
+            <a:endParaRPr lang="en-US" dirty="0"/>
+          </a:p>
+        </p:txBody>
+      </p:sp>
+      <p:cxnSp>
+        <p:nvCxnSpPr>
+          <p:cNvPr id="58" name="Straight Arrow Connector 57">
+            <a:extLst>
+              <a:ext uri="{FF2B5EF4-FFF2-40B4-BE49-F238E27FC236}">
+                <a16:creationId xmlns:a16="http://schemas.microsoft.com/office/drawing/2014/main" id="{EC465447-88F3-AAF0-3D52-0C778AE0FEEA}"/>
+              </a:ext>
+            </a:extLst>
+          </p:cNvPr>
+          <p:cNvCxnSpPr>
+            <a:cxnSpLocks/>
+            <a:stCxn id="34" idx="2"/>
+            <a:endCxn id="29" idx="0"/>
+          </p:cNvCxnSpPr>
+          <p:nvPr/>
+        </p:nvCxnSpPr>
+        <p:spPr>
+          <a:xfrm>
+            <a:off x="5084169" y="1530488"/>
+            <a:ext cx="0" cy="227552"/>
+          </a:xfrm>
+          <a:prstGeom prst="straightConnector1">
+            <a:avLst/>
+          </a:prstGeom>
+          <a:ln w="41275" cap="flat" cmpd="sng" algn="ctr">
+            <a:solidFill>
+              <a:schemeClr val="tx1"/>
+            </a:solidFill>
+            <a:prstDash val="solid"/>
+            <a:round/>
+            <a:headEnd type="none" w="med" len="med"/>
+            <a:tailEnd type="arrow" w="med" len="med"/>
+          </a:ln>
+          <a:effectLst/>
+        </p:spPr>
+        <p:style>
+          <a:lnRef idx="2">
+            <a:schemeClr val="accent1"/>
+          </a:lnRef>
+          <a:fillRef idx="0">
+            <a:schemeClr val="accent1"/>
+          </a:fillRef>
+          <a:effectRef idx="1">
+            <a:schemeClr val="accent1"/>
+          </a:effectRef>
+          <a:fontRef idx="minor">
+            <a:schemeClr val="tx1"/>
+          </a:fontRef>
+        </p:style>
+      </p:cxnSp>
+      <p:sp>
+        <p:nvSpPr>
+          <p:cNvPr id="76" name="Can 75">
+            <a:extLst>
+              <a:ext uri="{FF2B5EF4-FFF2-40B4-BE49-F238E27FC236}">
+                <a16:creationId xmlns:a16="http://schemas.microsoft.com/office/drawing/2014/main" id="{EF809AC9-7EE9-8E83-D02E-E80D5229E12A}"/>
+              </a:ext>
+            </a:extLst>
+          </p:cNvPr>
+          <p:cNvSpPr/>
+          <p:nvPr/>
+        </p:nvSpPr>
+        <p:spPr>
+          <a:xfrm>
+            <a:off x="1535748" y="2303614"/>
+            <a:ext cx="352803" cy="1077763"/>
+          </a:xfrm>
+          <a:prstGeom prst="can">
+            <a:avLst/>
+          </a:prstGeom>
+          <a:solidFill>
+            <a:schemeClr val="bg1"/>
+          </a:solidFill>
+          <a:ln w="28575" cmpd="sng">
+            <a:solidFill>
+              <a:schemeClr val="tx1"/>
+            </a:solidFill>
+          </a:ln>
+          <a:effectLst/>
+        </p:spPr>
+        <p:style>
+          <a:lnRef idx="1">
+            <a:schemeClr val="accent1"/>
+          </a:lnRef>
+          <a:fillRef idx="3">
+            <a:schemeClr val="accent1"/>
+          </a:fillRef>
+          <a:effectRef idx="2">
+            <a:schemeClr val="accent1"/>
+          </a:effectRef>
+          <a:fontRef idx="minor">
+            <a:schemeClr val="lt1"/>
+          </a:fontRef>
+        </p:style>
+        <p:txBody>
+          <a:bodyPr rtlCol="0" anchor="ctr"/>
+          <a:lstStyle/>
+          <a:p>
+            <a:pPr algn="ctr"/>
+            <a:endParaRPr lang="en-US" sz="2000" dirty="0">
+              <a:solidFill>
+                <a:schemeClr val="tx1"/>
+              </a:solidFill>
+            </a:endParaRPr>
+          </a:p>
+        </p:txBody>
+      </p:sp>
+      <p:sp>
+        <p:nvSpPr>
+          <p:cNvPr id="77" name="Can 76">
+            <a:extLst>
+              <a:ext uri="{FF2B5EF4-FFF2-40B4-BE49-F238E27FC236}">
+                <a16:creationId xmlns:a16="http://schemas.microsoft.com/office/drawing/2014/main" id="{C06FA7EF-65B6-D9B0-BF60-1832645925A5}"/>
+              </a:ext>
+            </a:extLst>
+          </p:cNvPr>
+          <p:cNvSpPr/>
+          <p:nvPr/>
+        </p:nvSpPr>
+        <p:spPr>
+          <a:xfrm>
+            <a:off x="1536223" y="2509714"/>
+            <a:ext cx="352803" cy="256860"/>
+          </a:xfrm>
+          <a:prstGeom prst="can">
+            <a:avLst/>
+          </a:prstGeom>
+          <a:solidFill>
+            <a:srgbClr val="0070C0"/>
+          </a:solidFill>
+          <a:ln w="28575" cmpd="sng">
+            <a:solidFill>
+              <a:schemeClr val="tx1"/>
+            </a:solidFill>
+          </a:ln>
+          <a:effectLst/>
+        </p:spPr>
+        <p:style>
+          <a:lnRef idx="1">
+            <a:schemeClr val="accent1"/>
+          </a:lnRef>
+          <a:fillRef idx="3">
+            <a:schemeClr val="accent1"/>
+          </a:fillRef>
+          <a:effectRef idx="2">
+            <a:schemeClr val="accent1"/>
+          </a:effectRef>
+          <a:fontRef idx="minor">
+            <a:schemeClr val="lt1"/>
+          </a:fontRef>
+        </p:style>
+        <p:txBody>
+          <a:bodyPr rtlCol="0" anchor="ctr"/>
+          <a:lstStyle/>
+          <a:p>
+            <a:pPr algn="ctr"/>
+            <a:endParaRPr lang="en-US" sz="2000" dirty="0">
+              <a:solidFill>
+                <a:schemeClr val="tx1"/>
+              </a:solidFill>
+            </a:endParaRPr>
+          </a:p>
+        </p:txBody>
+      </p:sp>
+      <p:sp>
+        <p:nvSpPr>
+          <p:cNvPr id="78" name="Can 77">
+            <a:extLst>
+              <a:ext uri="{FF2B5EF4-FFF2-40B4-BE49-F238E27FC236}">
+                <a16:creationId xmlns:a16="http://schemas.microsoft.com/office/drawing/2014/main" id="{20AE6116-C0A3-42FA-A760-5181B7C3BA00}"/>
+              </a:ext>
+            </a:extLst>
+          </p:cNvPr>
+          <p:cNvSpPr/>
+          <p:nvPr/>
+        </p:nvSpPr>
+        <p:spPr>
+          <a:xfrm>
+            <a:off x="1536955" y="2303615"/>
+            <a:ext cx="352803" cy="256860"/>
+          </a:xfrm>
+          <a:prstGeom prst="can">
+            <a:avLst/>
+          </a:prstGeom>
+          <a:solidFill>
+            <a:srgbClr val="00B0F0"/>
+          </a:solidFill>
+          <a:ln w="28575" cmpd="sng">
+            <a:solidFill>
+              <a:schemeClr val="tx1"/>
+            </a:solidFill>
+          </a:ln>
+          <a:effectLst/>
+        </p:spPr>
+        <p:style>
+          <a:lnRef idx="1">
+            <a:schemeClr val="accent1"/>
+          </a:lnRef>
+          <a:fillRef idx="3">
+            <a:schemeClr val="accent1"/>
+          </a:fillRef>
+          <a:effectRef idx="2">
+            <a:schemeClr val="accent1"/>
+          </a:effectRef>
+          <a:fontRef idx="minor">
+            <a:schemeClr val="lt1"/>
+          </a:fontRef>
+        </p:style>
+        <p:txBody>
+          <a:bodyPr rtlCol="0" anchor="ctr"/>
+          <a:lstStyle/>
+          <a:p>
+            <a:pPr algn="ctr"/>
+            <a:endParaRPr lang="en-US" sz="2000" dirty="0">
+              <a:solidFill>
+                <a:schemeClr val="tx1"/>
+              </a:solidFill>
+            </a:endParaRPr>
+          </a:p>
+        </p:txBody>
+      </p:sp>
+      <p:sp>
+        <p:nvSpPr>
+          <p:cNvPr id="26" name="Card 25">
+            <a:extLst>
+              <a:ext uri="{FF2B5EF4-FFF2-40B4-BE49-F238E27FC236}">
+                <a16:creationId xmlns:a16="http://schemas.microsoft.com/office/drawing/2014/main" id="{147CD16F-9C36-9DF2-18AD-839F567A9C49}"/>
+              </a:ext>
+            </a:extLst>
+          </p:cNvPr>
+          <p:cNvSpPr/>
+          <p:nvPr/>
+        </p:nvSpPr>
+        <p:spPr>
+          <a:xfrm flipH="1">
+            <a:off x="3901672" y="2546418"/>
+            <a:ext cx="2290585" cy="877594"/>
+          </a:xfrm>
+          <a:prstGeom prst="flowChartPunchedCard">
+            <a:avLst/>
+          </a:prstGeom>
+          <a:solidFill>
+            <a:schemeClr val="bg1"/>
+          </a:solidFill>
+          <a:ln w="41275">
+            <a:solidFill>
+              <a:schemeClr val="tx1"/>
+            </a:solidFill>
+          </a:ln>
+          <a:effectLst/>
+        </p:spPr>
+        <p:style>
+          <a:lnRef idx="1">
+            <a:schemeClr val="accent1"/>
+          </a:lnRef>
+          <a:fillRef idx="3">
+            <a:schemeClr val="accent1"/>
+          </a:fillRef>
+          <a:effectRef idx="2">
+            <a:schemeClr val="accent1"/>
+          </a:effectRef>
+          <a:fontRef idx="minor">
+            <a:schemeClr val="lt1"/>
+          </a:fontRef>
+        </p:style>
+        <p:txBody>
+          <a:bodyPr rtlCol="0" anchor="ctr"/>
+          <a:lstStyle/>
+          <a:p>
+            <a:pPr algn="ctr"/>
+            <a:r>
+              <a:rPr lang="en-US" sz="1600" dirty="0">
+                <a:solidFill>
+                  <a:schemeClr val="tx1"/>
+                </a:solidFill>
+              </a:rPr>
+              <a:t>Original Implementation + HAPV</a:t>
+            </a:r>
+          </a:p>
+        </p:txBody>
+      </p:sp>
+      <p:sp>
+        <p:nvSpPr>
+          <p:cNvPr id="29" name="Rounded Rectangle 28">
+            <a:extLst>
+              <a:ext uri="{FF2B5EF4-FFF2-40B4-BE49-F238E27FC236}">
+                <a16:creationId xmlns:a16="http://schemas.microsoft.com/office/drawing/2014/main" id="{1FD9ED6A-15C4-8873-C8D1-4FC3EB3926C8}"/>
+              </a:ext>
+            </a:extLst>
+          </p:cNvPr>
+          <p:cNvSpPr/>
+          <p:nvPr/>
+        </p:nvSpPr>
+        <p:spPr>
+          <a:xfrm>
+            <a:off x="3236369" y="1758040"/>
+            <a:ext cx="3695599" cy="2229886"/>
           </a:xfrm>
           <a:prstGeom prst="roundRect">
             <a:avLst>
@@ -4448,90 +5111,47 @@
           </a:p>
         </p:txBody>
       </p:sp>
-      <p:cxnSp>
-        <p:nvCxnSpPr>
-          <p:cNvPr id="92" name="Straight Arrow Connector 91">
-            <a:extLst>
-              <a:ext uri="{FF2B5EF4-FFF2-40B4-BE49-F238E27FC236}">
-                <a16:creationId xmlns:a16="http://schemas.microsoft.com/office/drawing/2014/main" id="{952248C4-8BE9-C0D5-1AF0-000FF990432F}"/>
-              </a:ext>
-            </a:extLst>
-          </p:cNvPr>
-          <p:cNvCxnSpPr>
-            <a:cxnSpLocks/>
-            <a:stCxn id="26" idx="1"/>
-            <a:endCxn id="109" idx="1"/>
-          </p:cNvCxnSpPr>
+      <p:sp>
+        <p:nvSpPr>
+          <p:cNvPr id="30" name="Oval 29">
+            <a:extLst>
+              <a:ext uri="{FF2B5EF4-FFF2-40B4-BE49-F238E27FC236}">
+                <a16:creationId xmlns:a16="http://schemas.microsoft.com/office/drawing/2014/main" id="{96AD71AB-9D65-9B06-B5BB-28CE15E7B43A}"/>
+              </a:ext>
+            </a:extLst>
+          </p:cNvPr>
+          <p:cNvSpPr/>
           <p:nvPr/>
-        </p:nvCxnSpPr>
-        <p:spPr>
-          <a:xfrm>
-            <a:off x="6330473" y="2133109"/>
-            <a:ext cx="290766" cy="3811"/>
-          </a:xfrm>
-          <a:prstGeom prst="straightConnector1">
+        </p:nvSpPr>
+        <p:spPr>
+          <a:xfrm>
+            <a:off x="5024227" y="3538360"/>
+            <a:ext cx="86952" cy="86952"/>
+          </a:xfrm>
+          <a:prstGeom prst="ellipse">
             <a:avLst/>
           </a:prstGeom>
-          <a:ln w="41275" cap="flat" cmpd="sng" algn="ctr">
-            <a:solidFill>
-              <a:schemeClr val="tx1"/>
-            </a:solidFill>
-            <a:prstDash val="solid"/>
-            <a:round/>
-            <a:headEnd type="none" w="med" len="med"/>
-            <a:tailEnd type="arrow" w="med" len="med"/>
+          <a:solidFill>
+            <a:schemeClr val="tx1"/>
+          </a:solidFill>
+          <a:ln>
+            <a:noFill/>
           </a:ln>
-          <a:effectLst/>
         </p:spPr>
         <p:style>
           <a:lnRef idx="2">
-            <a:schemeClr val="accent1"/>
-          </a:lnRef>
-          <a:fillRef idx="0">
-            <a:schemeClr val="accent1"/>
-          </a:fillRef>
-          <a:effectRef idx="1">
-            <a:schemeClr val="accent1"/>
-          </a:effectRef>
-          <a:fontRef idx="minor">
-            <a:schemeClr val="tx1"/>
-          </a:fontRef>
-        </p:style>
-      </p:cxnSp>
-      <p:sp>
-        <p:nvSpPr>
-          <p:cNvPr id="108" name="Rectangle 107">
-            <a:extLst>
-              <a:ext uri="{FF2B5EF4-FFF2-40B4-BE49-F238E27FC236}">
-                <a16:creationId xmlns:a16="http://schemas.microsoft.com/office/drawing/2014/main" id="{A38E5A71-2226-2B28-48EF-4EC845AA6234}"/>
-              </a:ext>
-            </a:extLst>
-          </p:cNvPr>
-          <p:cNvSpPr/>
-          <p:nvPr/>
-        </p:nvSpPr>
-        <p:spPr>
-          <a:xfrm>
-            <a:off x="6619218" y="1155205"/>
-            <a:ext cx="396543" cy="287121"/>
-          </a:xfrm>
-          <a:prstGeom prst="rect">
-            <a:avLst/>
-          </a:prstGeom>
-          <a:noFill/>
-        </p:spPr>
-        <p:style>
-          <a:lnRef idx="2">
-            <a:schemeClr val="dk1"/>
+            <a:schemeClr val="dk1">
+              <a:shade val="15000"/>
+            </a:schemeClr>
           </a:lnRef>
           <a:fillRef idx="1">
-            <a:schemeClr val="lt1"/>
+            <a:schemeClr val="dk1"/>
           </a:fillRef>
           <a:effectRef idx="0">
             <a:schemeClr val="dk1"/>
           </a:effectRef>
           <a:fontRef idx="minor">
-            <a:schemeClr val="dk1"/>
+            <a:schemeClr val="lt1"/>
           </a:fontRef>
         </p:style>
         <p:txBody>
@@ -4539,27 +5159,16 @@
           <a:lstStyle/>
           <a:p>
             <a:pPr algn="ctr"/>
-            <a:r>
-              <a:rPr lang="en-US" sz="1600" i="1" dirty="0">
-                <a:latin typeface="APPLE CHANCERY" panose="03020702040506060504" pitchFamily="66" charset="-79"/>
-                <a:cs typeface="APPLE CHANCERY" panose="03020702040506060504" pitchFamily="66" charset="-79"/>
-              </a:rPr>
-              <a:t>l</a:t>
-            </a:r>
-            <a:r>
-              <a:rPr lang="en-US" sz="1600" i="1" baseline="-25000" dirty="0"/>
-              <a:t>1</a:t>
-            </a:r>
-            <a:endParaRPr lang="en-US" sz="2400" i="1" baseline="-25000" dirty="0"/>
-          </a:p>
-        </p:txBody>
-      </p:sp>
-      <p:sp>
-        <p:nvSpPr>
-          <p:cNvPr id="109" name="Rectangle 108">
-            <a:extLst>
-              <a:ext uri="{FF2B5EF4-FFF2-40B4-BE49-F238E27FC236}">
-                <a16:creationId xmlns:a16="http://schemas.microsoft.com/office/drawing/2014/main" id="{8A0E02EA-55E7-D161-42BB-3A29A4AAE9F0}"/>
+            <a:endParaRPr lang="en-US"/>
+          </a:p>
+        </p:txBody>
+      </p:sp>
+      <p:sp>
+        <p:nvSpPr>
+          <p:cNvPr id="31" name="Oval 30">
+            <a:extLst>
+              <a:ext uri="{FF2B5EF4-FFF2-40B4-BE49-F238E27FC236}">
+                <a16:creationId xmlns:a16="http://schemas.microsoft.com/office/drawing/2014/main" id="{ED24C483-57D6-0E5B-BA50-5D3E9F86E964}"/>
               </a:ext>
             </a:extLst>
           </p:cNvPr>
@@ -4568,301 +5177,32 @@
         </p:nvSpPr>
         <p:spPr>
           <a:xfrm>
-            <a:off x="6621239" y="1993360"/>
-            <a:ext cx="396543" cy="287120"/>
-          </a:xfrm>
-          <a:prstGeom prst="rect">
+            <a:off x="5024227" y="3687124"/>
+            <a:ext cx="86952" cy="86952"/>
+          </a:xfrm>
+          <a:prstGeom prst="ellipse">
             <a:avLst/>
           </a:prstGeom>
-          <a:noFill/>
+          <a:solidFill>
+            <a:schemeClr val="tx1"/>
+          </a:solidFill>
+          <a:ln>
+            <a:noFill/>
+          </a:ln>
         </p:spPr>
         <p:style>
           <a:lnRef idx="2">
-            <a:schemeClr val="dk1"/>
+            <a:schemeClr val="dk1">
+              <a:shade val="15000"/>
+            </a:schemeClr>
           </a:lnRef>
           <a:fillRef idx="1">
-            <a:schemeClr val="lt1"/>
+            <a:schemeClr val="dk1"/>
           </a:fillRef>
           <a:effectRef idx="0">
             <a:schemeClr val="dk1"/>
           </a:effectRef>
           <a:fontRef idx="minor">
-            <a:schemeClr val="dk1"/>
-          </a:fontRef>
-        </p:style>
-        <p:txBody>
-          <a:bodyPr rtlCol="0" anchor="ctr"/>
-          <a:lstStyle/>
-          <a:p>
-            <a:pPr algn="ctr"/>
-            <a:r>
-              <a:rPr lang="en-US" sz="1600" i="1" dirty="0">
-                <a:latin typeface="APPLE CHANCERY" panose="03020702040506060504" pitchFamily="66" charset="-79"/>
-                <a:cs typeface="APPLE CHANCERY" panose="03020702040506060504" pitchFamily="66" charset="-79"/>
-              </a:rPr>
-              <a:t>l</a:t>
-            </a:r>
-            <a:r>
-              <a:rPr lang="en-US" sz="1600" i="1" baseline="-25000" dirty="0">
-                <a:latin typeface="APPLE CHANCERY" panose="03020702040506060504" pitchFamily="66" charset="-79"/>
-                <a:cs typeface="APPLE CHANCERY" panose="03020702040506060504" pitchFamily="66" charset="-79"/>
-              </a:rPr>
-              <a:t>2</a:t>
-            </a:r>
-            <a:endParaRPr lang="en-US" sz="2400" i="1" baseline="-25000" dirty="0"/>
-          </a:p>
-        </p:txBody>
-      </p:sp>
-      <p:sp>
-        <p:nvSpPr>
-          <p:cNvPr id="130" name="Rounded Rectangle 129">
-            <a:extLst>
-              <a:ext uri="{FF2B5EF4-FFF2-40B4-BE49-F238E27FC236}">
-                <a16:creationId xmlns:a16="http://schemas.microsoft.com/office/drawing/2014/main" id="{0FC74C7C-672F-A56B-E60A-B6A634BE573B}"/>
-              </a:ext>
-            </a:extLst>
-          </p:cNvPr>
-          <p:cNvSpPr/>
-          <p:nvPr/>
-        </p:nvSpPr>
-        <p:spPr>
-          <a:xfrm>
-            <a:off x="7717704" y="1428735"/>
-            <a:ext cx="1806706" cy="514648"/>
-          </a:xfrm>
-          <a:prstGeom prst="roundRect">
-            <a:avLst/>
-          </a:prstGeom>
-          <a:noFill/>
-          <a:ln w="38100"/>
-        </p:spPr>
-        <p:style>
-          <a:lnRef idx="2">
-            <a:schemeClr val="dk1"/>
-          </a:lnRef>
-          <a:fillRef idx="1">
-            <a:schemeClr val="lt1"/>
-          </a:fillRef>
-          <a:effectRef idx="0">
-            <a:schemeClr val="dk1"/>
-          </a:effectRef>
-          <a:fontRef idx="minor">
-            <a:schemeClr val="dk1"/>
-          </a:fontRef>
-        </p:style>
-        <p:txBody>
-          <a:bodyPr rtlCol="0" anchor="ctr"/>
-          <a:lstStyle/>
-          <a:p>
-            <a:pPr algn="ctr"/>
-            <a:r>
-              <a:rPr lang="en-US" sz="1600" dirty="0"/>
-              <a:t>Merge Labels</a:t>
-            </a:r>
-            <a:endParaRPr lang="en-US" sz="2400" dirty="0"/>
-          </a:p>
-        </p:txBody>
-      </p:sp>
-      <p:cxnSp>
-        <p:nvCxnSpPr>
-          <p:cNvPr id="158" name="Straight Arrow Connector 157">
-            <a:extLst>
-              <a:ext uri="{FF2B5EF4-FFF2-40B4-BE49-F238E27FC236}">
-                <a16:creationId xmlns:a16="http://schemas.microsoft.com/office/drawing/2014/main" id="{7D69B1F2-29E6-2B98-3383-38BE2B9EB7D3}"/>
-              </a:ext>
-            </a:extLst>
-          </p:cNvPr>
-          <p:cNvCxnSpPr>
-            <a:cxnSpLocks/>
-            <a:stCxn id="130" idx="2"/>
-          </p:cNvCxnSpPr>
-          <p:nvPr/>
-        </p:nvCxnSpPr>
-        <p:spPr>
-          <a:xfrm>
-            <a:off x="8621057" y="1943383"/>
-            <a:ext cx="7312" cy="374445"/>
-          </a:xfrm>
-          <a:prstGeom prst="straightConnector1">
-            <a:avLst/>
-          </a:prstGeom>
-          <a:ln w="41275" cap="flat" cmpd="sng" algn="ctr">
-            <a:solidFill>
-              <a:schemeClr val="tx1"/>
-            </a:solidFill>
-            <a:prstDash val="solid"/>
-            <a:round/>
-            <a:headEnd type="none" w="med" len="med"/>
-            <a:tailEnd type="arrow" w="med" len="med"/>
-          </a:ln>
-          <a:effectLst/>
-        </p:spPr>
-        <p:style>
-          <a:lnRef idx="2">
-            <a:schemeClr val="accent1"/>
-          </a:lnRef>
-          <a:fillRef idx="0">
-            <a:schemeClr val="accent1"/>
-          </a:fillRef>
-          <a:effectRef idx="1">
-            <a:schemeClr val="accent1"/>
-          </a:effectRef>
-          <a:fontRef idx="minor">
-            <a:schemeClr val="tx1"/>
-          </a:fontRef>
-        </p:style>
-      </p:cxnSp>
-      <p:sp>
-        <p:nvSpPr>
-          <p:cNvPr id="163" name="Rectangle 162">
-            <a:extLst>
-              <a:ext uri="{FF2B5EF4-FFF2-40B4-BE49-F238E27FC236}">
-                <a16:creationId xmlns:a16="http://schemas.microsoft.com/office/drawing/2014/main" id="{F7DA55C9-AFAB-470E-C93A-9E28B77BED3A}"/>
-              </a:ext>
-            </a:extLst>
-          </p:cNvPr>
-          <p:cNvSpPr/>
-          <p:nvPr/>
-        </p:nvSpPr>
-        <p:spPr>
-          <a:xfrm>
-            <a:off x="7878217" y="2310944"/>
-            <a:ext cx="1546866" cy="376773"/>
-          </a:xfrm>
-          <a:prstGeom prst="rect">
-            <a:avLst/>
-          </a:prstGeom>
-          <a:noFill/>
-        </p:spPr>
-        <p:style>
-          <a:lnRef idx="2">
-            <a:schemeClr val="dk1"/>
-          </a:lnRef>
-          <a:fillRef idx="1">
-            <a:schemeClr val="lt1"/>
-          </a:fillRef>
-          <a:effectRef idx="0">
-            <a:schemeClr val="dk1"/>
-          </a:effectRef>
-          <a:fontRef idx="minor">
-            <a:schemeClr val="dk1"/>
-          </a:fontRef>
-        </p:style>
-        <p:txBody>
-          <a:bodyPr rtlCol="0" anchor="ctr"/>
-          <a:lstStyle/>
-          <a:p>
-            <a:pPr algn="ctr"/>
-            <a:r>
-              <a:rPr lang="en-US" sz="1600" dirty="0"/>
-              <a:t>Final Output: </a:t>
-            </a:r>
-            <a:r>
-              <a:rPr lang="en-US" sz="1600" i="1" dirty="0">
-                <a:latin typeface="APPLE CHANCERY" panose="03020702040506060504" pitchFamily="66" charset="-79"/>
-                <a:cs typeface="APPLE CHANCERY" panose="03020702040506060504" pitchFamily="66" charset="-79"/>
-              </a:rPr>
-              <a:t>l</a:t>
-            </a:r>
-            <a:r>
-              <a:rPr lang="en-US" sz="1600" dirty="0"/>
-              <a:t> </a:t>
-            </a:r>
-            <a:endParaRPr lang="en-US" dirty="0"/>
-          </a:p>
-        </p:txBody>
-      </p:sp>
-      <p:cxnSp>
-        <p:nvCxnSpPr>
-          <p:cNvPr id="58" name="Straight Arrow Connector 57">
-            <a:extLst>
-              <a:ext uri="{FF2B5EF4-FFF2-40B4-BE49-F238E27FC236}">
-                <a16:creationId xmlns:a16="http://schemas.microsoft.com/office/drawing/2014/main" id="{EC465447-88F3-AAF0-3D52-0C778AE0FEEA}"/>
-              </a:ext>
-            </a:extLst>
-          </p:cNvPr>
-          <p:cNvCxnSpPr>
-            <a:cxnSpLocks/>
-            <a:stCxn id="34" idx="0"/>
-            <a:endCxn id="29" idx="2"/>
-          </p:cNvCxnSpPr>
-          <p:nvPr/>
-        </p:nvCxnSpPr>
-        <p:spPr>
-          <a:xfrm flipV="1">
-            <a:off x="5495019" y="3006994"/>
-            <a:ext cx="2712" cy="332891"/>
-          </a:xfrm>
-          <a:prstGeom prst="straightConnector1">
-            <a:avLst/>
-          </a:prstGeom>
-          <a:ln w="41275" cap="flat" cmpd="sng" algn="ctr">
-            <a:solidFill>
-              <a:schemeClr val="tx1"/>
-            </a:solidFill>
-            <a:prstDash val="solid"/>
-            <a:round/>
-            <a:headEnd type="none" w="med" len="med"/>
-            <a:tailEnd type="arrow" w="med" len="med"/>
-          </a:ln>
-          <a:effectLst/>
-        </p:spPr>
-        <p:style>
-          <a:lnRef idx="2">
-            <a:schemeClr val="accent1"/>
-          </a:lnRef>
-          <a:fillRef idx="0">
-            <a:schemeClr val="accent1"/>
-          </a:fillRef>
-          <a:effectRef idx="1">
-            <a:schemeClr val="accent1"/>
-          </a:effectRef>
-          <a:fontRef idx="minor">
-            <a:schemeClr val="tx1"/>
-          </a:fontRef>
-        </p:style>
-      </p:cxnSp>
-      <p:sp>
-        <p:nvSpPr>
-          <p:cNvPr id="76" name="Can 75">
-            <a:extLst>
-              <a:ext uri="{FF2B5EF4-FFF2-40B4-BE49-F238E27FC236}">
-                <a16:creationId xmlns:a16="http://schemas.microsoft.com/office/drawing/2014/main" id="{EF809AC9-7EE9-8E83-D02E-E80D5229E12A}"/>
-              </a:ext>
-            </a:extLst>
-          </p:cNvPr>
-          <p:cNvSpPr/>
-          <p:nvPr/>
-        </p:nvSpPr>
-        <p:spPr>
-          <a:xfrm>
-            <a:off x="1491399" y="1692170"/>
-            <a:ext cx="352803" cy="1077763"/>
-          </a:xfrm>
-          <a:prstGeom prst="can">
-            <a:avLst/>
-          </a:prstGeom>
-          <a:solidFill>
-            <a:schemeClr val="bg1"/>
-          </a:solidFill>
-          <a:ln w="28575" cmpd="sng">
-            <a:solidFill>
-              <a:schemeClr val="tx1"/>
-            </a:solidFill>
-          </a:ln>
-          <a:effectLst/>
-        </p:spPr>
-        <p:style>
-          <a:lnRef idx="1">
-            <a:schemeClr val="accent1"/>
-          </a:lnRef>
-          <a:fillRef idx="3">
-            <a:schemeClr val="accent1"/>
-          </a:fillRef>
-          <a:effectRef idx="2">
-            <a:schemeClr val="accent1"/>
-          </a:effectRef>
-          <a:fontRef idx="minor">
             <a:schemeClr val="lt1"/>
           </a:fontRef>
         </p:style>
@@ -4871,20 +5211,16 @@
           <a:lstStyle/>
           <a:p>
             <a:pPr algn="ctr"/>
-            <a:endParaRPr lang="en-US" sz="2000" dirty="0">
-              <a:solidFill>
-                <a:schemeClr val="tx1"/>
-              </a:solidFill>
-            </a:endParaRPr>
-          </a:p>
-        </p:txBody>
-      </p:sp>
-      <p:sp>
-        <p:nvSpPr>
-          <p:cNvPr id="77" name="Can 76">
-            <a:extLst>
-              <a:ext uri="{FF2B5EF4-FFF2-40B4-BE49-F238E27FC236}">
-                <a16:creationId xmlns:a16="http://schemas.microsoft.com/office/drawing/2014/main" id="{C06FA7EF-65B6-D9B0-BF60-1832645925A5}"/>
+            <a:endParaRPr lang="en-US"/>
+          </a:p>
+        </p:txBody>
+      </p:sp>
+      <p:sp>
+        <p:nvSpPr>
+          <p:cNvPr id="40" name="Rounded Rectangle 39">
+            <a:extLst>
+              <a:ext uri="{FF2B5EF4-FFF2-40B4-BE49-F238E27FC236}">
+                <a16:creationId xmlns:a16="http://schemas.microsoft.com/office/drawing/2014/main" id="{D256122A-BACC-C29E-B6B3-27D574AC4212}"/>
               </a:ext>
             </a:extLst>
           </p:cNvPr>
@@ -4893,182 +5229,8 @@
         </p:nvSpPr>
         <p:spPr>
           <a:xfrm>
-            <a:off x="1491874" y="1898270"/>
-            <a:ext cx="352803" cy="256860"/>
-          </a:xfrm>
-          <a:prstGeom prst="can">
-            <a:avLst/>
-          </a:prstGeom>
-          <a:solidFill>
-            <a:srgbClr val="0070C0"/>
-          </a:solidFill>
-          <a:ln w="28575" cmpd="sng">
-            <a:solidFill>
-              <a:schemeClr val="tx1"/>
-            </a:solidFill>
-          </a:ln>
-          <a:effectLst/>
-        </p:spPr>
-        <p:style>
-          <a:lnRef idx="1">
-            <a:schemeClr val="accent1"/>
-          </a:lnRef>
-          <a:fillRef idx="3">
-            <a:schemeClr val="accent1"/>
-          </a:fillRef>
-          <a:effectRef idx="2">
-            <a:schemeClr val="accent1"/>
-          </a:effectRef>
-          <a:fontRef idx="minor">
-            <a:schemeClr val="lt1"/>
-          </a:fontRef>
-        </p:style>
-        <p:txBody>
-          <a:bodyPr rtlCol="0" anchor="ctr"/>
-          <a:lstStyle/>
-          <a:p>
-            <a:pPr algn="ctr"/>
-            <a:endParaRPr lang="en-US" sz="2000" dirty="0">
-              <a:solidFill>
-                <a:schemeClr val="tx1"/>
-              </a:solidFill>
-            </a:endParaRPr>
-          </a:p>
-        </p:txBody>
-      </p:sp>
-      <p:sp>
-        <p:nvSpPr>
-          <p:cNvPr id="78" name="Can 77">
-            <a:extLst>
-              <a:ext uri="{FF2B5EF4-FFF2-40B4-BE49-F238E27FC236}">
-                <a16:creationId xmlns:a16="http://schemas.microsoft.com/office/drawing/2014/main" id="{20AE6116-C0A3-42FA-A760-5181B7C3BA00}"/>
-              </a:ext>
-            </a:extLst>
-          </p:cNvPr>
-          <p:cNvSpPr/>
-          <p:nvPr/>
-        </p:nvSpPr>
-        <p:spPr>
-          <a:xfrm>
-            <a:off x="1492606" y="1692171"/>
-            <a:ext cx="352803" cy="256860"/>
-          </a:xfrm>
-          <a:prstGeom prst="can">
-            <a:avLst/>
-          </a:prstGeom>
-          <a:solidFill>
-            <a:srgbClr val="00B0F0"/>
-          </a:solidFill>
-          <a:ln w="28575" cmpd="sng">
-            <a:solidFill>
-              <a:schemeClr val="tx1"/>
-            </a:solidFill>
-          </a:ln>
-          <a:effectLst/>
-        </p:spPr>
-        <p:style>
-          <a:lnRef idx="1">
-            <a:schemeClr val="accent1"/>
-          </a:lnRef>
-          <a:fillRef idx="3">
-            <a:schemeClr val="accent1"/>
-          </a:fillRef>
-          <a:effectRef idx="2">
-            <a:schemeClr val="accent1"/>
-          </a:effectRef>
-          <a:fontRef idx="minor">
-            <a:schemeClr val="lt1"/>
-          </a:fontRef>
-        </p:style>
-        <p:txBody>
-          <a:bodyPr rtlCol="0" anchor="ctr"/>
-          <a:lstStyle/>
-          <a:p>
-            <a:pPr algn="ctr"/>
-            <a:endParaRPr lang="en-US" sz="2000" dirty="0">
-              <a:solidFill>
-                <a:schemeClr val="tx1"/>
-              </a:solidFill>
-            </a:endParaRPr>
-          </a:p>
-        </p:txBody>
-      </p:sp>
-      <p:sp>
-        <p:nvSpPr>
-          <p:cNvPr id="26" name="Card 25">
-            <a:extLst>
-              <a:ext uri="{FF2B5EF4-FFF2-40B4-BE49-F238E27FC236}">
-                <a16:creationId xmlns:a16="http://schemas.microsoft.com/office/drawing/2014/main" id="{147CD16F-9C36-9DF2-18AD-839F567A9C49}"/>
-              </a:ext>
-            </a:extLst>
-          </p:cNvPr>
-          <p:cNvSpPr/>
-          <p:nvPr/>
-        </p:nvSpPr>
-        <p:spPr>
-          <a:xfrm flipH="1">
-            <a:off x="4039888" y="1694312"/>
-            <a:ext cx="2290585" cy="877594"/>
-          </a:xfrm>
-          <a:prstGeom prst="flowChartPunchedCard">
-            <a:avLst/>
-          </a:prstGeom>
-          <a:solidFill>
-            <a:schemeClr val="bg1"/>
-          </a:solidFill>
-          <a:ln w="41275">
-            <a:solidFill>
-              <a:schemeClr val="tx1"/>
-            </a:solidFill>
-          </a:ln>
-          <a:effectLst/>
-        </p:spPr>
-        <p:style>
-          <a:lnRef idx="1">
-            <a:schemeClr val="accent1"/>
-          </a:lnRef>
-          <a:fillRef idx="3">
-            <a:schemeClr val="accent1"/>
-          </a:fillRef>
-          <a:effectRef idx="2">
-            <a:schemeClr val="accent1"/>
-          </a:effectRef>
-          <a:fontRef idx="minor">
-            <a:schemeClr val="lt1"/>
-          </a:fontRef>
-        </p:style>
-        <p:txBody>
-          <a:bodyPr rtlCol="0" anchor="ctr"/>
-          <a:lstStyle/>
-          <a:p>
-            <a:pPr algn="ctr"/>
-            <a:r>
-              <a:rPr lang="en-US" sz="1600" dirty="0">
-                <a:solidFill>
-                  <a:schemeClr val="tx1"/>
-                </a:solidFill>
-              </a:rPr>
-              <a:t>Original Implementation + HAPV</a:t>
-            </a:r>
-          </a:p>
-        </p:txBody>
-      </p:sp>
-      <p:sp>
-        <p:nvSpPr>
-          <p:cNvPr id="29" name="Rounded Rectangle 28">
-            <a:extLst>
-              <a:ext uri="{FF2B5EF4-FFF2-40B4-BE49-F238E27FC236}">
-                <a16:creationId xmlns:a16="http://schemas.microsoft.com/office/drawing/2014/main" id="{1FD9ED6A-15C4-8873-C8D1-4FC3EB3926C8}"/>
-              </a:ext>
-            </a:extLst>
-          </p:cNvPr>
-          <p:cNvSpPr/>
-          <p:nvPr/>
-        </p:nvSpPr>
-        <p:spPr>
-          <a:xfrm>
-            <a:off x="3806385" y="905934"/>
-            <a:ext cx="3382691" cy="2101060"/>
+            <a:off x="1288438" y="1717847"/>
+            <a:ext cx="1647709" cy="2310272"/>
           </a:xfrm>
           <a:prstGeom prst="roundRect">
             <a:avLst>
@@ -5107,12 +5269,61 @@
           </a:p>
         </p:txBody>
       </p:sp>
-      <p:sp>
-        <p:nvSpPr>
-          <p:cNvPr id="30" name="Oval 29">
-            <a:extLst>
-              <a:ext uri="{FF2B5EF4-FFF2-40B4-BE49-F238E27FC236}">
-                <a16:creationId xmlns:a16="http://schemas.microsoft.com/office/drawing/2014/main" id="{96AD71AB-9D65-9B06-B5BB-28CE15E7B43A}"/>
+      <p:cxnSp>
+        <p:nvCxnSpPr>
+          <p:cNvPr id="42" name="Elbow Connector 41">
+            <a:extLst>
+              <a:ext uri="{FF2B5EF4-FFF2-40B4-BE49-F238E27FC236}">
+                <a16:creationId xmlns:a16="http://schemas.microsoft.com/office/drawing/2014/main" id="{CA121573-0A75-99EA-E2F9-1625E2CCB30F}"/>
+              </a:ext>
+            </a:extLst>
+          </p:cNvPr>
+          <p:cNvCxnSpPr>
+            <a:cxnSpLocks/>
+            <a:stCxn id="40" idx="0"/>
+            <a:endCxn id="34" idx="1"/>
+          </p:cNvCxnSpPr>
+          <p:nvPr/>
+        </p:nvCxnSpPr>
+        <p:spPr>
+          <a:xfrm rot="5400000" flipH="1" flipV="1">
+            <a:off x="2781072" y="515570"/>
+            <a:ext cx="533498" cy="1871056"/>
+          </a:xfrm>
+          <a:prstGeom prst="bentConnector2">
+            <a:avLst/>
+          </a:prstGeom>
+          <a:ln w="38100" cap="flat" cmpd="sng" algn="ctr">
+            <a:solidFill>
+              <a:schemeClr val="dk1"/>
+            </a:solidFill>
+            <a:prstDash val="solid"/>
+            <a:round/>
+            <a:headEnd type="none" w="med" len="med"/>
+            <a:tailEnd type="arrow" w="med" len="med"/>
+          </a:ln>
+        </p:spPr>
+        <p:style>
+          <a:lnRef idx="0">
+            <a:scrgbClr r="0" g="0" b="0"/>
+          </a:lnRef>
+          <a:fillRef idx="0">
+            <a:scrgbClr r="0" g="0" b="0"/>
+          </a:fillRef>
+          <a:effectRef idx="0">
+            <a:scrgbClr r="0" g="0" b="0"/>
+          </a:effectRef>
+          <a:fontRef idx="minor">
+            <a:schemeClr val="tx1"/>
+          </a:fontRef>
+        </p:style>
+      </p:cxnSp>
+      <p:sp>
+        <p:nvSpPr>
+          <p:cNvPr id="66" name="Oval 65">
+            <a:extLst>
+              <a:ext uri="{FF2B5EF4-FFF2-40B4-BE49-F238E27FC236}">
+                <a16:creationId xmlns:a16="http://schemas.microsoft.com/office/drawing/2014/main" id="{EB4E1C0D-A1C6-E2BA-86AA-FC52C3177A8A}"/>
               </a:ext>
             </a:extLst>
           </p:cNvPr>
@@ -5121,7 +5332,7 @@
         </p:nvSpPr>
         <p:spPr>
           <a:xfrm>
-            <a:off x="5162443" y="2686254"/>
+            <a:off x="6635798" y="3275728"/>
             <a:ext cx="86952" cy="86952"/>
           </a:xfrm>
           <a:prstGeom prst="ellipse">
@@ -5161,10 +5372,10 @@
       </p:sp>
       <p:sp>
         <p:nvSpPr>
-          <p:cNvPr id="31" name="Oval 30">
-            <a:extLst>
-              <a:ext uri="{FF2B5EF4-FFF2-40B4-BE49-F238E27FC236}">
-                <a16:creationId xmlns:a16="http://schemas.microsoft.com/office/drawing/2014/main" id="{ED24C483-57D6-0E5B-BA50-5D3E9F86E964}"/>
+          <p:cNvPr id="67" name="Oval 66">
+            <a:extLst>
+              <a:ext uri="{FF2B5EF4-FFF2-40B4-BE49-F238E27FC236}">
+                <a16:creationId xmlns:a16="http://schemas.microsoft.com/office/drawing/2014/main" id="{9B4650EB-9FBF-48A1-0F25-7720BDF48A26}"/>
               </a:ext>
             </a:extLst>
           </p:cNvPr>
@@ -5173,7 +5384,7 @@
         </p:nvSpPr>
         <p:spPr>
           <a:xfrm>
-            <a:off x="5162443" y="2835018"/>
+            <a:off x="6635798" y="3424492"/>
             <a:ext cx="86952" cy="86952"/>
           </a:xfrm>
           <a:prstGeom prst="ellipse">
@@ -5213,10 +5424,10 @@
       </p:sp>
       <p:sp>
         <p:nvSpPr>
-          <p:cNvPr id="40" name="Rounded Rectangle 39">
-            <a:extLst>
-              <a:ext uri="{FF2B5EF4-FFF2-40B4-BE49-F238E27FC236}">
-                <a16:creationId xmlns:a16="http://schemas.microsoft.com/office/drawing/2014/main" id="{D256122A-BACC-C29E-B6B3-27D574AC4212}"/>
+          <p:cNvPr id="19" name="Can 18">
+            <a:extLst>
+              <a:ext uri="{FF2B5EF4-FFF2-40B4-BE49-F238E27FC236}">
+                <a16:creationId xmlns:a16="http://schemas.microsoft.com/office/drawing/2014/main" id="{8B693777-3C7B-AD27-270B-D44D99B903F4}"/>
               </a:ext>
             </a:extLst>
           </p:cNvPr>
@@ -5225,414 +5436,7 @@
         </p:nvSpPr>
         <p:spPr>
           <a:xfrm>
-            <a:off x="1233112" y="1283836"/>
-            <a:ext cx="1588402" cy="2310272"/>
-          </a:xfrm>
-          <a:prstGeom prst="roundRect">
-            <a:avLst>
-              <a:gd name="adj" fmla="val 9500"/>
-            </a:avLst>
-          </a:prstGeom>
-          <a:noFill/>
-          <a:ln w="38100">
-            <a:solidFill>
-              <a:schemeClr val="tx1"/>
-            </a:solidFill>
-          </a:ln>
-        </p:spPr>
-        <p:style>
-          <a:lnRef idx="2">
-            <a:schemeClr val="accent1">
-              <a:shade val="15000"/>
-            </a:schemeClr>
-          </a:lnRef>
-          <a:fillRef idx="1">
-            <a:schemeClr val="accent1"/>
-          </a:fillRef>
-          <a:effectRef idx="0">
-            <a:schemeClr val="accent1"/>
-          </a:effectRef>
-          <a:fontRef idx="minor">
-            <a:schemeClr val="lt1"/>
-          </a:fontRef>
-        </p:style>
-        <p:txBody>
-          <a:bodyPr rtlCol="0" anchor="ctr"/>
-          <a:lstStyle/>
-          <a:p>
-            <a:pPr algn="ctr"/>
-            <a:endParaRPr lang="en-US"/>
-          </a:p>
-        </p:txBody>
-      </p:sp>
-      <p:cxnSp>
-        <p:nvCxnSpPr>
-          <p:cNvPr id="42" name="Elbow Connector 41">
-            <a:extLst>
-              <a:ext uri="{FF2B5EF4-FFF2-40B4-BE49-F238E27FC236}">
-                <a16:creationId xmlns:a16="http://schemas.microsoft.com/office/drawing/2014/main" id="{CA121573-0A75-99EA-E2F9-1625E2CCB30F}"/>
-              </a:ext>
-            </a:extLst>
-          </p:cNvPr>
-          <p:cNvCxnSpPr>
-            <a:cxnSpLocks/>
-            <a:stCxn id="40" idx="2"/>
-            <a:endCxn id="34" idx="1"/>
-          </p:cNvCxnSpPr>
-          <p:nvPr/>
-        </p:nvCxnSpPr>
-        <p:spPr>
-          <a:xfrm rot="16200000" flipH="1">
-            <a:off x="3164798" y="2456623"/>
-            <a:ext cx="91917" cy="2366886"/>
-          </a:xfrm>
-          <a:prstGeom prst="bentConnector2">
-            <a:avLst/>
-          </a:prstGeom>
-          <a:ln w="38100" cap="flat" cmpd="sng" algn="ctr">
-            <a:solidFill>
-              <a:schemeClr val="dk1"/>
-            </a:solidFill>
-            <a:prstDash val="solid"/>
-            <a:round/>
-            <a:headEnd type="none" w="med" len="med"/>
-            <a:tailEnd type="arrow" w="med" len="med"/>
-          </a:ln>
-        </p:spPr>
-        <p:style>
-          <a:lnRef idx="0">
-            <a:scrgbClr r="0" g="0" b="0"/>
-          </a:lnRef>
-          <a:fillRef idx="0">
-            <a:scrgbClr r="0" g="0" b="0"/>
-          </a:fillRef>
-          <a:effectRef idx="0">
-            <a:scrgbClr r="0" g="0" b="0"/>
-          </a:effectRef>
-          <a:fontRef idx="minor">
-            <a:schemeClr val="tx1"/>
-          </a:fontRef>
-        </p:style>
-      </p:cxnSp>
-      <p:cxnSp>
-        <p:nvCxnSpPr>
-          <p:cNvPr id="46" name="Elbow Connector 45">
-            <a:extLst>
-              <a:ext uri="{FF2B5EF4-FFF2-40B4-BE49-F238E27FC236}">
-                <a16:creationId xmlns:a16="http://schemas.microsoft.com/office/drawing/2014/main" id="{7AC06852-6D02-DA5C-8446-4B33002DC46F}"/>
-              </a:ext>
-            </a:extLst>
-          </p:cNvPr>
-          <p:cNvCxnSpPr>
-            <a:cxnSpLocks/>
-            <a:stCxn id="7" idx="4"/>
-            <a:endCxn id="35" idx="3"/>
-          </p:cNvCxnSpPr>
-          <p:nvPr/>
-        </p:nvCxnSpPr>
-        <p:spPr>
-          <a:xfrm flipV="1">
-            <a:off x="2604051" y="1291069"/>
-            <a:ext cx="1435836" cy="420592"/>
-          </a:xfrm>
-          <a:prstGeom prst="bentConnector3">
-            <a:avLst/>
-          </a:prstGeom>
-          <a:ln w="38100" cap="flat" cmpd="sng" algn="ctr">
-            <a:solidFill>
-              <a:schemeClr val="dk1"/>
-            </a:solidFill>
-            <a:prstDash val="solid"/>
-            <a:round/>
-            <a:headEnd type="none" w="med" len="med"/>
-            <a:tailEnd type="arrow" w="med" len="med"/>
-          </a:ln>
-        </p:spPr>
-        <p:style>
-          <a:lnRef idx="0">
-            <a:scrgbClr r="0" g="0" b="0"/>
-          </a:lnRef>
-          <a:fillRef idx="0">
-            <a:scrgbClr r="0" g="0" b="0"/>
-          </a:fillRef>
-          <a:effectRef idx="0">
-            <a:scrgbClr r="0" g="0" b="0"/>
-          </a:effectRef>
-          <a:fontRef idx="minor">
-            <a:schemeClr val="tx1"/>
-          </a:fontRef>
-        </p:style>
-      </p:cxnSp>
-      <p:cxnSp>
-        <p:nvCxnSpPr>
-          <p:cNvPr id="49" name="Elbow Connector 48">
-            <a:extLst>
-              <a:ext uri="{FF2B5EF4-FFF2-40B4-BE49-F238E27FC236}">
-                <a16:creationId xmlns:a16="http://schemas.microsoft.com/office/drawing/2014/main" id="{85FA975B-801B-DC64-6E11-C0AC0D5A7985}"/>
-              </a:ext>
-            </a:extLst>
-          </p:cNvPr>
-          <p:cNvCxnSpPr>
-            <a:cxnSpLocks/>
-            <a:stCxn id="11" idx="4"/>
-            <a:endCxn id="26" idx="3"/>
-          </p:cNvCxnSpPr>
-          <p:nvPr/>
-        </p:nvCxnSpPr>
-        <p:spPr>
-          <a:xfrm flipV="1">
-            <a:off x="2604051" y="2133109"/>
-            <a:ext cx="1435837" cy="128430"/>
-          </a:xfrm>
-          <a:prstGeom prst="bentConnector3">
-            <a:avLst/>
-          </a:prstGeom>
-          <a:ln w="38100" cap="flat" cmpd="sng" algn="ctr">
-            <a:solidFill>
-              <a:schemeClr val="dk1"/>
-            </a:solidFill>
-            <a:prstDash val="solid"/>
-            <a:round/>
-            <a:headEnd type="none" w="med" len="med"/>
-            <a:tailEnd type="arrow" w="med" len="med"/>
-          </a:ln>
-        </p:spPr>
-        <p:style>
-          <a:lnRef idx="0">
-            <a:scrgbClr r="0" g="0" b="0"/>
-          </a:lnRef>
-          <a:fillRef idx="0">
-            <a:scrgbClr r="0" g="0" b="0"/>
-          </a:fillRef>
-          <a:effectRef idx="0">
-            <a:scrgbClr r="0" g="0" b="0"/>
-          </a:effectRef>
-          <a:fontRef idx="minor">
-            <a:schemeClr val="tx1"/>
-          </a:fontRef>
-        </p:style>
-      </p:cxnSp>
-      <p:sp>
-        <p:nvSpPr>
-          <p:cNvPr id="66" name="Oval 65">
-            <a:extLst>
-              <a:ext uri="{FF2B5EF4-FFF2-40B4-BE49-F238E27FC236}">
-                <a16:creationId xmlns:a16="http://schemas.microsoft.com/office/drawing/2014/main" id="{EB4E1C0D-A1C6-E2BA-86AA-FC52C3177A8A}"/>
-              </a:ext>
-            </a:extLst>
-          </p:cNvPr>
-          <p:cNvSpPr/>
-          <p:nvPr/>
-        </p:nvSpPr>
-        <p:spPr>
-          <a:xfrm>
-            <a:off x="6774014" y="2423622"/>
-            <a:ext cx="86952" cy="86952"/>
-          </a:xfrm>
-          <a:prstGeom prst="ellipse">
-            <a:avLst/>
-          </a:prstGeom>
-          <a:solidFill>
-            <a:schemeClr val="tx1"/>
-          </a:solidFill>
-          <a:ln>
-            <a:noFill/>
-          </a:ln>
-        </p:spPr>
-        <p:style>
-          <a:lnRef idx="2">
-            <a:schemeClr val="dk1">
-              <a:shade val="15000"/>
-            </a:schemeClr>
-          </a:lnRef>
-          <a:fillRef idx="1">
-            <a:schemeClr val="dk1"/>
-          </a:fillRef>
-          <a:effectRef idx="0">
-            <a:schemeClr val="dk1"/>
-          </a:effectRef>
-          <a:fontRef idx="minor">
-            <a:schemeClr val="lt1"/>
-          </a:fontRef>
-        </p:style>
-        <p:txBody>
-          <a:bodyPr rtlCol="0" anchor="ctr"/>
-          <a:lstStyle/>
-          <a:p>
-            <a:pPr algn="ctr"/>
-            <a:endParaRPr lang="en-US"/>
-          </a:p>
-        </p:txBody>
-      </p:sp>
-      <p:sp>
-        <p:nvSpPr>
-          <p:cNvPr id="67" name="Oval 66">
-            <a:extLst>
-              <a:ext uri="{FF2B5EF4-FFF2-40B4-BE49-F238E27FC236}">
-                <a16:creationId xmlns:a16="http://schemas.microsoft.com/office/drawing/2014/main" id="{9B4650EB-9FBF-48A1-0F25-7720BDF48A26}"/>
-              </a:ext>
-            </a:extLst>
-          </p:cNvPr>
-          <p:cNvSpPr/>
-          <p:nvPr/>
-        </p:nvSpPr>
-        <p:spPr>
-          <a:xfrm>
-            <a:off x="6774014" y="2572386"/>
-            <a:ext cx="86952" cy="86952"/>
-          </a:xfrm>
-          <a:prstGeom prst="ellipse">
-            <a:avLst/>
-          </a:prstGeom>
-          <a:solidFill>
-            <a:schemeClr val="tx1"/>
-          </a:solidFill>
-          <a:ln>
-            <a:noFill/>
-          </a:ln>
-        </p:spPr>
-        <p:style>
-          <a:lnRef idx="2">
-            <a:schemeClr val="dk1">
-              <a:shade val="15000"/>
-            </a:schemeClr>
-          </a:lnRef>
-          <a:fillRef idx="1">
-            <a:schemeClr val="dk1"/>
-          </a:fillRef>
-          <a:effectRef idx="0">
-            <a:schemeClr val="dk1"/>
-          </a:effectRef>
-          <a:fontRef idx="minor">
-            <a:schemeClr val="lt1"/>
-          </a:fontRef>
-        </p:style>
-        <p:txBody>
-          <a:bodyPr rtlCol="0" anchor="ctr"/>
-          <a:lstStyle/>
-          <a:p>
-            <a:pPr algn="ctr"/>
-            <a:endParaRPr lang="en-US"/>
-          </a:p>
-        </p:txBody>
-      </p:sp>
-      <p:cxnSp>
-        <p:nvCxnSpPr>
-          <p:cNvPr id="83" name="Elbow Connector 82">
-            <a:extLst>
-              <a:ext uri="{FF2B5EF4-FFF2-40B4-BE49-F238E27FC236}">
-                <a16:creationId xmlns:a16="http://schemas.microsoft.com/office/drawing/2014/main" id="{9E7C01E5-C5C2-DE3E-4DD3-A31C2CC76DB4}"/>
-              </a:ext>
-            </a:extLst>
-          </p:cNvPr>
-          <p:cNvCxnSpPr>
-            <a:cxnSpLocks/>
-            <a:stCxn id="108" idx="3"/>
-            <a:endCxn id="130" idx="1"/>
-          </p:cNvCxnSpPr>
-          <p:nvPr/>
-        </p:nvCxnSpPr>
-        <p:spPr>
-          <a:xfrm>
-            <a:off x="7015761" y="1298766"/>
-            <a:ext cx="701943" cy="387293"/>
-          </a:xfrm>
-          <a:prstGeom prst="bentConnector3">
-            <a:avLst>
-              <a:gd name="adj1" fmla="val 50000"/>
-            </a:avLst>
-          </a:prstGeom>
-          <a:ln w="38100" cap="flat" cmpd="sng" algn="ctr">
-            <a:solidFill>
-              <a:schemeClr val="dk1"/>
-            </a:solidFill>
-            <a:prstDash val="solid"/>
-            <a:round/>
-            <a:headEnd type="none" w="med" len="med"/>
-            <a:tailEnd type="arrow" w="med" len="med"/>
-          </a:ln>
-        </p:spPr>
-        <p:style>
-          <a:lnRef idx="0">
-            <a:scrgbClr r="0" g="0" b="0"/>
-          </a:lnRef>
-          <a:fillRef idx="0">
-            <a:scrgbClr r="0" g="0" b="0"/>
-          </a:fillRef>
-          <a:effectRef idx="0">
-            <a:scrgbClr r="0" g="0" b="0"/>
-          </a:effectRef>
-          <a:fontRef idx="minor">
-            <a:schemeClr val="tx1"/>
-          </a:fontRef>
-        </p:style>
-      </p:cxnSp>
-      <p:cxnSp>
-        <p:nvCxnSpPr>
-          <p:cNvPr id="87" name="Elbow Connector 86">
-            <a:extLst>
-              <a:ext uri="{FF2B5EF4-FFF2-40B4-BE49-F238E27FC236}">
-                <a16:creationId xmlns:a16="http://schemas.microsoft.com/office/drawing/2014/main" id="{F7B4F401-9533-5959-A2B4-DA8F7FAB24A5}"/>
-              </a:ext>
-            </a:extLst>
-          </p:cNvPr>
-          <p:cNvCxnSpPr>
-            <a:cxnSpLocks/>
-            <a:stCxn id="109" idx="3"/>
-            <a:endCxn id="130" idx="1"/>
-          </p:cNvCxnSpPr>
-          <p:nvPr/>
-        </p:nvCxnSpPr>
-        <p:spPr>
-          <a:xfrm flipV="1">
-            <a:off x="7017782" y="1686059"/>
-            <a:ext cx="699922" cy="450861"/>
-          </a:xfrm>
-          <a:prstGeom prst="bentConnector3">
-            <a:avLst>
-              <a:gd name="adj1" fmla="val 50000"/>
-            </a:avLst>
-          </a:prstGeom>
-          <a:ln w="38100" cap="flat" cmpd="sng" algn="ctr">
-            <a:solidFill>
-              <a:schemeClr val="dk1"/>
-            </a:solidFill>
-            <a:prstDash val="solid"/>
-            <a:round/>
-            <a:headEnd type="none" w="med" len="med"/>
-            <a:tailEnd type="arrow" w="med" len="med"/>
-          </a:ln>
-        </p:spPr>
-        <p:style>
-          <a:lnRef idx="0">
-            <a:scrgbClr r="0" g="0" b="0"/>
-          </a:lnRef>
-          <a:fillRef idx="0">
-            <a:scrgbClr r="0" g="0" b="0"/>
-          </a:fillRef>
-          <a:effectRef idx="0">
-            <a:scrgbClr r="0" g="0" b="0"/>
-          </a:effectRef>
-          <a:fontRef idx="minor">
-            <a:schemeClr val="tx1"/>
-          </a:fontRef>
-        </p:style>
-      </p:cxnSp>
-      <p:sp>
-        <p:nvSpPr>
-          <p:cNvPr id="19" name="Can 18">
-            <a:extLst>
-              <a:ext uri="{FF2B5EF4-FFF2-40B4-BE49-F238E27FC236}">
-                <a16:creationId xmlns:a16="http://schemas.microsoft.com/office/drawing/2014/main" id="{8B693777-3C7B-AD27-270B-D44D99B903F4}"/>
-              </a:ext>
-            </a:extLst>
-          </p:cNvPr>
-          <p:cNvSpPr/>
-          <p:nvPr/>
-        </p:nvSpPr>
-        <p:spPr>
-          <a:xfrm>
-            <a:off x="1491743" y="2506345"/>
+            <a:off x="1536092" y="3117789"/>
             <a:ext cx="352803" cy="256860"/>
           </a:xfrm>
           <a:prstGeom prst="can">
@@ -5693,7 +5497,7 @@
         </p:nvCxnSpPr>
         <p:spPr>
           <a:xfrm>
-            <a:off x="1844546" y="2634775"/>
+            <a:off x="1888895" y="3246219"/>
             <a:ext cx="406702" cy="501408"/>
           </a:xfrm>
           <a:prstGeom prst="bentConnector3">
@@ -5701,7 +5505,7 @@
               <a:gd name="adj1" fmla="val 50000"/>
             </a:avLst>
           </a:prstGeom>
-          <a:ln w="38100" cap="flat" cmpd="sng" algn="ctr">
+          <a:ln w="28575" cap="flat" cmpd="sng" algn="ctr">
             <a:solidFill>
               <a:schemeClr val="dk1"/>
             </a:solidFill>
@@ -5744,7 +5548,7 @@
         </p:nvCxnSpPr>
         <p:spPr>
           <a:xfrm>
-            <a:off x="1844677" y="2026700"/>
+            <a:off x="1889026" y="2638144"/>
             <a:ext cx="406571" cy="234839"/>
           </a:xfrm>
           <a:prstGeom prst="bentConnector3">
@@ -5752,7 +5556,7 @@
               <a:gd name="adj1" fmla="val 50000"/>
             </a:avLst>
           </a:prstGeom>
-          <a:ln w="38100" cap="flat" cmpd="sng" algn="ctr">
+          <a:ln w="28575" cap="flat" cmpd="sng" algn="ctr">
             <a:solidFill>
               <a:schemeClr val="dk1"/>
             </a:solidFill>
@@ -5795,7 +5599,7 @@
         </p:nvCxnSpPr>
         <p:spPr>
           <a:xfrm flipV="1">
-            <a:off x="1845409" y="1711661"/>
+            <a:off x="1889758" y="2323105"/>
             <a:ext cx="405839" cy="108940"/>
           </a:xfrm>
           <a:prstGeom prst="bentConnector3">
@@ -5803,7 +5607,7 @@
               <a:gd name="adj1" fmla="val 50000"/>
             </a:avLst>
           </a:prstGeom>
-          <a:ln w="38100" cap="flat" cmpd="sng" algn="ctr">
+          <a:ln w="28575" cap="flat" cmpd="sng" algn="ctr">
             <a:solidFill>
               <a:schemeClr val="dk1"/>
             </a:solidFill>
@@ -5842,8 +5646,8 @@
         </p:nvSpPr>
         <p:spPr>
           <a:xfrm>
-            <a:off x="1629907" y="2229178"/>
-            <a:ext cx="86952" cy="86952"/>
+            <a:off x="1680879" y="2809668"/>
+            <a:ext cx="73705" cy="73705"/>
           </a:xfrm>
           <a:prstGeom prst="ellipse">
             <a:avLst/>
@@ -5882,10 +5686,10 @@
       </p:sp>
       <p:sp>
         <p:nvSpPr>
-          <p:cNvPr id="44" name="Oval 43">
-            <a:extLst>
-              <a:ext uri="{FF2B5EF4-FFF2-40B4-BE49-F238E27FC236}">
-                <a16:creationId xmlns:a16="http://schemas.microsoft.com/office/drawing/2014/main" id="{8EBC05CC-D782-8B4C-2804-BD85BD1E1F49}"/>
+          <p:cNvPr id="32" name="Oval 31">
+            <a:extLst>
+              <a:ext uri="{FF2B5EF4-FFF2-40B4-BE49-F238E27FC236}">
+                <a16:creationId xmlns:a16="http://schemas.microsoft.com/office/drawing/2014/main" id="{6717C729-4FE4-2ACD-857C-6D4E539BDA8E}"/>
               </a:ext>
             </a:extLst>
           </p:cNvPr>
@@ -5894,7 +5698,7 @@
         </p:nvSpPr>
         <p:spPr>
           <a:xfrm>
-            <a:off x="1629907" y="2377942"/>
+            <a:off x="2433290" y="3139697"/>
             <a:ext cx="86952" cy="86952"/>
           </a:xfrm>
           <a:prstGeom prst="ellipse">
@@ -5932,6 +5736,717 @@
           </a:p>
         </p:txBody>
       </p:sp>
+      <p:sp>
+        <p:nvSpPr>
+          <p:cNvPr id="37" name="Oval 36">
+            <a:extLst>
+              <a:ext uri="{FF2B5EF4-FFF2-40B4-BE49-F238E27FC236}">
+                <a16:creationId xmlns:a16="http://schemas.microsoft.com/office/drawing/2014/main" id="{2FF917EA-832F-73AE-5702-AF5265C4A28C}"/>
+              </a:ext>
+            </a:extLst>
+          </p:cNvPr>
+          <p:cNvSpPr/>
+          <p:nvPr/>
+        </p:nvSpPr>
+        <p:spPr>
+          <a:xfrm>
+            <a:off x="5024227" y="3834175"/>
+            <a:ext cx="86952" cy="86952"/>
+          </a:xfrm>
+          <a:prstGeom prst="ellipse">
+            <a:avLst/>
+          </a:prstGeom>
+          <a:solidFill>
+            <a:schemeClr val="tx1"/>
+          </a:solidFill>
+          <a:ln>
+            <a:noFill/>
+          </a:ln>
+        </p:spPr>
+        <p:style>
+          <a:lnRef idx="2">
+            <a:schemeClr val="dk1">
+              <a:shade val="15000"/>
+            </a:schemeClr>
+          </a:lnRef>
+          <a:fillRef idx="1">
+            <a:schemeClr val="dk1"/>
+          </a:fillRef>
+          <a:effectRef idx="0">
+            <a:schemeClr val="dk1"/>
+          </a:effectRef>
+          <a:fontRef idx="minor">
+            <a:schemeClr val="lt1"/>
+          </a:fontRef>
+        </p:style>
+        <p:txBody>
+          <a:bodyPr rtlCol="0" anchor="ctr"/>
+          <a:lstStyle/>
+          <a:p>
+            <a:pPr algn="ctr"/>
+            <a:endParaRPr lang="en-US"/>
+          </a:p>
+        </p:txBody>
+      </p:sp>
+      <p:sp>
+        <p:nvSpPr>
+          <p:cNvPr id="38" name="Oval 37">
+            <a:extLst>
+              <a:ext uri="{FF2B5EF4-FFF2-40B4-BE49-F238E27FC236}">
+                <a16:creationId xmlns:a16="http://schemas.microsoft.com/office/drawing/2014/main" id="{1CCCD681-59BE-56F9-5DD8-3394BDD8141E}"/>
+              </a:ext>
+            </a:extLst>
+          </p:cNvPr>
+          <p:cNvSpPr/>
+          <p:nvPr/>
+        </p:nvSpPr>
+        <p:spPr>
+          <a:xfrm>
+            <a:off x="6635798" y="3574334"/>
+            <a:ext cx="86952" cy="86952"/>
+          </a:xfrm>
+          <a:prstGeom prst="ellipse">
+            <a:avLst/>
+          </a:prstGeom>
+          <a:solidFill>
+            <a:schemeClr val="tx1"/>
+          </a:solidFill>
+          <a:ln>
+            <a:noFill/>
+          </a:ln>
+        </p:spPr>
+        <p:style>
+          <a:lnRef idx="2">
+            <a:schemeClr val="dk1">
+              <a:shade val="15000"/>
+            </a:schemeClr>
+          </a:lnRef>
+          <a:fillRef idx="1">
+            <a:schemeClr val="dk1"/>
+          </a:fillRef>
+          <a:effectRef idx="0">
+            <a:schemeClr val="dk1"/>
+          </a:effectRef>
+          <a:fontRef idx="minor">
+            <a:schemeClr val="lt1"/>
+          </a:fontRef>
+        </p:style>
+        <p:txBody>
+          <a:bodyPr rtlCol="0" anchor="ctr"/>
+          <a:lstStyle/>
+          <a:p>
+            <a:pPr algn="ctr"/>
+            <a:endParaRPr lang="en-US"/>
+          </a:p>
+        </p:txBody>
+      </p:sp>
+      <p:sp>
+        <p:nvSpPr>
+          <p:cNvPr id="55" name="TextBox 54">
+            <a:extLst>
+              <a:ext uri="{FF2B5EF4-FFF2-40B4-BE49-F238E27FC236}">
+                <a16:creationId xmlns:a16="http://schemas.microsoft.com/office/drawing/2014/main" id="{CA0053DF-C039-334E-4299-E9AC4AC74578}"/>
+              </a:ext>
+            </a:extLst>
+          </p:cNvPr>
+          <p:cNvSpPr txBox="1"/>
+          <p:nvPr/>
+        </p:nvSpPr>
+        <p:spPr>
+          <a:xfrm>
+            <a:off x="1233825" y="1729517"/>
+            <a:ext cx="1758950" cy="400110"/>
+          </a:xfrm>
+          <a:prstGeom prst="rect">
+            <a:avLst/>
+          </a:prstGeom>
+          <a:noFill/>
+        </p:spPr>
+        <p:txBody>
+          <a:bodyPr wrap="square">
+            <a:spAutoFit/>
+          </a:bodyPr>
+          <a:lstStyle/>
+          <a:p>
+            <a:pPr algn="ctr"/>
+            <a:r>
+              <a:rPr lang="en-US" sz="2000" dirty="0">
+                <a:solidFill>
+                  <a:schemeClr val="tx1"/>
+                </a:solidFill>
+              </a:rPr>
+              <a:t>Sub-Sampling</a:t>
+            </a:r>
+            <a:endParaRPr lang="en-US" sz="2000" dirty="0"/>
+          </a:p>
+        </p:txBody>
+      </p:sp>
+      <p:cxnSp>
+        <p:nvCxnSpPr>
+          <p:cNvPr id="60" name="Straight Arrow Connector 59">
+            <a:extLst>
+              <a:ext uri="{FF2B5EF4-FFF2-40B4-BE49-F238E27FC236}">
+                <a16:creationId xmlns:a16="http://schemas.microsoft.com/office/drawing/2014/main" id="{AF4BAE28-FFB4-5081-7C7B-74D687B328BF}"/>
+              </a:ext>
+            </a:extLst>
+          </p:cNvPr>
+          <p:cNvCxnSpPr>
+            <a:cxnSpLocks/>
+            <a:stCxn id="40" idx="3"/>
+            <a:endCxn id="29" idx="1"/>
+          </p:cNvCxnSpPr>
+          <p:nvPr/>
+        </p:nvCxnSpPr>
+        <p:spPr>
+          <a:xfrm>
+            <a:off x="2936147" y="2872983"/>
+            <a:ext cx="300222" cy="0"/>
+          </a:xfrm>
+          <a:prstGeom prst="straightConnector1">
+            <a:avLst/>
+          </a:prstGeom>
+          <a:ln w="38100" cap="flat" cmpd="sng" algn="ctr">
+            <a:solidFill>
+              <a:schemeClr val="tx1"/>
+            </a:solidFill>
+            <a:prstDash val="solid"/>
+            <a:round/>
+            <a:headEnd type="none" w="med" len="med"/>
+            <a:tailEnd type="arrow" w="med" len="med"/>
+          </a:ln>
+          <a:effectLst/>
+        </p:spPr>
+        <p:style>
+          <a:lnRef idx="2">
+            <a:schemeClr val="accent1"/>
+          </a:lnRef>
+          <a:fillRef idx="0">
+            <a:schemeClr val="accent1"/>
+          </a:fillRef>
+          <a:effectRef idx="1">
+            <a:schemeClr val="accent1"/>
+          </a:effectRef>
+          <a:fontRef idx="minor">
+            <a:schemeClr val="tx1"/>
+          </a:fontRef>
+        </p:style>
+      </p:cxnSp>
+      <p:sp>
+        <p:nvSpPr>
+          <p:cNvPr id="65" name="Oval 64">
+            <a:extLst>
+              <a:ext uri="{FF2B5EF4-FFF2-40B4-BE49-F238E27FC236}">
+                <a16:creationId xmlns:a16="http://schemas.microsoft.com/office/drawing/2014/main" id="{DB3ECC1A-1B1A-7D2E-67E0-1D1984F69952}"/>
+              </a:ext>
+            </a:extLst>
+          </p:cNvPr>
+          <p:cNvSpPr/>
+          <p:nvPr/>
+        </p:nvSpPr>
+        <p:spPr>
+          <a:xfrm>
+            <a:off x="1682301" y="2905031"/>
+            <a:ext cx="73705" cy="73705"/>
+          </a:xfrm>
+          <a:prstGeom prst="ellipse">
+            <a:avLst/>
+          </a:prstGeom>
+          <a:solidFill>
+            <a:schemeClr val="tx1"/>
+          </a:solidFill>
+          <a:ln>
+            <a:noFill/>
+          </a:ln>
+        </p:spPr>
+        <p:style>
+          <a:lnRef idx="2">
+            <a:schemeClr val="dk1">
+              <a:shade val="15000"/>
+            </a:schemeClr>
+          </a:lnRef>
+          <a:fillRef idx="1">
+            <a:schemeClr val="dk1"/>
+          </a:fillRef>
+          <a:effectRef idx="0">
+            <a:schemeClr val="dk1"/>
+          </a:effectRef>
+          <a:fontRef idx="minor">
+            <a:schemeClr val="lt1"/>
+          </a:fontRef>
+        </p:style>
+        <p:txBody>
+          <a:bodyPr rtlCol="0" anchor="ctr"/>
+          <a:lstStyle/>
+          <a:p>
+            <a:pPr algn="ctr"/>
+            <a:endParaRPr lang="en-US"/>
+          </a:p>
+        </p:txBody>
+      </p:sp>
+      <p:sp>
+        <p:nvSpPr>
+          <p:cNvPr id="68" name="Oval 67">
+            <a:extLst>
+              <a:ext uri="{FF2B5EF4-FFF2-40B4-BE49-F238E27FC236}">
+                <a16:creationId xmlns:a16="http://schemas.microsoft.com/office/drawing/2014/main" id="{9215B496-7EBE-7700-D1A9-FFC6D66EB6E2}"/>
+              </a:ext>
+            </a:extLst>
+          </p:cNvPr>
+          <p:cNvSpPr/>
+          <p:nvPr/>
+        </p:nvSpPr>
+        <p:spPr>
+          <a:xfrm>
+            <a:off x="1680879" y="3006098"/>
+            <a:ext cx="73705" cy="73705"/>
+          </a:xfrm>
+          <a:prstGeom prst="ellipse">
+            <a:avLst/>
+          </a:prstGeom>
+          <a:solidFill>
+            <a:schemeClr val="tx1"/>
+          </a:solidFill>
+          <a:ln>
+            <a:noFill/>
+          </a:ln>
+        </p:spPr>
+        <p:style>
+          <a:lnRef idx="2">
+            <a:schemeClr val="dk1">
+              <a:shade val="15000"/>
+            </a:schemeClr>
+          </a:lnRef>
+          <a:fillRef idx="1">
+            <a:schemeClr val="dk1"/>
+          </a:fillRef>
+          <a:effectRef idx="0">
+            <a:schemeClr val="dk1"/>
+          </a:effectRef>
+          <a:fontRef idx="minor">
+            <a:schemeClr val="lt1"/>
+          </a:fontRef>
+        </p:style>
+        <p:txBody>
+          <a:bodyPr rtlCol="0" anchor="ctr"/>
+          <a:lstStyle/>
+          <a:p>
+            <a:pPr algn="ctr"/>
+            <a:endParaRPr lang="en-US"/>
+          </a:p>
+        </p:txBody>
+      </p:sp>
+      <p:sp>
+        <p:nvSpPr>
+          <p:cNvPr id="74" name="Rectangle 73">
+            <a:extLst>
+              <a:ext uri="{FF2B5EF4-FFF2-40B4-BE49-F238E27FC236}">
+                <a16:creationId xmlns:a16="http://schemas.microsoft.com/office/drawing/2014/main" id="{32E74FCA-C546-78DD-492D-28C008CEF148}"/>
+              </a:ext>
+            </a:extLst>
+          </p:cNvPr>
+          <p:cNvSpPr/>
+          <p:nvPr/>
+        </p:nvSpPr>
+        <p:spPr>
+          <a:xfrm>
+            <a:off x="3300902" y="1999613"/>
+            <a:ext cx="396543" cy="287121"/>
+          </a:xfrm>
+          <a:prstGeom prst="rect">
+            <a:avLst/>
+          </a:prstGeom>
+          <a:noFill/>
+        </p:spPr>
+        <p:style>
+          <a:lnRef idx="2">
+            <a:schemeClr val="dk1"/>
+          </a:lnRef>
+          <a:fillRef idx="1">
+            <a:schemeClr val="lt1"/>
+          </a:fillRef>
+          <a:effectRef idx="0">
+            <a:schemeClr val="dk1"/>
+          </a:effectRef>
+          <a:fontRef idx="minor">
+            <a:schemeClr val="dk1"/>
+          </a:fontRef>
+        </p:style>
+        <p:txBody>
+          <a:bodyPr rtlCol="0" anchor="ctr"/>
+          <a:lstStyle/>
+          <a:p>
+            <a:pPr algn="ctr"/>
+            <a:r>
+              <a:rPr lang="en-US" sz="1600" dirty="0"/>
+              <a:t>S</a:t>
+            </a:r>
+            <a:r>
+              <a:rPr lang="en-US" sz="1600" baseline="-25000" dirty="0"/>
+              <a:t>1</a:t>
+            </a:r>
+            <a:endParaRPr lang="en-US" sz="1600" dirty="0"/>
+          </a:p>
+        </p:txBody>
+      </p:sp>
+      <p:sp>
+        <p:nvSpPr>
+          <p:cNvPr id="75" name="Rectangle 74">
+            <a:extLst>
+              <a:ext uri="{FF2B5EF4-FFF2-40B4-BE49-F238E27FC236}">
+                <a16:creationId xmlns:a16="http://schemas.microsoft.com/office/drawing/2014/main" id="{261AC2B2-787C-3F02-B2B3-4FEB5BDD41F5}"/>
+              </a:ext>
+            </a:extLst>
+          </p:cNvPr>
+          <p:cNvSpPr/>
+          <p:nvPr/>
+        </p:nvSpPr>
+        <p:spPr>
+          <a:xfrm>
+            <a:off x="3286960" y="2841655"/>
+            <a:ext cx="396543" cy="287120"/>
+          </a:xfrm>
+          <a:prstGeom prst="rect">
+            <a:avLst/>
+          </a:prstGeom>
+          <a:noFill/>
+        </p:spPr>
+        <p:style>
+          <a:lnRef idx="2">
+            <a:schemeClr val="dk1"/>
+          </a:lnRef>
+          <a:fillRef idx="1">
+            <a:schemeClr val="lt1"/>
+          </a:fillRef>
+          <a:effectRef idx="0">
+            <a:schemeClr val="dk1"/>
+          </a:effectRef>
+          <a:fontRef idx="minor">
+            <a:schemeClr val="dk1"/>
+          </a:fontRef>
+        </p:style>
+        <p:txBody>
+          <a:bodyPr rtlCol="0" anchor="ctr"/>
+          <a:lstStyle/>
+          <a:p>
+            <a:pPr algn="ctr"/>
+            <a:r>
+              <a:rPr lang="en-US" sz="1600" dirty="0"/>
+              <a:t>S</a:t>
+            </a:r>
+            <a:r>
+              <a:rPr lang="en-US" sz="1600" baseline="-25000" dirty="0"/>
+              <a:t>2</a:t>
+            </a:r>
+            <a:endParaRPr lang="en-US" sz="1600" dirty="0"/>
+          </a:p>
+        </p:txBody>
+      </p:sp>
+      <p:sp>
+        <p:nvSpPr>
+          <p:cNvPr id="79" name="Oval 78">
+            <a:extLst>
+              <a:ext uri="{FF2B5EF4-FFF2-40B4-BE49-F238E27FC236}">
+                <a16:creationId xmlns:a16="http://schemas.microsoft.com/office/drawing/2014/main" id="{31947C02-1DEA-7056-5EE0-9790510879EF}"/>
+              </a:ext>
+            </a:extLst>
+          </p:cNvPr>
+          <p:cNvSpPr/>
+          <p:nvPr/>
+        </p:nvSpPr>
+        <p:spPr>
+          <a:xfrm>
+            <a:off x="3455698" y="3277115"/>
+            <a:ext cx="86952" cy="86952"/>
+          </a:xfrm>
+          <a:prstGeom prst="ellipse">
+            <a:avLst/>
+          </a:prstGeom>
+          <a:solidFill>
+            <a:schemeClr val="tx1"/>
+          </a:solidFill>
+          <a:ln>
+            <a:noFill/>
+          </a:ln>
+        </p:spPr>
+        <p:style>
+          <a:lnRef idx="2">
+            <a:schemeClr val="dk1">
+              <a:shade val="15000"/>
+            </a:schemeClr>
+          </a:lnRef>
+          <a:fillRef idx="1">
+            <a:schemeClr val="dk1"/>
+          </a:fillRef>
+          <a:effectRef idx="0">
+            <a:schemeClr val="dk1"/>
+          </a:effectRef>
+          <a:fontRef idx="minor">
+            <a:schemeClr val="lt1"/>
+          </a:fontRef>
+        </p:style>
+        <p:txBody>
+          <a:bodyPr rtlCol="0" anchor="ctr"/>
+          <a:lstStyle/>
+          <a:p>
+            <a:pPr algn="ctr"/>
+            <a:endParaRPr lang="en-US"/>
+          </a:p>
+        </p:txBody>
+      </p:sp>
+      <p:sp>
+        <p:nvSpPr>
+          <p:cNvPr id="80" name="Oval 79">
+            <a:extLst>
+              <a:ext uri="{FF2B5EF4-FFF2-40B4-BE49-F238E27FC236}">
+                <a16:creationId xmlns:a16="http://schemas.microsoft.com/office/drawing/2014/main" id="{C8DF6845-307E-4B1C-28E2-63B54FB03747}"/>
+              </a:ext>
+            </a:extLst>
+          </p:cNvPr>
+          <p:cNvSpPr/>
+          <p:nvPr/>
+        </p:nvSpPr>
+        <p:spPr>
+          <a:xfrm>
+            <a:off x="3455698" y="3425879"/>
+            <a:ext cx="86952" cy="86952"/>
+          </a:xfrm>
+          <a:prstGeom prst="ellipse">
+            <a:avLst/>
+          </a:prstGeom>
+          <a:solidFill>
+            <a:schemeClr val="tx1"/>
+          </a:solidFill>
+          <a:ln>
+            <a:noFill/>
+          </a:ln>
+        </p:spPr>
+        <p:style>
+          <a:lnRef idx="2">
+            <a:schemeClr val="dk1">
+              <a:shade val="15000"/>
+            </a:schemeClr>
+          </a:lnRef>
+          <a:fillRef idx="1">
+            <a:schemeClr val="dk1"/>
+          </a:fillRef>
+          <a:effectRef idx="0">
+            <a:schemeClr val="dk1"/>
+          </a:effectRef>
+          <a:fontRef idx="minor">
+            <a:schemeClr val="lt1"/>
+          </a:fontRef>
+        </p:style>
+        <p:txBody>
+          <a:bodyPr rtlCol="0" anchor="ctr"/>
+          <a:lstStyle/>
+          <a:p>
+            <a:pPr algn="ctr"/>
+            <a:endParaRPr lang="en-US"/>
+          </a:p>
+        </p:txBody>
+      </p:sp>
+      <p:sp>
+        <p:nvSpPr>
+          <p:cNvPr id="81" name="Oval 80">
+            <a:extLst>
+              <a:ext uri="{FF2B5EF4-FFF2-40B4-BE49-F238E27FC236}">
+                <a16:creationId xmlns:a16="http://schemas.microsoft.com/office/drawing/2014/main" id="{A3F592AA-8913-2D35-2D25-C4F6AB731DA5}"/>
+              </a:ext>
+            </a:extLst>
+          </p:cNvPr>
+          <p:cNvSpPr/>
+          <p:nvPr/>
+        </p:nvSpPr>
+        <p:spPr>
+          <a:xfrm>
+            <a:off x="3455698" y="3575721"/>
+            <a:ext cx="86952" cy="86952"/>
+          </a:xfrm>
+          <a:prstGeom prst="ellipse">
+            <a:avLst/>
+          </a:prstGeom>
+          <a:solidFill>
+            <a:schemeClr val="tx1"/>
+          </a:solidFill>
+          <a:ln>
+            <a:noFill/>
+          </a:ln>
+        </p:spPr>
+        <p:style>
+          <a:lnRef idx="2">
+            <a:schemeClr val="dk1">
+              <a:shade val="15000"/>
+            </a:schemeClr>
+          </a:lnRef>
+          <a:fillRef idx="1">
+            <a:schemeClr val="dk1"/>
+          </a:fillRef>
+          <a:effectRef idx="0">
+            <a:schemeClr val="dk1"/>
+          </a:effectRef>
+          <a:fontRef idx="minor">
+            <a:schemeClr val="lt1"/>
+          </a:fontRef>
+        </p:style>
+        <p:txBody>
+          <a:bodyPr rtlCol="0" anchor="ctr"/>
+          <a:lstStyle/>
+          <a:p>
+            <a:pPr algn="ctr"/>
+            <a:endParaRPr lang="en-US"/>
+          </a:p>
+        </p:txBody>
+      </p:sp>
+      <p:cxnSp>
+        <p:nvCxnSpPr>
+          <p:cNvPr id="82" name="Straight Arrow Connector 81">
+            <a:extLst>
+              <a:ext uri="{FF2B5EF4-FFF2-40B4-BE49-F238E27FC236}">
+                <a16:creationId xmlns:a16="http://schemas.microsoft.com/office/drawing/2014/main" id="{DA8EB575-6F02-97D8-4E1C-179477653BF3}"/>
+              </a:ext>
+            </a:extLst>
+          </p:cNvPr>
+          <p:cNvCxnSpPr>
+            <a:cxnSpLocks/>
+            <a:stCxn id="74" idx="3"/>
+            <a:endCxn id="35" idx="3"/>
+          </p:cNvCxnSpPr>
+          <p:nvPr/>
+        </p:nvCxnSpPr>
+        <p:spPr>
+          <a:xfrm>
+            <a:off x="3697445" y="2143174"/>
+            <a:ext cx="204226" cy="1"/>
+          </a:xfrm>
+          <a:prstGeom prst="straightConnector1">
+            <a:avLst/>
+          </a:prstGeom>
+          <a:ln w="28575" cap="flat" cmpd="sng" algn="ctr">
+            <a:solidFill>
+              <a:schemeClr val="tx1"/>
+            </a:solidFill>
+            <a:prstDash val="solid"/>
+            <a:round/>
+            <a:headEnd type="none" w="med" len="med"/>
+            <a:tailEnd type="arrow" w="med" len="med"/>
+          </a:ln>
+          <a:effectLst/>
+        </p:spPr>
+        <p:style>
+          <a:lnRef idx="2">
+            <a:schemeClr val="accent1"/>
+          </a:lnRef>
+          <a:fillRef idx="0">
+            <a:schemeClr val="accent1"/>
+          </a:fillRef>
+          <a:effectRef idx="1">
+            <a:schemeClr val="accent1"/>
+          </a:effectRef>
+          <a:fontRef idx="minor">
+            <a:schemeClr val="tx1"/>
+          </a:fontRef>
+        </p:style>
+      </p:cxnSp>
+      <p:cxnSp>
+        <p:nvCxnSpPr>
+          <p:cNvPr id="88" name="Straight Arrow Connector 87">
+            <a:extLst>
+              <a:ext uri="{FF2B5EF4-FFF2-40B4-BE49-F238E27FC236}">
+                <a16:creationId xmlns:a16="http://schemas.microsoft.com/office/drawing/2014/main" id="{CCABDFFA-046D-9E03-BFC3-06FF149D052F}"/>
+              </a:ext>
+            </a:extLst>
+          </p:cNvPr>
+          <p:cNvCxnSpPr>
+            <a:cxnSpLocks/>
+            <a:stCxn id="75" idx="3"/>
+            <a:endCxn id="26" idx="3"/>
+          </p:cNvCxnSpPr>
+          <p:nvPr/>
+        </p:nvCxnSpPr>
+        <p:spPr>
+          <a:xfrm>
+            <a:off x="3683503" y="2985215"/>
+            <a:ext cx="218169" cy="0"/>
+          </a:xfrm>
+          <a:prstGeom prst="straightConnector1">
+            <a:avLst/>
+          </a:prstGeom>
+          <a:ln w="28575" cap="flat" cmpd="sng" algn="ctr">
+            <a:solidFill>
+              <a:schemeClr val="tx1"/>
+            </a:solidFill>
+            <a:prstDash val="solid"/>
+            <a:round/>
+            <a:headEnd type="none" w="med" len="med"/>
+            <a:tailEnd type="arrow" w="med" len="med"/>
+          </a:ln>
+          <a:effectLst/>
+        </p:spPr>
+        <p:style>
+          <a:lnRef idx="2">
+            <a:schemeClr val="accent1"/>
+          </a:lnRef>
+          <a:fillRef idx="0">
+            <a:schemeClr val="accent1"/>
+          </a:fillRef>
+          <a:effectRef idx="1">
+            <a:schemeClr val="accent1"/>
+          </a:effectRef>
+          <a:fontRef idx="minor">
+            <a:schemeClr val="tx1"/>
+          </a:fontRef>
+        </p:style>
+      </p:cxnSp>
+      <p:cxnSp>
+        <p:nvCxnSpPr>
+          <p:cNvPr id="93" name="Straight Arrow Connector 92">
+            <a:extLst>
+              <a:ext uri="{FF2B5EF4-FFF2-40B4-BE49-F238E27FC236}">
+                <a16:creationId xmlns:a16="http://schemas.microsoft.com/office/drawing/2014/main" id="{7A497E96-ABA1-C10B-E262-E8130A0B5464}"/>
+              </a:ext>
+            </a:extLst>
+          </p:cNvPr>
+          <p:cNvCxnSpPr>
+            <a:cxnSpLocks/>
+            <a:stCxn id="29" idx="3"/>
+            <a:endCxn id="130" idx="1"/>
+          </p:cNvCxnSpPr>
+          <p:nvPr/>
+        </p:nvCxnSpPr>
+        <p:spPr>
+          <a:xfrm flipV="1">
+            <a:off x="6931968" y="2869243"/>
+            <a:ext cx="309283" cy="3740"/>
+          </a:xfrm>
+          <a:prstGeom prst="straightConnector1">
+            <a:avLst/>
+          </a:prstGeom>
+          <a:ln w="38100" cap="flat" cmpd="sng" algn="ctr">
+            <a:solidFill>
+              <a:schemeClr val="tx1"/>
+            </a:solidFill>
+            <a:prstDash val="solid"/>
+            <a:round/>
+            <a:headEnd type="none" w="med" len="med"/>
+            <a:tailEnd type="arrow" w="med" len="med"/>
+          </a:ln>
+          <a:effectLst/>
+        </p:spPr>
+        <p:style>
+          <a:lnRef idx="2">
+            <a:schemeClr val="accent1"/>
+          </a:lnRef>
+          <a:fillRef idx="0">
+            <a:schemeClr val="accent1"/>
+          </a:fillRef>
+          <a:effectRef idx="1">
+            <a:schemeClr val="accent1"/>
+          </a:effectRef>
+          <a:fontRef idx="minor">
+            <a:schemeClr val="tx1"/>
+          </a:fontRef>
+        </p:style>
+      </p:cxnSp>
     </p:spTree>
     <p:extLst>
       <p:ext uri="{BB962C8B-B14F-4D97-AF65-F5344CB8AC3E}">

--- a/Figures/Arcs/Architecture_Overview.pptx
+++ b/Figures/Arcs/Architecture_Overview.pptx
@@ -197,7 +197,7 @@
           <a:p>
             <a:fld id="{4F2B3EEC-C8B4-0543-943F-91B3791C5E43}" type="datetimeFigureOut">
               <a:rPr lang="en-US" smtClean="0"/>
-              <a:t>8/30/23</a:t>
+              <a:t>9/1/23</a:t>
             </a:fld>
             <a:endParaRPr lang="en-US"/>
           </a:p>
@@ -734,7 +734,7 @@
           <a:p>
             <a:fld id="{697CBF4A-2AD2-1249-BC5E-D6BCA9656194}" type="datetimeFigureOut">
               <a:rPr lang="en-US" smtClean="0"/>
-              <a:t>8/30/23</a:t>
+              <a:t>9/1/23</a:t>
             </a:fld>
             <a:endParaRPr lang="en-US"/>
           </a:p>
@@ -932,7 +932,7 @@
           <a:p>
             <a:fld id="{697CBF4A-2AD2-1249-BC5E-D6BCA9656194}" type="datetimeFigureOut">
               <a:rPr lang="en-US" smtClean="0"/>
-              <a:t>8/30/23</a:t>
+              <a:t>9/1/23</a:t>
             </a:fld>
             <a:endParaRPr lang="en-US"/>
           </a:p>
@@ -1140,7 +1140,7 @@
           <a:p>
             <a:fld id="{697CBF4A-2AD2-1249-BC5E-D6BCA9656194}" type="datetimeFigureOut">
               <a:rPr lang="en-US" smtClean="0"/>
-              <a:t>8/30/23</a:t>
+              <a:t>9/1/23</a:t>
             </a:fld>
             <a:endParaRPr lang="en-US"/>
           </a:p>
@@ -1338,7 +1338,7 @@
           <a:p>
             <a:fld id="{697CBF4A-2AD2-1249-BC5E-D6BCA9656194}" type="datetimeFigureOut">
               <a:rPr lang="en-US" smtClean="0"/>
-              <a:t>8/30/23</a:t>
+              <a:t>9/1/23</a:t>
             </a:fld>
             <a:endParaRPr lang="en-US"/>
           </a:p>
@@ -1613,7 +1613,7 @@
           <a:p>
             <a:fld id="{697CBF4A-2AD2-1249-BC5E-D6BCA9656194}" type="datetimeFigureOut">
               <a:rPr lang="en-US" smtClean="0"/>
-              <a:t>8/30/23</a:t>
+              <a:t>9/1/23</a:t>
             </a:fld>
             <a:endParaRPr lang="en-US"/>
           </a:p>
@@ -1878,7 +1878,7 @@
           <a:p>
             <a:fld id="{697CBF4A-2AD2-1249-BC5E-D6BCA9656194}" type="datetimeFigureOut">
               <a:rPr lang="en-US" smtClean="0"/>
-              <a:t>8/30/23</a:t>
+              <a:t>9/1/23</a:t>
             </a:fld>
             <a:endParaRPr lang="en-US"/>
           </a:p>
@@ -2290,7 +2290,7 @@
           <a:p>
             <a:fld id="{697CBF4A-2AD2-1249-BC5E-D6BCA9656194}" type="datetimeFigureOut">
               <a:rPr lang="en-US" smtClean="0"/>
-              <a:t>8/30/23</a:t>
+              <a:t>9/1/23</a:t>
             </a:fld>
             <a:endParaRPr lang="en-US"/>
           </a:p>
@@ -2431,7 +2431,7 @@
           <a:p>
             <a:fld id="{697CBF4A-2AD2-1249-BC5E-D6BCA9656194}" type="datetimeFigureOut">
               <a:rPr lang="en-US" smtClean="0"/>
-              <a:t>8/30/23</a:t>
+              <a:t>9/1/23</a:t>
             </a:fld>
             <a:endParaRPr lang="en-US"/>
           </a:p>
@@ -2544,7 +2544,7 @@
           <a:p>
             <a:fld id="{697CBF4A-2AD2-1249-BC5E-D6BCA9656194}" type="datetimeFigureOut">
               <a:rPr lang="en-US" smtClean="0"/>
-              <a:t>8/30/23</a:t>
+              <a:t>9/1/23</a:t>
             </a:fld>
             <a:endParaRPr lang="en-US"/>
           </a:p>
@@ -2855,7 +2855,7 @@
           <a:p>
             <a:fld id="{697CBF4A-2AD2-1249-BC5E-D6BCA9656194}" type="datetimeFigureOut">
               <a:rPr lang="en-US" smtClean="0"/>
-              <a:t>8/30/23</a:t>
+              <a:t>9/1/23</a:t>
             </a:fld>
             <a:endParaRPr lang="en-US"/>
           </a:p>
@@ -3143,7 +3143,7 @@
           <a:p>
             <a:fld id="{697CBF4A-2AD2-1249-BC5E-D6BCA9656194}" type="datetimeFigureOut">
               <a:rPr lang="en-US" smtClean="0"/>
-              <a:t>8/30/23</a:t>
+              <a:t>9/1/23</a:t>
             </a:fld>
             <a:endParaRPr lang="en-US"/>
           </a:p>
@@ -3384,7 +3384,7 @@
           <a:p>
             <a:fld id="{697CBF4A-2AD2-1249-BC5E-D6BCA9656194}" type="datetimeFigureOut">
               <a:rPr lang="en-US" smtClean="0"/>
-              <a:t>8/30/23</a:t>
+              <a:t>9/1/23</a:t>
             </a:fld>
             <a:endParaRPr lang="en-US"/>
           </a:p>
@@ -4248,8 +4248,8 @@
         </p:nvSpPr>
         <p:spPr>
           <a:xfrm>
-            <a:off x="3983349" y="838209"/>
-            <a:ext cx="2201639" cy="692279"/>
+            <a:off x="3447145" y="1153879"/>
+            <a:ext cx="3272809" cy="812031"/>
           </a:xfrm>
           <a:prstGeom prst="roundRect">
             <a:avLst/>
@@ -4277,10 +4277,9 @@
           <a:p>
             <a:pPr algn="ctr"/>
             <a:r>
-              <a:rPr lang="en-US" sz="1600" dirty="0"/>
-              <a:t>Determine Highest Accuracy Parameter Values (HAPV)</a:t>
-            </a:r>
-            <a:endParaRPr lang="en-US" sz="2400" dirty="0"/>
+              <a:rPr lang="en-US" dirty="0"/>
+              <a:t> Determine Highest Accuracy Parameter Values (HAPV)</a:t>
+            </a:r>
           </a:p>
         </p:txBody>
       </p:sp>
@@ -4298,8 +4297,8 @@
         </p:nvSpPr>
         <p:spPr>
           <a:xfrm flipH="1">
-            <a:off x="3901671" y="1851996"/>
-            <a:ext cx="2290585" cy="582357"/>
+            <a:off x="3901669" y="2680968"/>
+            <a:ext cx="2290585" cy="831563"/>
           </a:xfrm>
           <a:prstGeom prst="flowChartPunchedCard">
             <a:avLst/>
@@ -4355,15 +4354,14 @@
           </p:cNvPr>
           <p:cNvCxnSpPr>
             <a:cxnSpLocks/>
-            <a:stCxn id="35" idx="1"/>
             <a:endCxn id="108" idx="1"/>
           </p:cNvCxnSpPr>
           <p:nvPr/>
         </p:nvCxnSpPr>
         <p:spPr>
           <a:xfrm>
-            <a:off x="6192256" y="2143175"/>
-            <a:ext cx="288746" cy="7697"/>
+            <a:off x="6192254" y="2905607"/>
+            <a:ext cx="288748" cy="0"/>
           </a:xfrm>
           <a:prstGeom prst="straightConnector1">
             <a:avLst/>
@@ -4405,15 +4403,14 @@
           </p:cNvPr>
           <p:cNvCxnSpPr>
             <a:cxnSpLocks/>
-            <a:stCxn id="26" idx="1"/>
             <a:endCxn id="109" idx="1"/>
           </p:cNvCxnSpPr>
           <p:nvPr/>
         </p:nvCxnSpPr>
         <p:spPr>
-          <a:xfrm>
-            <a:off x="6192257" y="2985215"/>
-            <a:ext cx="290766" cy="3811"/>
+          <a:xfrm flipV="1">
+            <a:off x="6192256" y="3329831"/>
+            <a:ext cx="283553" cy="6198"/>
           </a:xfrm>
           <a:prstGeom prst="straightConnector1">
             <a:avLst/>
@@ -4458,7 +4455,7 @@
         </p:nvSpPr>
         <p:spPr>
           <a:xfrm>
-            <a:off x="6481002" y="2007311"/>
+            <a:off x="6481002" y="2762046"/>
             <a:ext cx="396543" cy="287121"/>
           </a:xfrm>
           <a:prstGeom prst="rect">
@@ -4514,7 +4511,7 @@
         </p:nvSpPr>
         <p:spPr>
           <a:xfrm>
-            <a:off x="6483023" y="2845466"/>
+            <a:off x="6475809" y="3186271"/>
             <a:ext cx="396543" cy="287120"/>
           </a:xfrm>
           <a:prstGeom prst="rect">
@@ -4573,7 +4570,7 @@
         </p:nvSpPr>
         <p:spPr>
           <a:xfrm>
-            <a:off x="7241251" y="2543086"/>
+            <a:off x="7241251" y="2804339"/>
             <a:ext cx="1806706" cy="652314"/>
           </a:xfrm>
           <a:prstGeom prst="roundRect">
@@ -4602,7 +4599,7 @@
           <a:p>
             <a:pPr algn="ctr"/>
             <a:r>
-              <a:rPr lang="en-US" sz="1600" dirty="0"/>
+              <a:rPr lang="en-US" dirty="0"/>
               <a:t>Merge Labels</a:t>
             </a:r>
           </a:p>
@@ -4679,13 +4676,14 @@
           <p:cNvCxnSpPr>
             <a:cxnSpLocks/>
             <a:stCxn id="130" idx="2"/>
+            <a:endCxn id="163" idx="0"/>
           </p:cNvCxnSpPr>
           <p:nvPr/>
         </p:nvCxnSpPr>
         <p:spPr>
           <a:xfrm>
-            <a:off x="8144604" y="3195400"/>
-            <a:ext cx="7312" cy="374445"/>
+            <a:off x="8144604" y="3456653"/>
+            <a:ext cx="1565" cy="207907"/>
           </a:xfrm>
           <a:prstGeom prst="straightConnector1">
             <a:avLst/>
@@ -4730,7 +4728,7 @@
         </p:nvSpPr>
         <p:spPr>
           <a:xfrm>
-            <a:off x="7401764" y="3562961"/>
+            <a:off x="7372736" y="3664560"/>
             <a:ext cx="1546866" cy="376773"/>
           </a:xfrm>
           <a:prstGeom prst="rect">
@@ -4758,8 +4756,12 @@
           <a:p>
             <a:pPr algn="ctr"/>
             <a:r>
+              <a:rPr lang="en-US" dirty="0"/>
+              <a:t>Final Output</a:t>
+            </a:r>
+            <a:r>
               <a:rPr lang="en-US" sz="1600" dirty="0"/>
-              <a:t>Final Output: </a:t>
+              <a:t>: </a:t>
             </a:r>
             <a:r>
               <a:rPr lang="en-US" sz="1600" i="1" dirty="0">
@@ -4794,8 +4796,8 @@
         </p:nvCxnSpPr>
         <p:spPr>
           <a:xfrm>
-            <a:off x="5084169" y="1530488"/>
-            <a:ext cx="0" cy="227552"/>
+            <a:off x="5083550" y="1965910"/>
+            <a:ext cx="619" cy="269286"/>
           </a:xfrm>
           <a:prstGeom prst="straightConnector1">
             <a:avLst/>
@@ -4999,10 +5001,10 @@
       </p:sp>
       <p:sp>
         <p:nvSpPr>
-          <p:cNvPr id="26" name="Card 25">
-            <a:extLst>
-              <a:ext uri="{FF2B5EF4-FFF2-40B4-BE49-F238E27FC236}">
-                <a16:creationId xmlns:a16="http://schemas.microsoft.com/office/drawing/2014/main" id="{147CD16F-9C36-9DF2-18AD-839F567A9C49}"/>
+          <p:cNvPr id="29" name="Rounded Rectangle 28">
+            <a:extLst>
+              <a:ext uri="{FF2B5EF4-FFF2-40B4-BE49-F238E27FC236}">
+                <a16:creationId xmlns:a16="http://schemas.microsoft.com/office/drawing/2014/main" id="{1FD9ED6A-15C4-8873-C8D1-4FC3EB3926C8}"/>
               </a:ext>
             </a:extLst>
           </p:cNvPr>
@@ -5010,69 +5012,9 @@
           <p:nvPr/>
         </p:nvSpPr>
         <p:spPr>
-          <a:xfrm flipH="1">
-            <a:off x="3901672" y="2546418"/>
-            <a:ext cx="2290585" cy="877594"/>
-          </a:xfrm>
-          <a:prstGeom prst="flowChartPunchedCard">
-            <a:avLst/>
-          </a:prstGeom>
-          <a:solidFill>
-            <a:schemeClr val="bg1"/>
-          </a:solidFill>
-          <a:ln w="41275">
-            <a:solidFill>
-              <a:schemeClr val="tx1"/>
-            </a:solidFill>
-          </a:ln>
-          <a:effectLst/>
-        </p:spPr>
-        <p:style>
-          <a:lnRef idx="1">
-            <a:schemeClr val="accent1"/>
-          </a:lnRef>
-          <a:fillRef idx="3">
-            <a:schemeClr val="accent1"/>
-          </a:fillRef>
-          <a:effectRef idx="2">
-            <a:schemeClr val="accent1"/>
-          </a:effectRef>
-          <a:fontRef idx="minor">
-            <a:schemeClr val="lt1"/>
-          </a:fontRef>
-        </p:style>
-        <p:txBody>
-          <a:bodyPr rtlCol="0" anchor="ctr"/>
-          <a:lstStyle/>
-          <a:p>
-            <a:pPr algn="ctr"/>
-            <a:r>
-              <a:rPr lang="en-US" sz="1600" dirty="0">
-                <a:solidFill>
-                  <a:schemeClr val="tx1"/>
-                </a:solidFill>
-              </a:rPr>
-              <a:t>Original Implementation + HAPV</a:t>
-            </a:r>
-          </a:p>
-        </p:txBody>
-      </p:sp>
-      <p:sp>
-        <p:nvSpPr>
-          <p:cNvPr id="29" name="Rounded Rectangle 28">
-            <a:extLst>
-              <a:ext uri="{FF2B5EF4-FFF2-40B4-BE49-F238E27FC236}">
-                <a16:creationId xmlns:a16="http://schemas.microsoft.com/office/drawing/2014/main" id="{1FD9ED6A-15C4-8873-C8D1-4FC3EB3926C8}"/>
-              </a:ext>
-            </a:extLst>
-          </p:cNvPr>
-          <p:cNvSpPr/>
-          <p:nvPr/>
-        </p:nvSpPr>
-        <p:spPr>
-          <a:xfrm>
-            <a:off x="3236369" y="1758040"/>
-            <a:ext cx="3695599" cy="2229886"/>
+          <a:xfrm>
+            <a:off x="3236369" y="2235196"/>
+            <a:ext cx="3695599" cy="1792514"/>
           </a:xfrm>
           <a:prstGeom prst="roundRect">
             <a:avLst>
@@ -5113,10 +5055,10 @@
       </p:sp>
       <p:sp>
         <p:nvSpPr>
-          <p:cNvPr id="30" name="Oval 29">
-            <a:extLst>
-              <a:ext uri="{FF2B5EF4-FFF2-40B4-BE49-F238E27FC236}">
-                <a16:creationId xmlns:a16="http://schemas.microsoft.com/office/drawing/2014/main" id="{96AD71AB-9D65-9B06-B5BB-28CE15E7B43A}"/>
+          <p:cNvPr id="40" name="Rounded Rectangle 39">
+            <a:extLst>
+              <a:ext uri="{FF2B5EF4-FFF2-40B4-BE49-F238E27FC236}">
+                <a16:creationId xmlns:a16="http://schemas.microsoft.com/office/drawing/2014/main" id="{D256122A-BACC-C29E-B6B3-27D574AC4212}"/>
               </a:ext>
             </a:extLst>
           </p:cNvPr>
@@ -5125,7 +5067,110 @@
         </p:nvSpPr>
         <p:spPr>
           <a:xfrm>
-            <a:off x="5024227" y="3538360"/>
+            <a:off x="1217849" y="1717847"/>
+            <a:ext cx="1778397" cy="2310272"/>
+          </a:xfrm>
+          <a:prstGeom prst="roundRect">
+            <a:avLst>
+              <a:gd name="adj" fmla="val 9500"/>
+            </a:avLst>
+          </a:prstGeom>
+          <a:noFill/>
+          <a:ln w="38100">
+            <a:solidFill>
+              <a:schemeClr val="tx1"/>
+            </a:solidFill>
+          </a:ln>
+        </p:spPr>
+        <p:style>
+          <a:lnRef idx="2">
+            <a:schemeClr val="accent1">
+              <a:shade val="15000"/>
+            </a:schemeClr>
+          </a:lnRef>
+          <a:fillRef idx="1">
+            <a:schemeClr val="accent1"/>
+          </a:fillRef>
+          <a:effectRef idx="0">
+            <a:schemeClr val="accent1"/>
+          </a:effectRef>
+          <a:fontRef idx="minor">
+            <a:schemeClr val="lt1"/>
+          </a:fontRef>
+        </p:style>
+        <p:txBody>
+          <a:bodyPr rtlCol="0" anchor="ctr"/>
+          <a:lstStyle/>
+          <a:p>
+            <a:pPr algn="ctr"/>
+            <a:endParaRPr lang="en-US"/>
+          </a:p>
+        </p:txBody>
+      </p:sp>
+      <p:cxnSp>
+        <p:nvCxnSpPr>
+          <p:cNvPr id="42" name="Elbow Connector 41">
+            <a:extLst>
+              <a:ext uri="{FF2B5EF4-FFF2-40B4-BE49-F238E27FC236}">
+                <a16:creationId xmlns:a16="http://schemas.microsoft.com/office/drawing/2014/main" id="{CA121573-0A75-99EA-E2F9-1625E2CCB30F}"/>
+              </a:ext>
+            </a:extLst>
+          </p:cNvPr>
+          <p:cNvCxnSpPr>
+            <a:cxnSpLocks/>
+            <a:stCxn id="40" idx="0"/>
+            <a:endCxn id="34" idx="1"/>
+          </p:cNvCxnSpPr>
+          <p:nvPr/>
+        </p:nvCxnSpPr>
+        <p:spPr>
+          <a:xfrm rot="5400000" flipH="1" flipV="1">
+            <a:off x="2698120" y="968823"/>
+            <a:ext cx="157952" cy="1340097"/>
+          </a:xfrm>
+          <a:prstGeom prst="bentConnector2">
+            <a:avLst/>
+          </a:prstGeom>
+          <a:ln w="38100" cap="flat" cmpd="sng" algn="ctr">
+            <a:solidFill>
+              <a:schemeClr val="dk1"/>
+            </a:solidFill>
+            <a:prstDash val="solid"/>
+            <a:round/>
+            <a:headEnd type="none" w="med" len="med"/>
+            <a:tailEnd type="arrow" w="med" len="med"/>
+          </a:ln>
+        </p:spPr>
+        <p:style>
+          <a:lnRef idx="0">
+            <a:scrgbClr r="0" g="0" b="0"/>
+          </a:lnRef>
+          <a:fillRef idx="0">
+            <a:scrgbClr r="0" g="0" b="0"/>
+          </a:fillRef>
+          <a:effectRef idx="0">
+            <a:scrgbClr r="0" g="0" b="0"/>
+          </a:effectRef>
+          <a:fontRef idx="minor">
+            <a:schemeClr val="tx1"/>
+          </a:fontRef>
+        </p:style>
+      </p:cxnSp>
+      <p:sp>
+        <p:nvSpPr>
+          <p:cNvPr id="66" name="Oval 65">
+            <a:extLst>
+              <a:ext uri="{FF2B5EF4-FFF2-40B4-BE49-F238E27FC236}">
+                <a16:creationId xmlns:a16="http://schemas.microsoft.com/office/drawing/2014/main" id="{EB4E1C0D-A1C6-E2BA-86AA-FC52C3177A8A}"/>
+              </a:ext>
+            </a:extLst>
+          </p:cNvPr>
+          <p:cNvSpPr/>
+          <p:nvPr/>
+        </p:nvSpPr>
+        <p:spPr>
+          <a:xfrm>
+            <a:off x="6628584" y="3551220"/>
             <a:ext cx="86952" cy="86952"/>
           </a:xfrm>
           <a:prstGeom prst="ellipse">
@@ -5165,10 +5210,10 @@
       </p:sp>
       <p:sp>
         <p:nvSpPr>
-          <p:cNvPr id="31" name="Oval 30">
-            <a:extLst>
-              <a:ext uri="{FF2B5EF4-FFF2-40B4-BE49-F238E27FC236}">
-                <a16:creationId xmlns:a16="http://schemas.microsoft.com/office/drawing/2014/main" id="{ED24C483-57D6-0E5B-BA50-5D3E9F86E964}"/>
+          <p:cNvPr id="67" name="Oval 66">
+            <a:extLst>
+              <a:ext uri="{FF2B5EF4-FFF2-40B4-BE49-F238E27FC236}">
+                <a16:creationId xmlns:a16="http://schemas.microsoft.com/office/drawing/2014/main" id="{9B4650EB-9FBF-48A1-0F25-7720BDF48A26}"/>
               </a:ext>
             </a:extLst>
           </p:cNvPr>
@@ -5177,214 +5222,7 @@
         </p:nvSpPr>
         <p:spPr>
           <a:xfrm>
-            <a:off x="5024227" y="3687124"/>
-            <a:ext cx="86952" cy="86952"/>
-          </a:xfrm>
-          <a:prstGeom prst="ellipse">
-            <a:avLst/>
-          </a:prstGeom>
-          <a:solidFill>
-            <a:schemeClr val="tx1"/>
-          </a:solidFill>
-          <a:ln>
-            <a:noFill/>
-          </a:ln>
-        </p:spPr>
-        <p:style>
-          <a:lnRef idx="2">
-            <a:schemeClr val="dk1">
-              <a:shade val="15000"/>
-            </a:schemeClr>
-          </a:lnRef>
-          <a:fillRef idx="1">
-            <a:schemeClr val="dk1"/>
-          </a:fillRef>
-          <a:effectRef idx="0">
-            <a:schemeClr val="dk1"/>
-          </a:effectRef>
-          <a:fontRef idx="minor">
-            <a:schemeClr val="lt1"/>
-          </a:fontRef>
-        </p:style>
-        <p:txBody>
-          <a:bodyPr rtlCol="0" anchor="ctr"/>
-          <a:lstStyle/>
-          <a:p>
-            <a:pPr algn="ctr"/>
-            <a:endParaRPr lang="en-US"/>
-          </a:p>
-        </p:txBody>
-      </p:sp>
-      <p:sp>
-        <p:nvSpPr>
-          <p:cNvPr id="40" name="Rounded Rectangle 39">
-            <a:extLst>
-              <a:ext uri="{FF2B5EF4-FFF2-40B4-BE49-F238E27FC236}">
-                <a16:creationId xmlns:a16="http://schemas.microsoft.com/office/drawing/2014/main" id="{D256122A-BACC-C29E-B6B3-27D574AC4212}"/>
-              </a:ext>
-            </a:extLst>
-          </p:cNvPr>
-          <p:cNvSpPr/>
-          <p:nvPr/>
-        </p:nvSpPr>
-        <p:spPr>
-          <a:xfrm>
-            <a:off x="1288438" y="1717847"/>
-            <a:ext cx="1647709" cy="2310272"/>
-          </a:xfrm>
-          <a:prstGeom prst="roundRect">
-            <a:avLst>
-              <a:gd name="adj" fmla="val 9500"/>
-            </a:avLst>
-          </a:prstGeom>
-          <a:noFill/>
-          <a:ln w="38100">
-            <a:solidFill>
-              <a:schemeClr val="tx1"/>
-            </a:solidFill>
-          </a:ln>
-        </p:spPr>
-        <p:style>
-          <a:lnRef idx="2">
-            <a:schemeClr val="accent1">
-              <a:shade val="15000"/>
-            </a:schemeClr>
-          </a:lnRef>
-          <a:fillRef idx="1">
-            <a:schemeClr val="accent1"/>
-          </a:fillRef>
-          <a:effectRef idx="0">
-            <a:schemeClr val="accent1"/>
-          </a:effectRef>
-          <a:fontRef idx="minor">
-            <a:schemeClr val="lt1"/>
-          </a:fontRef>
-        </p:style>
-        <p:txBody>
-          <a:bodyPr rtlCol="0" anchor="ctr"/>
-          <a:lstStyle/>
-          <a:p>
-            <a:pPr algn="ctr"/>
-            <a:endParaRPr lang="en-US"/>
-          </a:p>
-        </p:txBody>
-      </p:sp>
-      <p:cxnSp>
-        <p:nvCxnSpPr>
-          <p:cNvPr id="42" name="Elbow Connector 41">
-            <a:extLst>
-              <a:ext uri="{FF2B5EF4-FFF2-40B4-BE49-F238E27FC236}">
-                <a16:creationId xmlns:a16="http://schemas.microsoft.com/office/drawing/2014/main" id="{CA121573-0A75-99EA-E2F9-1625E2CCB30F}"/>
-              </a:ext>
-            </a:extLst>
-          </p:cNvPr>
-          <p:cNvCxnSpPr>
-            <a:cxnSpLocks/>
-            <a:stCxn id="40" idx="0"/>
-            <a:endCxn id="34" idx="1"/>
-          </p:cNvCxnSpPr>
-          <p:nvPr/>
-        </p:nvCxnSpPr>
-        <p:spPr>
-          <a:xfrm rot="5400000" flipH="1" flipV="1">
-            <a:off x="2781072" y="515570"/>
-            <a:ext cx="533498" cy="1871056"/>
-          </a:xfrm>
-          <a:prstGeom prst="bentConnector2">
-            <a:avLst/>
-          </a:prstGeom>
-          <a:ln w="38100" cap="flat" cmpd="sng" algn="ctr">
-            <a:solidFill>
-              <a:schemeClr val="dk1"/>
-            </a:solidFill>
-            <a:prstDash val="solid"/>
-            <a:round/>
-            <a:headEnd type="none" w="med" len="med"/>
-            <a:tailEnd type="arrow" w="med" len="med"/>
-          </a:ln>
-        </p:spPr>
-        <p:style>
-          <a:lnRef idx="0">
-            <a:scrgbClr r="0" g="0" b="0"/>
-          </a:lnRef>
-          <a:fillRef idx="0">
-            <a:scrgbClr r="0" g="0" b="0"/>
-          </a:fillRef>
-          <a:effectRef idx="0">
-            <a:scrgbClr r="0" g="0" b="0"/>
-          </a:effectRef>
-          <a:fontRef idx="minor">
-            <a:schemeClr val="tx1"/>
-          </a:fontRef>
-        </p:style>
-      </p:cxnSp>
-      <p:sp>
-        <p:nvSpPr>
-          <p:cNvPr id="66" name="Oval 65">
-            <a:extLst>
-              <a:ext uri="{FF2B5EF4-FFF2-40B4-BE49-F238E27FC236}">
-                <a16:creationId xmlns:a16="http://schemas.microsoft.com/office/drawing/2014/main" id="{EB4E1C0D-A1C6-E2BA-86AA-FC52C3177A8A}"/>
-              </a:ext>
-            </a:extLst>
-          </p:cNvPr>
-          <p:cNvSpPr/>
-          <p:nvPr/>
-        </p:nvSpPr>
-        <p:spPr>
-          <a:xfrm>
-            <a:off x="6635798" y="3275728"/>
-            <a:ext cx="86952" cy="86952"/>
-          </a:xfrm>
-          <a:prstGeom prst="ellipse">
-            <a:avLst/>
-          </a:prstGeom>
-          <a:solidFill>
-            <a:schemeClr val="tx1"/>
-          </a:solidFill>
-          <a:ln>
-            <a:noFill/>
-          </a:ln>
-        </p:spPr>
-        <p:style>
-          <a:lnRef idx="2">
-            <a:schemeClr val="dk1">
-              <a:shade val="15000"/>
-            </a:schemeClr>
-          </a:lnRef>
-          <a:fillRef idx="1">
-            <a:schemeClr val="dk1"/>
-          </a:fillRef>
-          <a:effectRef idx="0">
-            <a:schemeClr val="dk1"/>
-          </a:effectRef>
-          <a:fontRef idx="minor">
-            <a:schemeClr val="lt1"/>
-          </a:fontRef>
-        </p:style>
-        <p:txBody>
-          <a:bodyPr rtlCol="0" anchor="ctr"/>
-          <a:lstStyle/>
-          <a:p>
-            <a:pPr algn="ctr"/>
-            <a:endParaRPr lang="en-US"/>
-          </a:p>
-        </p:txBody>
-      </p:sp>
-      <p:sp>
-        <p:nvSpPr>
-          <p:cNvPr id="67" name="Oval 66">
-            <a:extLst>
-              <a:ext uri="{FF2B5EF4-FFF2-40B4-BE49-F238E27FC236}">
-                <a16:creationId xmlns:a16="http://schemas.microsoft.com/office/drawing/2014/main" id="{9B4650EB-9FBF-48A1-0F25-7720BDF48A26}"/>
-              </a:ext>
-            </a:extLst>
-          </p:cNvPr>
-          <p:cNvSpPr/>
-          <p:nvPr/>
-        </p:nvSpPr>
-        <p:spPr>
-          <a:xfrm>
-            <a:off x="6635798" y="3424492"/>
+            <a:off x="6628584" y="3699984"/>
             <a:ext cx="86952" cy="86952"/>
           </a:xfrm>
           <a:prstGeom prst="ellipse">
@@ -5738,10 +5576,10 @@
       </p:sp>
       <p:sp>
         <p:nvSpPr>
-          <p:cNvPr id="37" name="Oval 36">
-            <a:extLst>
-              <a:ext uri="{FF2B5EF4-FFF2-40B4-BE49-F238E27FC236}">
-                <a16:creationId xmlns:a16="http://schemas.microsoft.com/office/drawing/2014/main" id="{2FF917EA-832F-73AE-5702-AF5265C4A28C}"/>
+          <p:cNvPr id="38" name="Oval 37">
+            <a:extLst>
+              <a:ext uri="{FF2B5EF4-FFF2-40B4-BE49-F238E27FC236}">
+                <a16:creationId xmlns:a16="http://schemas.microsoft.com/office/drawing/2014/main" id="{1CCCD681-59BE-56F9-5DD8-3394BDD8141E}"/>
               </a:ext>
             </a:extLst>
           </p:cNvPr>
@@ -5750,7 +5588,7 @@
         </p:nvSpPr>
         <p:spPr>
           <a:xfrm>
-            <a:off x="5024227" y="3834175"/>
+            <a:off x="6628584" y="3849826"/>
             <a:ext cx="86952" cy="86952"/>
           </a:xfrm>
           <a:prstGeom prst="ellipse">
@@ -5790,10 +5628,95 @@
       </p:sp>
       <p:sp>
         <p:nvSpPr>
-          <p:cNvPr id="38" name="Oval 37">
-            <a:extLst>
-              <a:ext uri="{FF2B5EF4-FFF2-40B4-BE49-F238E27FC236}">
-                <a16:creationId xmlns:a16="http://schemas.microsoft.com/office/drawing/2014/main" id="{1CCCD681-59BE-56F9-5DD8-3394BDD8141E}"/>
+          <p:cNvPr id="55" name="TextBox 54">
+            <a:extLst>
+              <a:ext uri="{FF2B5EF4-FFF2-40B4-BE49-F238E27FC236}">
+                <a16:creationId xmlns:a16="http://schemas.microsoft.com/office/drawing/2014/main" id="{CA0053DF-C039-334E-4299-E9AC4AC74578}"/>
+              </a:ext>
+            </a:extLst>
+          </p:cNvPr>
+          <p:cNvSpPr txBox="1"/>
+          <p:nvPr/>
+        </p:nvSpPr>
+        <p:spPr>
+          <a:xfrm>
+            <a:off x="1173839" y="1729517"/>
+            <a:ext cx="1871056" cy="369332"/>
+          </a:xfrm>
+          <a:prstGeom prst="rect">
+            <a:avLst/>
+          </a:prstGeom>
+          <a:noFill/>
+        </p:spPr>
+        <p:txBody>
+          <a:bodyPr wrap="square">
+            <a:spAutoFit/>
+          </a:bodyPr>
+          <a:lstStyle/>
+          <a:p>
+            <a:pPr algn="ctr"/>
+            <a:r>
+              <a:rPr lang="en-US" dirty="0"/>
+              <a:t>Sub-sampling</a:t>
+            </a:r>
+          </a:p>
+        </p:txBody>
+      </p:sp>
+      <p:cxnSp>
+        <p:nvCxnSpPr>
+          <p:cNvPr id="60" name="Straight Arrow Connector 59">
+            <a:extLst>
+              <a:ext uri="{FF2B5EF4-FFF2-40B4-BE49-F238E27FC236}">
+                <a16:creationId xmlns:a16="http://schemas.microsoft.com/office/drawing/2014/main" id="{AF4BAE28-FFB4-5081-7C7B-74D687B328BF}"/>
+              </a:ext>
+            </a:extLst>
+          </p:cNvPr>
+          <p:cNvCxnSpPr>
+            <a:cxnSpLocks/>
+            <a:endCxn id="29" idx="1"/>
+          </p:cNvCxnSpPr>
+          <p:nvPr/>
+        </p:nvCxnSpPr>
+        <p:spPr>
+          <a:xfrm>
+            <a:off x="2996246" y="3131453"/>
+            <a:ext cx="240123" cy="0"/>
+          </a:xfrm>
+          <a:prstGeom prst="straightConnector1">
+            <a:avLst/>
+          </a:prstGeom>
+          <a:ln w="38100" cap="flat" cmpd="sng" algn="ctr">
+            <a:solidFill>
+              <a:schemeClr val="tx1"/>
+            </a:solidFill>
+            <a:prstDash val="solid"/>
+            <a:round/>
+            <a:headEnd type="none" w="med" len="med"/>
+            <a:tailEnd type="arrow" w="med" len="med"/>
+          </a:ln>
+          <a:effectLst/>
+        </p:spPr>
+        <p:style>
+          <a:lnRef idx="2">
+            <a:schemeClr val="accent1"/>
+          </a:lnRef>
+          <a:fillRef idx="0">
+            <a:schemeClr val="accent1"/>
+          </a:fillRef>
+          <a:effectRef idx="1">
+            <a:schemeClr val="accent1"/>
+          </a:effectRef>
+          <a:fontRef idx="minor">
+            <a:schemeClr val="tx1"/>
+          </a:fontRef>
+        </p:style>
+      </p:cxnSp>
+      <p:sp>
+        <p:nvSpPr>
+          <p:cNvPr id="65" name="Oval 64">
+            <a:extLst>
+              <a:ext uri="{FF2B5EF4-FFF2-40B4-BE49-F238E27FC236}">
+                <a16:creationId xmlns:a16="http://schemas.microsoft.com/office/drawing/2014/main" id="{DB3ECC1A-1B1A-7D2E-67E0-1D1984F69952}"/>
               </a:ext>
             </a:extLst>
           </p:cNvPr>
@@ -5802,8 +5725,8 @@
         </p:nvSpPr>
         <p:spPr>
           <a:xfrm>
-            <a:off x="6635798" y="3574334"/>
-            <a:ext cx="86952" cy="86952"/>
+            <a:off x="1682301" y="2905031"/>
+            <a:ext cx="73705" cy="73705"/>
           </a:xfrm>
           <a:prstGeom prst="ellipse">
             <a:avLst/>
@@ -5842,101 +5765,10 @@
       </p:sp>
       <p:sp>
         <p:nvSpPr>
-          <p:cNvPr id="55" name="TextBox 54">
-            <a:extLst>
-              <a:ext uri="{FF2B5EF4-FFF2-40B4-BE49-F238E27FC236}">
-                <a16:creationId xmlns:a16="http://schemas.microsoft.com/office/drawing/2014/main" id="{CA0053DF-C039-334E-4299-E9AC4AC74578}"/>
-              </a:ext>
-            </a:extLst>
-          </p:cNvPr>
-          <p:cNvSpPr txBox="1"/>
-          <p:nvPr/>
-        </p:nvSpPr>
-        <p:spPr>
-          <a:xfrm>
-            <a:off x="1233825" y="1729517"/>
-            <a:ext cx="1758950" cy="400110"/>
-          </a:xfrm>
-          <a:prstGeom prst="rect">
-            <a:avLst/>
-          </a:prstGeom>
-          <a:noFill/>
-        </p:spPr>
-        <p:txBody>
-          <a:bodyPr wrap="square">
-            <a:spAutoFit/>
-          </a:bodyPr>
-          <a:lstStyle/>
-          <a:p>
-            <a:pPr algn="ctr"/>
-            <a:r>
-              <a:rPr lang="en-US" sz="2000" dirty="0">
-                <a:solidFill>
-                  <a:schemeClr val="tx1"/>
-                </a:solidFill>
-              </a:rPr>
-              <a:t>Sub-Sampling</a:t>
-            </a:r>
-            <a:endParaRPr lang="en-US" sz="2000" dirty="0"/>
-          </a:p>
-        </p:txBody>
-      </p:sp>
-      <p:cxnSp>
-        <p:nvCxnSpPr>
-          <p:cNvPr id="60" name="Straight Arrow Connector 59">
-            <a:extLst>
-              <a:ext uri="{FF2B5EF4-FFF2-40B4-BE49-F238E27FC236}">
-                <a16:creationId xmlns:a16="http://schemas.microsoft.com/office/drawing/2014/main" id="{AF4BAE28-FFB4-5081-7C7B-74D687B328BF}"/>
-              </a:ext>
-            </a:extLst>
-          </p:cNvPr>
-          <p:cNvCxnSpPr>
-            <a:cxnSpLocks/>
-            <a:stCxn id="40" idx="3"/>
-            <a:endCxn id="29" idx="1"/>
-          </p:cNvCxnSpPr>
-          <p:nvPr/>
-        </p:nvCxnSpPr>
-        <p:spPr>
-          <a:xfrm>
-            <a:off x="2936147" y="2872983"/>
-            <a:ext cx="300222" cy="0"/>
-          </a:xfrm>
-          <a:prstGeom prst="straightConnector1">
-            <a:avLst/>
-          </a:prstGeom>
-          <a:ln w="38100" cap="flat" cmpd="sng" algn="ctr">
-            <a:solidFill>
-              <a:schemeClr val="tx1"/>
-            </a:solidFill>
-            <a:prstDash val="solid"/>
-            <a:round/>
-            <a:headEnd type="none" w="med" len="med"/>
-            <a:tailEnd type="arrow" w="med" len="med"/>
-          </a:ln>
-          <a:effectLst/>
-        </p:spPr>
-        <p:style>
-          <a:lnRef idx="2">
-            <a:schemeClr val="accent1"/>
-          </a:lnRef>
-          <a:fillRef idx="0">
-            <a:schemeClr val="accent1"/>
-          </a:fillRef>
-          <a:effectRef idx="1">
-            <a:schemeClr val="accent1"/>
-          </a:effectRef>
-          <a:fontRef idx="minor">
-            <a:schemeClr val="tx1"/>
-          </a:fontRef>
-        </p:style>
-      </p:cxnSp>
-      <p:sp>
-        <p:nvSpPr>
-          <p:cNvPr id="65" name="Oval 64">
-            <a:extLst>
-              <a:ext uri="{FF2B5EF4-FFF2-40B4-BE49-F238E27FC236}">
-                <a16:creationId xmlns:a16="http://schemas.microsoft.com/office/drawing/2014/main" id="{DB3ECC1A-1B1A-7D2E-67E0-1D1984F69952}"/>
+          <p:cNvPr id="68" name="Oval 67">
+            <a:extLst>
+              <a:ext uri="{FF2B5EF4-FFF2-40B4-BE49-F238E27FC236}">
+                <a16:creationId xmlns:a16="http://schemas.microsoft.com/office/drawing/2014/main" id="{9215B496-7EBE-7700-D1A9-FFC6D66EB6E2}"/>
               </a:ext>
             </a:extLst>
           </p:cNvPr>
@@ -5945,7 +5777,7 @@
         </p:nvSpPr>
         <p:spPr>
           <a:xfrm>
-            <a:off x="1682301" y="2905031"/>
+            <a:off x="1680879" y="3006098"/>
             <a:ext cx="73705" cy="73705"/>
           </a:xfrm>
           <a:prstGeom prst="ellipse">
@@ -5985,10 +5817,10 @@
       </p:sp>
       <p:sp>
         <p:nvSpPr>
-          <p:cNvPr id="68" name="Oval 67">
-            <a:extLst>
-              <a:ext uri="{FF2B5EF4-FFF2-40B4-BE49-F238E27FC236}">
-                <a16:creationId xmlns:a16="http://schemas.microsoft.com/office/drawing/2014/main" id="{9215B496-7EBE-7700-D1A9-FFC6D66EB6E2}"/>
+          <p:cNvPr id="74" name="Rectangle 73">
+            <a:extLst>
+              <a:ext uri="{FF2B5EF4-FFF2-40B4-BE49-F238E27FC236}">
+                <a16:creationId xmlns:a16="http://schemas.microsoft.com/office/drawing/2014/main" id="{32E74FCA-C546-78DD-492D-28C008CEF148}"/>
               </a:ext>
             </a:extLst>
           </p:cNvPr>
@@ -5997,8 +5829,114 @@
         </p:nvSpPr>
         <p:spPr>
           <a:xfrm>
-            <a:off x="1680879" y="3006098"/>
-            <a:ext cx="73705" cy="73705"/>
+            <a:off x="3300902" y="2754348"/>
+            <a:ext cx="396543" cy="287121"/>
+          </a:xfrm>
+          <a:prstGeom prst="rect">
+            <a:avLst/>
+          </a:prstGeom>
+          <a:noFill/>
+        </p:spPr>
+        <p:style>
+          <a:lnRef idx="2">
+            <a:schemeClr val="dk1"/>
+          </a:lnRef>
+          <a:fillRef idx="1">
+            <a:schemeClr val="lt1"/>
+          </a:fillRef>
+          <a:effectRef idx="0">
+            <a:schemeClr val="dk1"/>
+          </a:effectRef>
+          <a:fontRef idx="minor">
+            <a:schemeClr val="dk1"/>
+          </a:fontRef>
+        </p:style>
+        <p:txBody>
+          <a:bodyPr rtlCol="0" anchor="ctr"/>
+          <a:lstStyle/>
+          <a:p>
+            <a:pPr algn="ctr"/>
+            <a:r>
+              <a:rPr lang="en-US" sz="1600" dirty="0"/>
+              <a:t>S</a:t>
+            </a:r>
+            <a:r>
+              <a:rPr lang="en-US" sz="1600" baseline="-25000" dirty="0"/>
+              <a:t>1</a:t>
+            </a:r>
+            <a:endParaRPr lang="en-US" sz="1600" dirty="0"/>
+          </a:p>
+        </p:txBody>
+      </p:sp>
+      <p:sp>
+        <p:nvSpPr>
+          <p:cNvPr id="75" name="Rectangle 74">
+            <a:extLst>
+              <a:ext uri="{FF2B5EF4-FFF2-40B4-BE49-F238E27FC236}">
+                <a16:creationId xmlns:a16="http://schemas.microsoft.com/office/drawing/2014/main" id="{261AC2B2-787C-3F02-B2B3-4FEB5BDD41F5}"/>
+              </a:ext>
+            </a:extLst>
+          </p:cNvPr>
+          <p:cNvSpPr/>
+          <p:nvPr/>
+        </p:nvSpPr>
+        <p:spPr>
+          <a:xfrm>
+            <a:off x="3284994" y="3191804"/>
+            <a:ext cx="396543" cy="287120"/>
+          </a:xfrm>
+          <a:prstGeom prst="rect">
+            <a:avLst/>
+          </a:prstGeom>
+          <a:noFill/>
+        </p:spPr>
+        <p:style>
+          <a:lnRef idx="2">
+            <a:schemeClr val="dk1"/>
+          </a:lnRef>
+          <a:fillRef idx="1">
+            <a:schemeClr val="lt1"/>
+          </a:fillRef>
+          <a:effectRef idx="0">
+            <a:schemeClr val="dk1"/>
+          </a:effectRef>
+          <a:fontRef idx="minor">
+            <a:schemeClr val="dk1"/>
+          </a:fontRef>
+        </p:style>
+        <p:txBody>
+          <a:bodyPr rtlCol="0" anchor="ctr"/>
+          <a:lstStyle/>
+          <a:p>
+            <a:pPr algn="ctr"/>
+            <a:r>
+              <a:rPr lang="en-US" sz="1600" dirty="0"/>
+              <a:t>S</a:t>
+            </a:r>
+            <a:r>
+              <a:rPr lang="en-US" sz="1600" baseline="-25000" dirty="0"/>
+              <a:t>2</a:t>
+            </a:r>
+            <a:endParaRPr lang="en-US" sz="1600" dirty="0"/>
+          </a:p>
+        </p:txBody>
+      </p:sp>
+      <p:sp>
+        <p:nvSpPr>
+          <p:cNvPr id="79" name="Oval 78">
+            <a:extLst>
+              <a:ext uri="{FF2B5EF4-FFF2-40B4-BE49-F238E27FC236}">
+                <a16:creationId xmlns:a16="http://schemas.microsoft.com/office/drawing/2014/main" id="{31947C02-1DEA-7056-5EE0-9790510879EF}"/>
+              </a:ext>
+            </a:extLst>
+          </p:cNvPr>
+          <p:cNvSpPr/>
+          <p:nvPr/>
+        </p:nvSpPr>
+        <p:spPr>
+          <a:xfrm>
+            <a:off x="3453732" y="3561951"/>
+            <a:ext cx="86952" cy="86952"/>
           </a:xfrm>
           <a:prstGeom prst="ellipse">
             <a:avLst/>
@@ -6037,10 +5975,10 @@
       </p:sp>
       <p:sp>
         <p:nvSpPr>
-          <p:cNvPr id="74" name="Rectangle 73">
-            <a:extLst>
-              <a:ext uri="{FF2B5EF4-FFF2-40B4-BE49-F238E27FC236}">
-                <a16:creationId xmlns:a16="http://schemas.microsoft.com/office/drawing/2014/main" id="{32E74FCA-C546-78DD-492D-28C008CEF148}"/>
+          <p:cNvPr id="80" name="Oval 79">
+            <a:extLst>
+              <a:ext uri="{FF2B5EF4-FFF2-40B4-BE49-F238E27FC236}">
+                <a16:creationId xmlns:a16="http://schemas.microsoft.com/office/drawing/2014/main" id="{C8DF6845-307E-4B1C-28E2-63B54FB03747}"/>
               </a:ext>
             </a:extLst>
           </p:cNvPr>
@@ -6049,113 +5987,7 @@
         </p:nvSpPr>
         <p:spPr>
           <a:xfrm>
-            <a:off x="3300902" y="1999613"/>
-            <a:ext cx="396543" cy="287121"/>
-          </a:xfrm>
-          <a:prstGeom prst="rect">
-            <a:avLst/>
-          </a:prstGeom>
-          <a:noFill/>
-        </p:spPr>
-        <p:style>
-          <a:lnRef idx="2">
-            <a:schemeClr val="dk1"/>
-          </a:lnRef>
-          <a:fillRef idx="1">
-            <a:schemeClr val="lt1"/>
-          </a:fillRef>
-          <a:effectRef idx="0">
-            <a:schemeClr val="dk1"/>
-          </a:effectRef>
-          <a:fontRef idx="minor">
-            <a:schemeClr val="dk1"/>
-          </a:fontRef>
-        </p:style>
-        <p:txBody>
-          <a:bodyPr rtlCol="0" anchor="ctr"/>
-          <a:lstStyle/>
-          <a:p>
-            <a:pPr algn="ctr"/>
-            <a:r>
-              <a:rPr lang="en-US" sz="1600" dirty="0"/>
-              <a:t>S</a:t>
-            </a:r>
-            <a:r>
-              <a:rPr lang="en-US" sz="1600" baseline="-25000" dirty="0"/>
-              <a:t>1</a:t>
-            </a:r>
-            <a:endParaRPr lang="en-US" sz="1600" dirty="0"/>
-          </a:p>
-        </p:txBody>
-      </p:sp>
-      <p:sp>
-        <p:nvSpPr>
-          <p:cNvPr id="75" name="Rectangle 74">
-            <a:extLst>
-              <a:ext uri="{FF2B5EF4-FFF2-40B4-BE49-F238E27FC236}">
-                <a16:creationId xmlns:a16="http://schemas.microsoft.com/office/drawing/2014/main" id="{261AC2B2-787C-3F02-B2B3-4FEB5BDD41F5}"/>
-              </a:ext>
-            </a:extLst>
-          </p:cNvPr>
-          <p:cNvSpPr/>
-          <p:nvPr/>
-        </p:nvSpPr>
-        <p:spPr>
-          <a:xfrm>
-            <a:off x="3286960" y="2841655"/>
-            <a:ext cx="396543" cy="287120"/>
-          </a:xfrm>
-          <a:prstGeom prst="rect">
-            <a:avLst/>
-          </a:prstGeom>
-          <a:noFill/>
-        </p:spPr>
-        <p:style>
-          <a:lnRef idx="2">
-            <a:schemeClr val="dk1"/>
-          </a:lnRef>
-          <a:fillRef idx="1">
-            <a:schemeClr val="lt1"/>
-          </a:fillRef>
-          <a:effectRef idx="0">
-            <a:schemeClr val="dk1"/>
-          </a:effectRef>
-          <a:fontRef idx="minor">
-            <a:schemeClr val="dk1"/>
-          </a:fontRef>
-        </p:style>
-        <p:txBody>
-          <a:bodyPr rtlCol="0" anchor="ctr"/>
-          <a:lstStyle/>
-          <a:p>
-            <a:pPr algn="ctr"/>
-            <a:r>
-              <a:rPr lang="en-US" sz="1600" dirty="0"/>
-              <a:t>S</a:t>
-            </a:r>
-            <a:r>
-              <a:rPr lang="en-US" sz="1600" baseline="-25000" dirty="0"/>
-              <a:t>2</a:t>
-            </a:r>
-            <a:endParaRPr lang="en-US" sz="1600" dirty="0"/>
-          </a:p>
-        </p:txBody>
-      </p:sp>
-      <p:sp>
-        <p:nvSpPr>
-          <p:cNvPr id="79" name="Oval 78">
-            <a:extLst>
-              <a:ext uri="{FF2B5EF4-FFF2-40B4-BE49-F238E27FC236}">
-                <a16:creationId xmlns:a16="http://schemas.microsoft.com/office/drawing/2014/main" id="{31947C02-1DEA-7056-5EE0-9790510879EF}"/>
-              </a:ext>
-            </a:extLst>
-          </p:cNvPr>
-          <p:cNvSpPr/>
-          <p:nvPr/>
-        </p:nvSpPr>
-        <p:spPr>
-          <a:xfrm>
-            <a:off x="3455698" y="3277115"/>
+            <a:off x="3453732" y="3710715"/>
             <a:ext cx="86952" cy="86952"/>
           </a:xfrm>
           <a:prstGeom prst="ellipse">
@@ -6195,10 +6027,10 @@
       </p:sp>
       <p:sp>
         <p:nvSpPr>
-          <p:cNvPr id="80" name="Oval 79">
-            <a:extLst>
-              <a:ext uri="{FF2B5EF4-FFF2-40B4-BE49-F238E27FC236}">
-                <a16:creationId xmlns:a16="http://schemas.microsoft.com/office/drawing/2014/main" id="{C8DF6845-307E-4B1C-28E2-63B54FB03747}"/>
+          <p:cNvPr id="81" name="Oval 80">
+            <a:extLst>
+              <a:ext uri="{FF2B5EF4-FFF2-40B4-BE49-F238E27FC236}">
+                <a16:creationId xmlns:a16="http://schemas.microsoft.com/office/drawing/2014/main" id="{A3F592AA-8913-2D35-2D25-C4F6AB731DA5}"/>
               </a:ext>
             </a:extLst>
           </p:cNvPr>
@@ -6207,7 +6039,7 @@
         </p:nvSpPr>
         <p:spPr>
           <a:xfrm>
-            <a:off x="3455698" y="3425879"/>
+            <a:off x="3453732" y="3860557"/>
             <a:ext cx="86952" cy="86952"/>
           </a:xfrm>
           <a:prstGeom prst="ellipse">
@@ -6245,58 +6077,6 @@
           </a:p>
         </p:txBody>
       </p:sp>
-      <p:sp>
-        <p:nvSpPr>
-          <p:cNvPr id="81" name="Oval 80">
-            <a:extLst>
-              <a:ext uri="{FF2B5EF4-FFF2-40B4-BE49-F238E27FC236}">
-                <a16:creationId xmlns:a16="http://schemas.microsoft.com/office/drawing/2014/main" id="{A3F592AA-8913-2D35-2D25-C4F6AB731DA5}"/>
-              </a:ext>
-            </a:extLst>
-          </p:cNvPr>
-          <p:cNvSpPr/>
-          <p:nvPr/>
-        </p:nvSpPr>
-        <p:spPr>
-          <a:xfrm>
-            <a:off x="3455698" y="3575721"/>
-            <a:ext cx="86952" cy="86952"/>
-          </a:xfrm>
-          <a:prstGeom prst="ellipse">
-            <a:avLst/>
-          </a:prstGeom>
-          <a:solidFill>
-            <a:schemeClr val="tx1"/>
-          </a:solidFill>
-          <a:ln>
-            <a:noFill/>
-          </a:ln>
-        </p:spPr>
-        <p:style>
-          <a:lnRef idx="2">
-            <a:schemeClr val="dk1">
-              <a:shade val="15000"/>
-            </a:schemeClr>
-          </a:lnRef>
-          <a:fillRef idx="1">
-            <a:schemeClr val="dk1"/>
-          </a:fillRef>
-          <a:effectRef idx="0">
-            <a:schemeClr val="dk1"/>
-          </a:effectRef>
-          <a:fontRef idx="minor">
-            <a:schemeClr val="lt1"/>
-          </a:fontRef>
-        </p:style>
-        <p:txBody>
-          <a:bodyPr rtlCol="0" anchor="ctr"/>
-          <a:lstStyle/>
-          <a:p>
-            <a:pPr algn="ctr"/>
-            <a:endParaRPr lang="en-US"/>
-          </a:p>
-        </p:txBody>
-      </p:sp>
       <p:cxnSp>
         <p:nvCxnSpPr>
           <p:cNvPr id="82" name="Straight Arrow Connector 81">
@@ -6309,14 +6089,13 @@
           <p:cNvCxnSpPr>
             <a:cxnSpLocks/>
             <a:stCxn id="74" idx="3"/>
-            <a:endCxn id="35" idx="3"/>
           </p:cNvCxnSpPr>
           <p:nvPr/>
         </p:nvCxnSpPr>
         <p:spPr>
           <a:xfrm>
-            <a:off x="3697445" y="2143174"/>
-            <a:ext cx="204226" cy="1"/>
+            <a:off x="3697445" y="2897909"/>
+            <a:ext cx="220134" cy="0"/>
           </a:xfrm>
           <a:prstGeom prst="straightConnector1">
             <a:avLst/>
@@ -6359,14 +6138,13 @@
           <p:cNvCxnSpPr>
             <a:cxnSpLocks/>
             <a:stCxn id="75" idx="3"/>
-            <a:endCxn id="26" idx="3"/>
           </p:cNvCxnSpPr>
           <p:nvPr/>
         </p:nvCxnSpPr>
         <p:spPr>
           <a:xfrm>
-            <a:off x="3683503" y="2985215"/>
-            <a:ext cx="218169" cy="0"/>
+            <a:off x="3681537" y="3335364"/>
+            <a:ext cx="220134" cy="665"/>
           </a:xfrm>
           <a:prstGeom prst="straightConnector1">
             <a:avLst/>
@@ -6415,8 +6193,8 @@
         </p:nvCxnSpPr>
         <p:spPr>
           <a:xfrm flipV="1">
-            <a:off x="6931968" y="2869243"/>
-            <a:ext cx="309283" cy="3740"/>
+            <a:off x="6931968" y="3130496"/>
+            <a:ext cx="309283" cy="957"/>
           </a:xfrm>
           <a:prstGeom prst="straightConnector1">
             <a:avLst/>
@@ -6447,6 +6225,47 @@
           </a:fontRef>
         </p:style>
       </p:cxnSp>
+      <p:sp>
+        <p:nvSpPr>
+          <p:cNvPr id="23" name="TextBox 22">
+            <a:extLst>
+              <a:ext uri="{FF2B5EF4-FFF2-40B4-BE49-F238E27FC236}">
+                <a16:creationId xmlns:a16="http://schemas.microsoft.com/office/drawing/2014/main" id="{7A6EEEC6-5CCE-A8A8-B082-57DB2D0229F5}"/>
+              </a:ext>
+            </a:extLst>
+          </p:cNvPr>
+          <p:cNvSpPr txBox="1"/>
+          <p:nvPr/>
+        </p:nvSpPr>
+        <p:spPr>
+          <a:xfrm>
+            <a:off x="3236368" y="2252026"/>
+            <a:ext cx="3695599" cy="369332"/>
+          </a:xfrm>
+          <a:prstGeom prst="rect">
+            <a:avLst/>
+          </a:prstGeom>
+          <a:noFill/>
+        </p:spPr>
+        <p:txBody>
+          <a:bodyPr wrap="square">
+            <a:spAutoFit/>
+          </a:bodyPr>
+          <a:lstStyle/>
+          <a:p>
+            <a:pPr algn="ctr"/>
+            <a:r>
+              <a:rPr lang="en-US" dirty="0">
+                <a:solidFill>
+                  <a:schemeClr val="tx1"/>
+                </a:solidFill>
+              </a:rPr>
+              <a:t>Rerun</a:t>
+            </a:r>
+            <a:endParaRPr lang="en-US" sz="2000" dirty="0"/>
+          </a:p>
+        </p:txBody>
+      </p:sp>
     </p:spTree>
     <p:extLst>
       <p:ext uri="{BB962C8B-B14F-4D97-AF65-F5344CB8AC3E}">
